--- a/Slides - Sim meetings/5-24_LISA Sim_Nth Order Shift Results.pptx
+++ b/Slides - Sim meetings/5-24_LISA Sim_Nth Order Shift Results.pptx
@@ -1,15 +1,25 @@
 
 <file path=ppt/presentation.xml><?xml version="1.0" encoding="utf-8"?>
-<p:presentation xmlns:a="http://schemas.openxmlformats.org/drawingml/2006/main" xmlns:r="http://schemas.openxmlformats.org/officeDocument/2006/relationships" xmlns:p="http://schemas.openxmlformats.org/presentationml/2006/main" saveSubsetFonts="1">
+<p:presentation xmlns:a="http://schemas.openxmlformats.org/drawingml/2006/main" xmlns:r="http://schemas.openxmlformats.org/officeDocument/2006/relationships" xmlns:p="http://schemas.openxmlformats.org/presentationml/2006/main" showSpecialPlsOnTitleSld="0" saveSubsetFonts="1">
   <p:sldMasterIdLst>
     <p:sldMasterId id="2147483648" r:id="rId1"/>
   </p:sldMasterIdLst>
+  <p:notesMasterIdLst>
+    <p:notesMasterId r:id="rId14"/>
+  </p:notesMasterIdLst>
   <p:sldIdLst>
     <p:sldId id="271" r:id="rId2"/>
-    <p:sldId id="273" r:id="rId3"/>
-    <p:sldId id="276" r:id="rId4"/>
-    <p:sldId id="274" r:id="rId5"/>
-    <p:sldId id="275" r:id="rId6"/>
+    <p:sldId id="274" r:id="rId3"/>
+    <p:sldId id="275" r:id="rId4"/>
+    <p:sldId id="277" r:id="rId5"/>
+    <p:sldId id="278" r:id="rId6"/>
+    <p:sldId id="279" r:id="rId7"/>
+    <p:sldId id="280" r:id="rId8"/>
+    <p:sldId id="282" r:id="rId9"/>
+    <p:sldId id="273" r:id="rId10"/>
+    <p:sldId id="276" r:id="rId11"/>
+    <p:sldId id="283" r:id="rId12"/>
+    <p:sldId id="284" r:id="rId13"/>
   </p:sldIdLst>
   <p:sldSz cx="12192000" cy="6858000"/>
   <p:notesSz cx="6858000" cy="9144000"/>
@@ -116,6 +126,355 @@
 </p:presentation>
 </file>
 
+<file path=ppt/notesMasters/notesMaster1.xml><?xml version="1.0" encoding="utf-8"?>
+<p:notesMaster xmlns:a="http://schemas.openxmlformats.org/drawingml/2006/main" xmlns:r="http://schemas.openxmlformats.org/officeDocument/2006/relationships" xmlns:p="http://schemas.openxmlformats.org/presentationml/2006/main">
+  <p:cSld>
+    <p:bg>
+      <p:bgRef idx="1001">
+        <a:schemeClr val="bg1"/>
+      </p:bgRef>
+    </p:bg>
+    <p:spTree>
+      <p:nvGrpSpPr>
+        <p:cNvPr id="1" name=""/>
+        <p:cNvGrpSpPr/>
+        <p:nvPr/>
+      </p:nvGrpSpPr>
+      <p:grpSpPr>
+        <a:xfrm>
+          <a:off x="0" y="0"/>
+          <a:ext cx="0" cy="0"/>
+          <a:chOff x="0" y="0"/>
+          <a:chExt cx="0" cy="0"/>
+        </a:xfrm>
+      </p:grpSpPr>
+      <p:sp>
+        <p:nvSpPr>
+          <p:cNvPr id="2" name="Header Placeholder 1"/>
+          <p:cNvSpPr>
+            <a:spLocks noGrp="1"/>
+          </p:cNvSpPr>
+          <p:nvPr>
+            <p:ph type="hdr" sz="quarter"/>
+          </p:nvPr>
+        </p:nvSpPr>
+        <p:spPr>
+          <a:xfrm>
+            <a:off x="0" y="0"/>
+            <a:ext cx="2971800" cy="458788"/>
+          </a:xfrm>
+          <a:prstGeom prst="rect">
+            <a:avLst/>
+          </a:prstGeom>
+        </p:spPr>
+        <p:txBody>
+          <a:bodyPr vert="horz" lIns="91440" tIns="45720" rIns="91440" bIns="45720" rtlCol="0"/>
+          <a:lstStyle>
+            <a:lvl1pPr algn="l">
+              <a:defRPr sz="1200"/>
+            </a:lvl1pPr>
+          </a:lstStyle>
+          <a:p>
+            <a:endParaRPr lang="en-US"/>
+          </a:p>
+        </p:txBody>
+      </p:sp>
+      <p:sp>
+        <p:nvSpPr>
+          <p:cNvPr id="3" name="Date Placeholder 2"/>
+          <p:cNvSpPr>
+            <a:spLocks noGrp="1"/>
+          </p:cNvSpPr>
+          <p:nvPr>
+            <p:ph type="dt" idx="1"/>
+          </p:nvPr>
+        </p:nvSpPr>
+        <p:spPr>
+          <a:xfrm>
+            <a:off x="3884613" y="0"/>
+            <a:ext cx="2971800" cy="458788"/>
+          </a:xfrm>
+          <a:prstGeom prst="rect">
+            <a:avLst/>
+          </a:prstGeom>
+        </p:spPr>
+        <p:txBody>
+          <a:bodyPr vert="horz" lIns="91440" tIns="45720" rIns="91440" bIns="45720" rtlCol="0"/>
+          <a:lstStyle>
+            <a:lvl1pPr algn="r">
+              <a:defRPr sz="1200"/>
+            </a:lvl1pPr>
+          </a:lstStyle>
+          <a:p>
+            <a:fld id="{05D63B39-7C0B-40AB-8E59-C219CDB47F01}" type="datetimeFigureOut">
+              <a:rPr lang="en-US" smtClean="0"/>
+              <a:t>5/25/2020</a:t>
+            </a:fld>
+            <a:endParaRPr lang="en-US"/>
+          </a:p>
+        </p:txBody>
+      </p:sp>
+      <p:sp>
+        <p:nvSpPr>
+          <p:cNvPr id="4" name="Slide Image Placeholder 3"/>
+          <p:cNvSpPr>
+            <a:spLocks noGrp="1" noRot="1" noChangeAspect="1"/>
+          </p:cNvSpPr>
+          <p:nvPr>
+            <p:ph type="sldImg" idx="2"/>
+          </p:nvPr>
+        </p:nvSpPr>
+        <p:spPr>
+          <a:xfrm>
+            <a:off x="685800" y="1143000"/>
+            <a:ext cx="5486400" cy="3086100"/>
+          </a:xfrm>
+          <a:prstGeom prst="rect">
+            <a:avLst/>
+          </a:prstGeom>
+          <a:noFill/>
+          <a:ln w="12700">
+            <a:solidFill>
+              <a:prstClr val="black"/>
+            </a:solidFill>
+          </a:ln>
+        </p:spPr>
+        <p:txBody>
+          <a:bodyPr vert="horz" lIns="91440" tIns="45720" rIns="91440" bIns="45720" rtlCol="0" anchor="ctr"/>
+          <a:lstStyle/>
+          <a:p>
+            <a:endParaRPr lang="en-US"/>
+          </a:p>
+        </p:txBody>
+      </p:sp>
+      <p:sp>
+        <p:nvSpPr>
+          <p:cNvPr id="5" name="Notes Placeholder 4"/>
+          <p:cNvSpPr>
+            <a:spLocks noGrp="1"/>
+          </p:cNvSpPr>
+          <p:nvPr>
+            <p:ph type="body" sz="quarter" idx="3"/>
+          </p:nvPr>
+        </p:nvSpPr>
+        <p:spPr>
+          <a:xfrm>
+            <a:off x="685800" y="4400550"/>
+            <a:ext cx="5486400" cy="3600450"/>
+          </a:xfrm>
+          <a:prstGeom prst="rect">
+            <a:avLst/>
+          </a:prstGeom>
+        </p:spPr>
+        <p:txBody>
+          <a:bodyPr vert="horz" lIns="91440" tIns="45720" rIns="91440" bIns="45720" rtlCol="0"/>
+          <a:lstStyle/>
+          <a:p>
+            <a:pPr lvl="0"/>
+            <a:r>
+              <a:rPr lang="en-US"/>
+              <a:t>Click to edit Master text styles</a:t>
+            </a:r>
+          </a:p>
+          <a:p>
+            <a:pPr lvl="1"/>
+            <a:r>
+              <a:rPr lang="en-US"/>
+              <a:t>Second level</a:t>
+            </a:r>
+          </a:p>
+          <a:p>
+            <a:pPr lvl="2"/>
+            <a:r>
+              <a:rPr lang="en-US"/>
+              <a:t>Third level</a:t>
+            </a:r>
+          </a:p>
+          <a:p>
+            <a:pPr lvl="3"/>
+            <a:r>
+              <a:rPr lang="en-US"/>
+              <a:t>Fourth level</a:t>
+            </a:r>
+          </a:p>
+          <a:p>
+            <a:pPr lvl="4"/>
+            <a:r>
+              <a:rPr lang="en-US"/>
+              <a:t>Fifth level</a:t>
+            </a:r>
+          </a:p>
+        </p:txBody>
+      </p:sp>
+      <p:sp>
+        <p:nvSpPr>
+          <p:cNvPr id="6" name="Footer Placeholder 5"/>
+          <p:cNvSpPr>
+            <a:spLocks noGrp="1"/>
+          </p:cNvSpPr>
+          <p:nvPr>
+            <p:ph type="ftr" sz="quarter" idx="4"/>
+          </p:nvPr>
+        </p:nvSpPr>
+        <p:spPr>
+          <a:xfrm>
+            <a:off x="0" y="8685213"/>
+            <a:ext cx="2971800" cy="458787"/>
+          </a:xfrm>
+          <a:prstGeom prst="rect">
+            <a:avLst/>
+          </a:prstGeom>
+        </p:spPr>
+        <p:txBody>
+          <a:bodyPr vert="horz" lIns="91440" tIns="45720" rIns="91440" bIns="45720" rtlCol="0" anchor="b"/>
+          <a:lstStyle>
+            <a:lvl1pPr algn="l">
+              <a:defRPr sz="1200"/>
+            </a:lvl1pPr>
+          </a:lstStyle>
+          <a:p>
+            <a:endParaRPr lang="en-US"/>
+          </a:p>
+        </p:txBody>
+      </p:sp>
+      <p:sp>
+        <p:nvSpPr>
+          <p:cNvPr id="7" name="Slide Number Placeholder 6"/>
+          <p:cNvSpPr>
+            <a:spLocks noGrp="1"/>
+          </p:cNvSpPr>
+          <p:nvPr>
+            <p:ph type="sldNum" sz="quarter" idx="5"/>
+          </p:nvPr>
+        </p:nvSpPr>
+        <p:spPr>
+          <a:xfrm>
+            <a:off x="3884613" y="8685213"/>
+            <a:ext cx="2971800" cy="458787"/>
+          </a:xfrm>
+          <a:prstGeom prst="rect">
+            <a:avLst/>
+          </a:prstGeom>
+        </p:spPr>
+        <p:txBody>
+          <a:bodyPr vert="horz" lIns="91440" tIns="45720" rIns="91440" bIns="45720" rtlCol="0" anchor="b"/>
+          <a:lstStyle>
+            <a:lvl1pPr algn="r">
+              <a:defRPr sz="1200"/>
+            </a:lvl1pPr>
+          </a:lstStyle>
+          <a:p>
+            <a:fld id="{1446AF77-48AA-4330-AB24-B3CFDA801633}" type="slidenum">
+              <a:rPr lang="en-US" smtClean="0"/>
+              <a:t>‹#›</a:t>
+            </a:fld>
+            <a:endParaRPr lang="en-US"/>
+          </a:p>
+        </p:txBody>
+      </p:sp>
+    </p:spTree>
+    <p:extLst>
+      <p:ext uri="{BB962C8B-B14F-4D97-AF65-F5344CB8AC3E}">
+        <p14:creationId xmlns:p14="http://schemas.microsoft.com/office/powerpoint/2010/main" val="4272845384"/>
+      </p:ext>
+    </p:extLst>
+  </p:cSld>
+  <p:clrMap bg1="lt1" tx1="dk1" bg2="lt2" tx2="dk2" accent1="accent1" accent2="accent2" accent3="accent3" accent4="accent4" accent5="accent5" accent6="accent6" hlink="hlink" folHlink="folHlink"/>
+  <p:notesStyle>
+    <a:lvl1pPr marL="0" algn="l" defTabSz="914400" rtl="0" eaLnBrk="1" latinLnBrk="0" hangingPunct="1">
+      <a:defRPr sz="1200" kern="1200">
+        <a:solidFill>
+          <a:schemeClr val="tx1"/>
+        </a:solidFill>
+        <a:latin typeface="+mn-lt"/>
+        <a:ea typeface="+mn-ea"/>
+        <a:cs typeface="+mn-cs"/>
+      </a:defRPr>
+    </a:lvl1pPr>
+    <a:lvl2pPr marL="457200" algn="l" defTabSz="914400" rtl="0" eaLnBrk="1" latinLnBrk="0" hangingPunct="1">
+      <a:defRPr sz="1200" kern="1200">
+        <a:solidFill>
+          <a:schemeClr val="tx1"/>
+        </a:solidFill>
+        <a:latin typeface="+mn-lt"/>
+        <a:ea typeface="+mn-ea"/>
+        <a:cs typeface="+mn-cs"/>
+      </a:defRPr>
+    </a:lvl2pPr>
+    <a:lvl3pPr marL="914400" algn="l" defTabSz="914400" rtl="0" eaLnBrk="1" latinLnBrk="0" hangingPunct="1">
+      <a:defRPr sz="1200" kern="1200">
+        <a:solidFill>
+          <a:schemeClr val="tx1"/>
+        </a:solidFill>
+        <a:latin typeface="+mn-lt"/>
+        <a:ea typeface="+mn-ea"/>
+        <a:cs typeface="+mn-cs"/>
+      </a:defRPr>
+    </a:lvl3pPr>
+    <a:lvl4pPr marL="1371600" algn="l" defTabSz="914400" rtl="0" eaLnBrk="1" latinLnBrk="0" hangingPunct="1">
+      <a:defRPr sz="1200" kern="1200">
+        <a:solidFill>
+          <a:schemeClr val="tx1"/>
+        </a:solidFill>
+        <a:latin typeface="+mn-lt"/>
+        <a:ea typeface="+mn-ea"/>
+        <a:cs typeface="+mn-cs"/>
+      </a:defRPr>
+    </a:lvl4pPr>
+    <a:lvl5pPr marL="1828800" algn="l" defTabSz="914400" rtl="0" eaLnBrk="1" latinLnBrk="0" hangingPunct="1">
+      <a:defRPr sz="1200" kern="1200">
+        <a:solidFill>
+          <a:schemeClr val="tx1"/>
+        </a:solidFill>
+        <a:latin typeface="+mn-lt"/>
+        <a:ea typeface="+mn-ea"/>
+        <a:cs typeface="+mn-cs"/>
+      </a:defRPr>
+    </a:lvl5pPr>
+    <a:lvl6pPr marL="2286000" algn="l" defTabSz="914400" rtl="0" eaLnBrk="1" latinLnBrk="0" hangingPunct="1">
+      <a:defRPr sz="1200" kern="1200">
+        <a:solidFill>
+          <a:schemeClr val="tx1"/>
+        </a:solidFill>
+        <a:latin typeface="+mn-lt"/>
+        <a:ea typeface="+mn-ea"/>
+        <a:cs typeface="+mn-cs"/>
+      </a:defRPr>
+    </a:lvl6pPr>
+    <a:lvl7pPr marL="2743200" algn="l" defTabSz="914400" rtl="0" eaLnBrk="1" latinLnBrk="0" hangingPunct="1">
+      <a:defRPr sz="1200" kern="1200">
+        <a:solidFill>
+          <a:schemeClr val="tx1"/>
+        </a:solidFill>
+        <a:latin typeface="+mn-lt"/>
+        <a:ea typeface="+mn-ea"/>
+        <a:cs typeface="+mn-cs"/>
+      </a:defRPr>
+    </a:lvl7pPr>
+    <a:lvl8pPr marL="3200400" algn="l" defTabSz="914400" rtl="0" eaLnBrk="1" latinLnBrk="0" hangingPunct="1">
+      <a:defRPr sz="1200" kern="1200">
+        <a:solidFill>
+          <a:schemeClr val="tx1"/>
+        </a:solidFill>
+        <a:latin typeface="+mn-lt"/>
+        <a:ea typeface="+mn-ea"/>
+        <a:cs typeface="+mn-cs"/>
+      </a:defRPr>
+    </a:lvl8pPr>
+    <a:lvl9pPr marL="3657600" algn="l" defTabSz="914400" rtl="0" eaLnBrk="1" latinLnBrk="0" hangingPunct="1">
+      <a:defRPr sz="1200" kern="1200">
+        <a:solidFill>
+          <a:schemeClr val="tx1"/>
+        </a:solidFill>
+        <a:latin typeface="+mn-lt"/>
+        <a:ea typeface="+mn-ea"/>
+        <a:cs typeface="+mn-cs"/>
+      </a:defRPr>
+    </a:lvl9pPr>
+  </p:notesStyle>
+</p:notesMaster>
+</file>
+
 <file path=ppt/slideLayouts/slideLayout1.xml><?xml version="1.0" encoding="utf-8"?>
 <p:sldLayout xmlns:a="http://schemas.openxmlformats.org/drawingml/2006/main" xmlns:r="http://schemas.openxmlformats.org/officeDocument/2006/relationships" xmlns:p="http://schemas.openxmlformats.org/presentationml/2006/main" type="title" preserve="1">
   <p:cSld name="Title Slide">
@@ -261,9 +620,9 @@
           <a:bodyPr/>
           <a:lstStyle/>
           <a:p>
-            <a:fld id="{D3DF9853-90F1-49DE-9D35-AED9100E0372}" type="datetimeFigureOut">
+            <a:fld id="{E5C8D646-8183-431C-8649-FF4CFA2E8AF3}" type="datetime1">
               <a:rPr lang="en-US" smtClean="0"/>
-              <a:t>5/24/2020</a:t>
+              <a:t>5/25/2020</a:t>
             </a:fld>
             <a:endParaRPr lang="en-US"/>
           </a:p>
@@ -290,7 +649,10 @@
           <a:bodyPr/>
           <a:lstStyle/>
           <a:p>
-            <a:endParaRPr lang="en-US"/>
+            <a:r>
+              <a:rPr lang="en-US"/>
+              <a:t>LISA Simulations</a:t>
+            </a:r>
           </a:p>
         </p:txBody>
       </p:sp>
@@ -459,9 +821,9 @@
           <a:bodyPr/>
           <a:lstStyle/>
           <a:p>
-            <a:fld id="{D3DF9853-90F1-49DE-9D35-AED9100E0372}" type="datetimeFigureOut">
+            <a:fld id="{D19128B6-0F19-466C-B7AD-F9201D915A4C}" type="datetime1">
               <a:rPr lang="en-US" smtClean="0"/>
-              <a:t>5/24/2020</a:t>
+              <a:t>5/25/2020</a:t>
             </a:fld>
             <a:endParaRPr lang="en-US"/>
           </a:p>
@@ -488,7 +850,10 @@
           <a:bodyPr/>
           <a:lstStyle/>
           <a:p>
-            <a:endParaRPr lang="en-US"/>
+            <a:r>
+              <a:rPr lang="en-US"/>
+              <a:t>LISA Simulations</a:t>
+            </a:r>
           </a:p>
         </p:txBody>
       </p:sp>
@@ -667,9 +1032,9 @@
           <a:bodyPr/>
           <a:lstStyle/>
           <a:p>
-            <a:fld id="{D3DF9853-90F1-49DE-9D35-AED9100E0372}" type="datetimeFigureOut">
+            <a:fld id="{870964B4-93F3-49C9-AAAC-307FD318026A}" type="datetime1">
               <a:rPr lang="en-US" smtClean="0"/>
-              <a:t>5/24/2020</a:t>
+              <a:t>5/25/2020</a:t>
             </a:fld>
             <a:endParaRPr lang="en-US"/>
           </a:p>
@@ -696,7 +1061,10 @@
           <a:bodyPr/>
           <a:lstStyle/>
           <a:p>
-            <a:endParaRPr lang="en-US"/>
+            <a:r>
+              <a:rPr lang="en-US"/>
+              <a:t>LISA Simulations</a:t>
+            </a:r>
           </a:p>
         </p:txBody>
       </p:sp>
@@ -865,9 +1233,9 @@
           <a:bodyPr/>
           <a:lstStyle/>
           <a:p>
-            <a:fld id="{D3DF9853-90F1-49DE-9D35-AED9100E0372}" type="datetimeFigureOut">
+            <a:fld id="{33B93A37-32F4-40D8-9517-2F5A08BDB427}" type="datetime1">
               <a:rPr lang="en-US" smtClean="0"/>
-              <a:t>5/24/2020</a:t>
+              <a:t>5/25/2020</a:t>
             </a:fld>
             <a:endParaRPr lang="en-US"/>
           </a:p>
@@ -894,7 +1262,10 @@
           <a:bodyPr/>
           <a:lstStyle/>
           <a:p>
-            <a:endParaRPr lang="en-US"/>
+            <a:r>
+              <a:rPr lang="en-US"/>
+              <a:t>LISA Simulations</a:t>
+            </a:r>
           </a:p>
         </p:txBody>
       </p:sp>
@@ -914,7 +1285,12 @@
             <p:ph type="sldNum" sz="quarter" idx="12"/>
           </p:nvPr>
         </p:nvSpPr>
-        <p:spPr/>
+        <p:spPr>
+          <a:xfrm>
+            <a:off x="9191625" y="90488"/>
+            <a:ext cx="2743200" cy="365125"/>
+          </a:xfrm>
+        </p:spPr>
         <p:txBody>
           <a:bodyPr/>
           <a:lstStyle/>
@@ -1140,9 +1516,9 @@
           <a:bodyPr/>
           <a:lstStyle/>
           <a:p>
-            <a:fld id="{D3DF9853-90F1-49DE-9D35-AED9100E0372}" type="datetimeFigureOut">
+            <a:fld id="{D758A2F3-7DB7-485B-89C2-17B698416CAD}" type="datetime1">
               <a:rPr lang="en-US" smtClean="0"/>
-              <a:t>5/24/2020</a:t>
+              <a:t>5/25/2020</a:t>
             </a:fld>
             <a:endParaRPr lang="en-US"/>
           </a:p>
@@ -1169,7 +1545,10 @@
           <a:bodyPr/>
           <a:lstStyle/>
           <a:p>
-            <a:endParaRPr lang="en-US"/>
+            <a:r>
+              <a:rPr lang="en-US"/>
+              <a:t>LISA Simulations</a:t>
+            </a:r>
           </a:p>
         </p:txBody>
       </p:sp>
@@ -1405,9 +1784,9 @@
           <a:bodyPr/>
           <a:lstStyle/>
           <a:p>
-            <a:fld id="{D3DF9853-90F1-49DE-9D35-AED9100E0372}" type="datetimeFigureOut">
+            <a:fld id="{92E6A67C-B261-4B9C-9851-0FB1B40AB8D8}" type="datetime1">
               <a:rPr lang="en-US" smtClean="0"/>
-              <a:t>5/24/2020</a:t>
+              <a:t>5/25/2020</a:t>
             </a:fld>
             <a:endParaRPr lang="en-US"/>
           </a:p>
@@ -1434,7 +1813,10 @@
           <a:bodyPr/>
           <a:lstStyle/>
           <a:p>
-            <a:endParaRPr lang="en-US"/>
+            <a:r>
+              <a:rPr lang="en-US"/>
+              <a:t>LISA Simulations</a:t>
+            </a:r>
           </a:p>
         </p:txBody>
       </p:sp>
@@ -1817,9 +2199,9 @@
           <a:bodyPr/>
           <a:lstStyle/>
           <a:p>
-            <a:fld id="{D3DF9853-90F1-49DE-9D35-AED9100E0372}" type="datetimeFigureOut">
+            <a:fld id="{D90A28DB-CEB4-4398-91EE-54F14FE74771}" type="datetime1">
               <a:rPr lang="en-US" smtClean="0"/>
-              <a:t>5/24/2020</a:t>
+              <a:t>5/25/2020</a:t>
             </a:fld>
             <a:endParaRPr lang="en-US"/>
           </a:p>
@@ -1846,7 +2228,10 @@
           <a:bodyPr/>
           <a:lstStyle/>
           <a:p>
-            <a:endParaRPr lang="en-US"/>
+            <a:r>
+              <a:rPr lang="en-US"/>
+              <a:t>LISA Simulations</a:t>
+            </a:r>
           </a:p>
         </p:txBody>
       </p:sp>
@@ -1958,9 +2343,9 @@
           <a:bodyPr/>
           <a:lstStyle/>
           <a:p>
-            <a:fld id="{D3DF9853-90F1-49DE-9D35-AED9100E0372}" type="datetimeFigureOut">
+            <a:fld id="{B00B0CBB-CFAE-415E-9D95-A295BCD2B429}" type="datetime1">
               <a:rPr lang="en-US" smtClean="0"/>
-              <a:t>5/24/2020</a:t>
+              <a:t>5/25/2020</a:t>
             </a:fld>
             <a:endParaRPr lang="en-US"/>
           </a:p>
@@ -1987,7 +2372,10 @@
           <a:bodyPr/>
           <a:lstStyle/>
           <a:p>
-            <a:endParaRPr lang="en-US"/>
+            <a:r>
+              <a:rPr lang="en-US"/>
+              <a:t>LISA Simulations</a:t>
+            </a:r>
           </a:p>
         </p:txBody>
       </p:sp>
@@ -2071,9 +2459,9 @@
           <a:bodyPr/>
           <a:lstStyle/>
           <a:p>
-            <a:fld id="{D3DF9853-90F1-49DE-9D35-AED9100E0372}" type="datetimeFigureOut">
+            <a:fld id="{552EEE33-01A3-4ECE-A2A5-EEFC45AD77AC}" type="datetime1">
               <a:rPr lang="en-US" smtClean="0"/>
-              <a:t>5/24/2020</a:t>
+              <a:t>5/25/2020</a:t>
             </a:fld>
             <a:endParaRPr lang="en-US"/>
           </a:p>
@@ -2100,7 +2488,10 @@
           <a:bodyPr/>
           <a:lstStyle/>
           <a:p>
-            <a:endParaRPr lang="en-US"/>
+            <a:r>
+              <a:rPr lang="en-US"/>
+              <a:t>LISA Simulations</a:t>
+            </a:r>
           </a:p>
         </p:txBody>
       </p:sp>
@@ -2382,9 +2773,9 @@
           <a:bodyPr/>
           <a:lstStyle/>
           <a:p>
-            <a:fld id="{D3DF9853-90F1-49DE-9D35-AED9100E0372}" type="datetimeFigureOut">
+            <a:fld id="{AD60F373-D5E1-4A75-A745-368F2530E80B}" type="datetime1">
               <a:rPr lang="en-US" smtClean="0"/>
-              <a:t>5/24/2020</a:t>
+              <a:t>5/25/2020</a:t>
             </a:fld>
             <a:endParaRPr lang="en-US"/>
           </a:p>
@@ -2411,7 +2802,10 @@
           <a:bodyPr/>
           <a:lstStyle/>
           <a:p>
-            <a:endParaRPr lang="en-US"/>
+            <a:r>
+              <a:rPr lang="en-US"/>
+              <a:t>LISA Simulations</a:t>
+            </a:r>
           </a:p>
         </p:txBody>
       </p:sp>
@@ -2673,9 +3067,9 @@
           <a:bodyPr/>
           <a:lstStyle/>
           <a:p>
-            <a:fld id="{D3DF9853-90F1-49DE-9D35-AED9100E0372}" type="datetimeFigureOut">
+            <a:fld id="{A0CC251E-20EC-4ABF-A0A1-B77083D5656E}" type="datetime1">
               <a:rPr lang="en-US" smtClean="0"/>
-              <a:t>5/24/2020</a:t>
+              <a:t>5/25/2020</a:t>
             </a:fld>
             <a:endParaRPr lang="en-US"/>
           </a:p>
@@ -2702,7 +3096,10 @@
           <a:bodyPr/>
           <a:lstStyle/>
           <a:p>
-            <a:endParaRPr lang="en-US"/>
+            <a:r>
+              <a:rPr lang="en-US"/>
+              <a:t>LISA Simulations</a:t>
+            </a:r>
           </a:p>
         </p:txBody>
       </p:sp>
@@ -2914,9 +3311,9 @@
             </a:lvl1pPr>
           </a:lstStyle>
           <a:p>
-            <a:fld id="{D3DF9853-90F1-49DE-9D35-AED9100E0372}" type="datetimeFigureOut">
+            <a:fld id="{93434C2D-FC7B-45C9-9C62-4AAD2DA6550A}" type="datetime1">
               <a:rPr lang="en-US" smtClean="0"/>
-              <a:t>5/24/2020</a:t>
+              <a:t>5/25/2020</a:t>
             </a:fld>
             <a:endParaRPr lang="en-US"/>
           </a:p>
@@ -2961,7 +3358,10 @@
             </a:lvl1pPr>
           </a:lstStyle>
           <a:p>
-            <a:endParaRPr lang="en-US"/>
+            <a:r>
+              <a:rPr lang="en-US"/>
+              <a:t>LISA Simulations</a:t>
+            </a:r>
           </a:p>
         </p:txBody>
       </p:sp>
@@ -3033,6 +3433,7 @@
     <p:sldLayoutId id="2147483658" r:id="rId10"/>
     <p:sldLayoutId id="2147483659" r:id="rId11"/>
   </p:sldLayoutIdLst>
+  <p:hf hdr="0" dt="0"/>
   <p:txStyles>
     <p:titleStyle>
       <a:lvl1pPr algn="l" defTabSz="914400" rtl="0" eaLnBrk="1" latinLnBrk="0" hangingPunct="1">
@@ -3600,10 +4001,10 @@
             <a:pPr algn="ctr"/>
             <a:r>
               <a:rPr lang="en-US" dirty="0"/>
-              <a:t>N-</a:t>
-            </a:r>
-            <a:r>
-              <a:rPr lang="en-US" dirty="0" err="1"/>
+              <a:t>K</a:t>
+            </a:r>
+            <a:r>
+              <a:rPr lang="en-US" baseline="30000" dirty="0"/>
               <a:t>th</a:t>
             </a:r>
             <a:r>
@@ -3670,7 +4071,7 @@
             <a:pPr algn="ctr"/>
             <a:r>
               <a:rPr lang="en-US" sz="2400" dirty="0"/>
-              <a:t>May 24 2020</a:t>
+              <a:t>May 26 2020</a:t>
             </a:r>
           </a:p>
         </p:txBody>
@@ -3690,7 +4091,7 @@
         <p:spPr>
           <a:xfrm>
             <a:off x="4021606" y="4515081"/>
-            <a:ext cx="7266074" cy="1323439"/>
+            <a:ext cx="7266074" cy="1631216"/>
           </a:xfrm>
           <a:prstGeom prst="rect">
             <a:avLst/>
@@ -3709,21 +4110,502 @@
             </a:pPr>
             <a:r>
               <a:rPr lang="en-US" sz="2000" dirty="0"/>
+              <a:t>Shift expansion analysis (at </a:t>
+            </a:r>
+            <a:r>
+              <a:rPr lang="en-US" sz="2000" dirty="0" err="1"/>
+              <a:t>waist,</a:t>
+            </a:r>
+            <a:r>
+              <a:rPr lang="en-US" sz="2000" i="1" dirty="0" err="1"/>
+              <a:t>z</a:t>
+            </a:r>
+            <a:r>
+              <a:rPr lang="en-US" sz="2000" dirty="0"/>
+              <a:t>=0):</a:t>
+            </a:r>
+          </a:p>
+          <a:p>
+            <a:pPr marL="742950" lvl="1" indent="-285750">
+              <a:buFont typeface="Arial" panose="020B0604020202020204" pitchFamily="34" charset="0"/>
+              <a:buChar char="•"/>
+            </a:pPr>
+            <a:r>
+              <a:rPr lang="en-US" sz="2000" dirty="0"/>
+              <a:t>Gaussian</a:t>
+            </a:r>
+          </a:p>
+          <a:p>
+            <a:pPr marL="742950" lvl="1" indent="-285750">
+              <a:buFont typeface="Arial" panose="020B0604020202020204" pitchFamily="34" charset="0"/>
+              <a:buChar char="•"/>
+            </a:pPr>
+            <a:r>
+              <a:rPr lang="en-US" sz="2000" dirty="0"/>
+              <a:t>0-100 micron offset </a:t>
+            </a:r>
+            <a:r>
+              <a:rPr lang="en-US" sz="2000" dirty="0" err="1"/>
+              <a:t>tophat</a:t>
+            </a:r>
+            <a:r>
+              <a:rPr lang="en-US" sz="2000" dirty="0"/>
+              <a:t> (34)</a:t>
+            </a:r>
+          </a:p>
+          <a:p>
+            <a:pPr marL="742950" lvl="1" indent="-285750">
+              <a:buFont typeface="Arial" panose="020B0604020202020204" pitchFamily="34" charset="0"/>
+              <a:buChar char="•"/>
+            </a:pPr>
+            <a:r>
+              <a:rPr lang="en-US" sz="2000" dirty="0"/>
               <a:t>Computation times</a:t>
             </a:r>
           </a:p>
+          <a:p>
+            <a:pPr marL="1200150" lvl="2" indent="-285750">
+              <a:buFont typeface="Arial" panose="020B0604020202020204" pitchFamily="34" charset="0"/>
+              <a:buChar char="•"/>
+            </a:pPr>
+            <a:r>
+              <a:rPr lang="en-US" sz="2000" dirty="0" err="1"/>
+              <a:t>Tophat</a:t>
+            </a:r>
+            <a:r>
+              <a:rPr lang="en-US" sz="2000" dirty="0"/>
+              <a:t> ,varied max mode order</a:t>
+            </a:r>
+          </a:p>
+        </p:txBody>
+      </p:sp>
+      <p:sp>
+        <p:nvSpPr>
+          <p:cNvPr id="2" name="Slide Number Placeholder 1">
+            <a:extLst>
+              <a:ext uri="{FF2B5EF4-FFF2-40B4-BE49-F238E27FC236}">
+                <a16:creationId xmlns:a16="http://schemas.microsoft.com/office/drawing/2014/main" id="{5E0E6D38-6448-4B0C-B750-7ADAA398C2FC}"/>
+              </a:ext>
+            </a:extLst>
+          </p:cNvPr>
+          <p:cNvSpPr>
+            <a:spLocks noGrp="1"/>
+          </p:cNvSpPr>
+          <p:nvPr>
+            <p:ph type="sldNum" sz="quarter" idx="12"/>
+          </p:nvPr>
+        </p:nvSpPr>
+        <p:spPr/>
+        <p:txBody>
+          <a:bodyPr/>
+          <a:lstStyle/>
+          <a:p>
+            <a:fld id="{01DD9B2E-0F68-4E36-8E5A-BCFDBE11C298}" type="slidenum">
+              <a:rPr lang="en-US" smtClean="0"/>
+              <a:t>1</a:t>
+            </a:fld>
+            <a:endParaRPr lang="en-US"/>
+          </a:p>
+        </p:txBody>
+      </p:sp>
+    </p:spTree>
+    <p:extLst>
+      <p:ext uri="{BB962C8B-B14F-4D97-AF65-F5344CB8AC3E}">
+        <p14:creationId xmlns:p14="http://schemas.microsoft.com/office/powerpoint/2010/main" val="3803674037"/>
+      </p:ext>
+    </p:extLst>
+  </p:cSld>
+  <p:clrMapOvr>
+    <a:masterClrMapping/>
+  </p:clrMapOvr>
+</p:sld>
+</file>
+
+<file path=ppt/slides/slide10.xml><?xml version="1.0" encoding="utf-8"?>
+<p:sld xmlns:a="http://schemas.openxmlformats.org/drawingml/2006/main" xmlns:r="http://schemas.openxmlformats.org/officeDocument/2006/relationships" xmlns:p="http://schemas.openxmlformats.org/presentationml/2006/main">
+  <p:cSld>
+    <p:spTree>
+      <p:nvGrpSpPr>
+        <p:cNvPr id="1" name=""/>
+        <p:cNvGrpSpPr/>
+        <p:nvPr/>
+      </p:nvGrpSpPr>
+      <p:grpSpPr>
+        <a:xfrm>
+          <a:off x="0" y="0"/>
+          <a:ext cx="0" cy="0"/>
+          <a:chOff x="0" y="0"/>
+          <a:chExt cx="0" cy="0"/>
+        </a:xfrm>
+      </p:grpSpPr>
+      <p:cxnSp>
+        <p:nvCxnSpPr>
+          <p:cNvPr id="5" name="Straight Connector 4">
+            <a:extLst>
+              <a:ext uri="{FF2B5EF4-FFF2-40B4-BE49-F238E27FC236}">
+                <a16:creationId xmlns:a16="http://schemas.microsoft.com/office/drawing/2014/main" id="{DD3444E0-C95B-418B-9590-457C7FF29DF0}"/>
+              </a:ext>
+            </a:extLst>
+          </p:cNvPr>
+          <p:cNvCxnSpPr/>
+          <p:nvPr/>
+        </p:nvCxnSpPr>
+        <p:spPr>
+          <a:xfrm>
+            <a:off x="0" y="6737758"/>
+            <a:ext cx="12192000" cy="0"/>
+          </a:xfrm>
+          <a:prstGeom prst="line">
+            <a:avLst/>
+          </a:prstGeom>
+          <a:ln w="25400">
+            <a:solidFill>
+              <a:srgbClr val="0021A5"/>
+            </a:solidFill>
+          </a:ln>
+        </p:spPr>
+        <p:style>
+          <a:lnRef idx="1">
+            <a:schemeClr val="accent1"/>
+          </a:lnRef>
+          <a:fillRef idx="0">
+            <a:schemeClr val="accent1"/>
+          </a:fillRef>
+          <a:effectRef idx="0">
+            <a:schemeClr val="accent1"/>
+          </a:effectRef>
+          <a:fontRef idx="minor">
+            <a:schemeClr val="tx1"/>
+          </a:fontRef>
+        </p:style>
+      </p:cxnSp>
+      <p:sp>
+        <p:nvSpPr>
+          <p:cNvPr id="4" name="Rectangle 3">
+            <a:extLst>
+              <a:ext uri="{FF2B5EF4-FFF2-40B4-BE49-F238E27FC236}">
+                <a16:creationId xmlns:a16="http://schemas.microsoft.com/office/drawing/2014/main" id="{D3BD5F43-F7B8-4217-9611-5D1952165A72}"/>
+              </a:ext>
+            </a:extLst>
+          </p:cNvPr>
+          <p:cNvSpPr/>
+          <p:nvPr/>
+        </p:nvSpPr>
+        <p:spPr>
+          <a:xfrm>
+            <a:off x="0" y="0"/>
+            <a:ext cx="12192000" cy="438148"/>
+          </a:xfrm>
+          <a:prstGeom prst="rect">
+            <a:avLst/>
+          </a:prstGeom>
+          <a:solidFill>
+            <a:srgbClr val="0021A5"/>
+          </a:solidFill>
+          <a:ln>
+            <a:solidFill>
+              <a:srgbClr val="0021A5"/>
+            </a:solidFill>
+          </a:ln>
+        </p:spPr>
+        <p:style>
+          <a:lnRef idx="2">
+            <a:schemeClr val="accent1">
+              <a:shade val="50000"/>
+            </a:schemeClr>
+          </a:lnRef>
+          <a:fillRef idx="1">
+            <a:schemeClr val="accent1"/>
+          </a:fillRef>
+          <a:effectRef idx="0">
+            <a:schemeClr val="accent1"/>
+          </a:effectRef>
+          <a:fontRef idx="minor">
+            <a:schemeClr val="lt1"/>
+          </a:fontRef>
+        </p:style>
+        <p:txBody>
+          <a:bodyPr rtlCol="0" anchor="ctr"/>
+          <a:lstStyle/>
+          <a:p>
+            <a:pPr algn="ctr"/>
+            <a:endParaRPr lang="en-US"/>
+          </a:p>
+        </p:txBody>
+      </p:sp>
+      <p:cxnSp>
+        <p:nvCxnSpPr>
+          <p:cNvPr id="6" name="Straight Connector 5">
+            <a:extLst>
+              <a:ext uri="{FF2B5EF4-FFF2-40B4-BE49-F238E27FC236}">
+                <a16:creationId xmlns:a16="http://schemas.microsoft.com/office/drawing/2014/main" id="{D062F9CE-7B12-467C-AF7C-E3BAAF5FE8F8}"/>
+              </a:ext>
+            </a:extLst>
+          </p:cNvPr>
+          <p:cNvCxnSpPr>
+            <a:cxnSpLocks/>
+          </p:cNvCxnSpPr>
+          <p:nvPr/>
+        </p:nvCxnSpPr>
+        <p:spPr>
+          <a:xfrm>
+            <a:off x="342253" y="1426530"/>
+            <a:ext cx="11306175" cy="0"/>
+          </a:xfrm>
+          <a:prstGeom prst="line">
+            <a:avLst/>
+          </a:prstGeom>
+          <a:ln w="19050">
+            <a:solidFill>
+              <a:srgbClr val="FA4616"/>
+            </a:solidFill>
+          </a:ln>
+        </p:spPr>
+        <p:style>
+          <a:lnRef idx="1">
+            <a:schemeClr val="accent1"/>
+          </a:lnRef>
+          <a:fillRef idx="0">
+            <a:schemeClr val="accent1"/>
+          </a:fillRef>
+          <a:effectRef idx="0">
+            <a:schemeClr val="accent1"/>
+          </a:effectRef>
+          <a:fontRef idx="minor">
+            <a:schemeClr val="tx1"/>
+          </a:fontRef>
+        </p:style>
+      </p:cxnSp>
+      <p:cxnSp>
+        <p:nvCxnSpPr>
+          <p:cNvPr id="8" name="Straight Connector 7">
+            <a:extLst>
+              <a:ext uri="{FF2B5EF4-FFF2-40B4-BE49-F238E27FC236}">
+                <a16:creationId xmlns:a16="http://schemas.microsoft.com/office/drawing/2014/main" id="{DC5128E8-2BCE-4DD8-A8F6-550403E78BAF}"/>
+              </a:ext>
+            </a:extLst>
+          </p:cNvPr>
+          <p:cNvCxnSpPr/>
+          <p:nvPr/>
+        </p:nvCxnSpPr>
+        <p:spPr>
+          <a:xfrm>
+            <a:off x="0" y="494779"/>
+            <a:ext cx="12192000" cy="0"/>
+          </a:xfrm>
+          <a:prstGeom prst="line">
+            <a:avLst/>
+          </a:prstGeom>
+          <a:ln w="25400">
+            <a:solidFill>
+              <a:srgbClr val="0021A5"/>
+            </a:solidFill>
+          </a:ln>
+        </p:spPr>
+        <p:style>
+          <a:lnRef idx="1">
+            <a:schemeClr val="accent1"/>
+          </a:lnRef>
+          <a:fillRef idx="0">
+            <a:schemeClr val="accent1"/>
+          </a:fillRef>
+          <a:effectRef idx="0">
+            <a:schemeClr val="accent1"/>
+          </a:effectRef>
+          <a:fontRef idx="minor">
+            <a:schemeClr val="tx1"/>
+          </a:fontRef>
+        </p:style>
+      </p:cxnSp>
+      <p:sp>
+        <p:nvSpPr>
+          <p:cNvPr id="13" name="Footer Placeholder 12">
+            <a:extLst>
+              <a:ext uri="{FF2B5EF4-FFF2-40B4-BE49-F238E27FC236}">
+                <a16:creationId xmlns:a16="http://schemas.microsoft.com/office/drawing/2014/main" id="{E9C4CD01-2D2E-4956-88FB-5E609DBB2AFB}"/>
+              </a:ext>
+            </a:extLst>
+          </p:cNvPr>
+          <p:cNvSpPr>
+            <a:spLocks noGrp="1"/>
+          </p:cNvSpPr>
+          <p:nvPr>
+            <p:ph type="ftr" sz="quarter" idx="11"/>
+          </p:nvPr>
+        </p:nvSpPr>
+        <p:spPr>
+          <a:xfrm>
+            <a:off x="76200" y="44448"/>
+            <a:ext cx="4114800" cy="365125"/>
+          </a:xfrm>
+        </p:spPr>
+        <p:txBody>
+          <a:bodyPr/>
+          <a:lstStyle/>
+          <a:p>
+            <a:pPr algn="l"/>
+            <a:r>
+              <a:rPr lang="en-US" sz="1600" b="1" cap="small" dirty="0">
+                <a:solidFill>
+                  <a:schemeClr val="bg1"/>
+                </a:solidFill>
+              </a:rPr>
+              <a:t>LISA Simulations</a:t>
+            </a:r>
+          </a:p>
+        </p:txBody>
+      </p:sp>
+      <p:pic>
+        <p:nvPicPr>
+          <p:cNvPr id="3" name="Picture 2" descr="A close up of a map&#10;&#10;Description automatically generated">
+            <a:extLst>
+              <a:ext uri="{FF2B5EF4-FFF2-40B4-BE49-F238E27FC236}">
+                <a16:creationId xmlns:a16="http://schemas.microsoft.com/office/drawing/2014/main" id="{77C3D142-9152-411B-A6F3-BDF287A4E544}"/>
+              </a:ext>
+            </a:extLst>
+          </p:cNvPr>
+          <p:cNvPicPr>
+            <a:picLocks noChangeAspect="1"/>
+          </p:cNvPicPr>
+          <p:nvPr/>
+        </p:nvPicPr>
+        <p:blipFill>
+          <a:blip r:embed="rId2">
+            <a:extLst>
+              <a:ext uri="{28A0092B-C50C-407E-A947-70E740481C1C}">
+                <a14:useLocalDpi xmlns:a14="http://schemas.microsoft.com/office/drawing/2010/main" val="0"/>
+              </a:ext>
+            </a:extLst>
+          </a:blip>
+          <a:stretch>
+            <a:fillRect/>
+          </a:stretch>
+        </p:blipFill>
+        <p:spPr>
+          <a:xfrm>
+            <a:off x="832282" y="1477190"/>
+            <a:ext cx="6717435" cy="4604085"/>
+          </a:xfrm>
+          <a:prstGeom prst="rect">
+            <a:avLst/>
+          </a:prstGeom>
+        </p:spPr>
+      </p:pic>
+      <p:pic>
+        <p:nvPicPr>
+          <p:cNvPr id="9" name="Picture 8">
+            <a:extLst>
+              <a:ext uri="{FF2B5EF4-FFF2-40B4-BE49-F238E27FC236}">
+                <a16:creationId xmlns:a16="http://schemas.microsoft.com/office/drawing/2014/main" id="{1A8F0EE1-FFA4-4538-8305-AA78BAF2BC2A}"/>
+              </a:ext>
+            </a:extLst>
+          </p:cNvPr>
+          <p:cNvPicPr>
+            <a:picLocks noChangeAspect="1"/>
+          </p:cNvPicPr>
+          <p:nvPr/>
+        </p:nvPicPr>
+        <p:blipFill>
+          <a:blip r:embed="rId3">
+            <a:extLst>
+              <a:ext uri="{28A0092B-C50C-407E-A947-70E740481C1C}">
+                <a14:useLocalDpi xmlns:a14="http://schemas.microsoft.com/office/drawing/2010/main" val="0"/>
+              </a:ext>
+            </a:extLst>
+          </a:blip>
+          <a:stretch>
+            <a:fillRect/>
+          </a:stretch>
+        </p:blipFill>
+        <p:spPr>
+          <a:xfrm>
+            <a:off x="2644561" y="6081275"/>
+            <a:ext cx="6500423" cy="647756"/>
+          </a:xfrm>
+          <a:prstGeom prst="rect">
+            <a:avLst/>
+          </a:prstGeom>
+        </p:spPr>
+      </p:pic>
+      <p:sp>
+        <p:nvSpPr>
+          <p:cNvPr id="11" name="TextBox 10">
+            <a:extLst>
+              <a:ext uri="{FF2B5EF4-FFF2-40B4-BE49-F238E27FC236}">
+                <a16:creationId xmlns:a16="http://schemas.microsoft.com/office/drawing/2014/main" id="{1351C1D3-4A58-423F-B9C0-1B67513BF780}"/>
+              </a:ext>
+            </a:extLst>
+          </p:cNvPr>
+          <p:cNvSpPr txBox="1"/>
+          <p:nvPr/>
+        </p:nvSpPr>
+        <p:spPr>
+          <a:xfrm>
+            <a:off x="541538" y="878889"/>
+            <a:ext cx="10706470" cy="646331"/>
+          </a:xfrm>
+          <a:prstGeom prst="rect">
+            <a:avLst/>
+          </a:prstGeom>
+          <a:noFill/>
+        </p:spPr>
+        <p:txBody>
+          <a:bodyPr wrap="square" rtlCol="0">
+            <a:spAutoFit/>
+          </a:bodyPr>
+          <a:lstStyle/>
+          <a:p>
+            <a:r>
+              <a:rPr lang="en-US" sz="3600" dirty="0"/>
+              <a:t>Computation Times: Varying </a:t>
+            </a:r>
+            <a:r>
+              <a:rPr lang="en-US" sz="3600" dirty="0" err="1"/>
+              <a:t>Tophat</a:t>
+            </a:r>
+            <a:r>
+              <a:rPr lang="en-US" sz="3600" dirty="0"/>
+              <a:t> Max Mode Order</a:t>
+            </a:r>
+            <a:endParaRPr lang="en-US" sz="2400" dirty="0"/>
+          </a:p>
+        </p:txBody>
+      </p:sp>
+      <p:sp>
+        <p:nvSpPr>
+          <p:cNvPr id="12" name="TextBox 11">
+            <a:extLst>
+              <a:ext uri="{FF2B5EF4-FFF2-40B4-BE49-F238E27FC236}">
+                <a16:creationId xmlns:a16="http://schemas.microsoft.com/office/drawing/2014/main" id="{40488C90-F920-4ED3-910C-8D94ABA1A34F}"/>
+              </a:ext>
+            </a:extLst>
+          </p:cNvPr>
+          <p:cNvSpPr txBox="1"/>
+          <p:nvPr/>
+        </p:nvSpPr>
+        <p:spPr>
+          <a:xfrm>
+            <a:off x="7710066" y="1880325"/>
+            <a:ext cx="4381320" cy="1323439"/>
+          </a:xfrm>
+          <a:prstGeom prst="rect">
+            <a:avLst/>
+          </a:prstGeom>
+          <a:noFill/>
+        </p:spPr>
+        <p:txBody>
+          <a:bodyPr wrap="square" rtlCol="0">
+            <a:spAutoFit/>
+          </a:bodyPr>
+          <a:lstStyle/>
           <a:p>
             <a:pPr marL="285750" indent="-285750">
               <a:buFont typeface="Arial" panose="020B0604020202020204" pitchFamily="34" charset="0"/>
               <a:buChar char="•"/>
             </a:pPr>
             <a:r>
-              <a:rPr lang="en-US" sz="2000" dirty="0" err="1"/>
-              <a:t>Tophat</a:t>
-            </a:r>
-            <a:r>
               <a:rPr lang="en-US" sz="2000" dirty="0"/>
-              <a:t> ,varied max mode order</a:t>
+              <a:t>Same scenario as previous slide</a:t>
             </a:r>
           </a:p>
           <a:p>
@@ -3733,7 +4615,7 @@
             </a:pPr>
             <a:r>
               <a:rPr lang="en-US" sz="2000" dirty="0"/>
-              <a:t>Gaussian</a:t>
+              <a:t>Times shown below</a:t>
             </a:r>
           </a:p>
           <a:p>
@@ -3743,15 +4625,1519 @@
             </a:pPr>
             <a:r>
               <a:rPr lang="en-US" sz="2000" dirty="0"/>
-              <a:t>Shifts up to 100 micron</a:t>
-            </a:r>
+              <a:t>Time ~double from mode 18 to 26</a:t>
+            </a:r>
+          </a:p>
+          <a:p>
+            <a:pPr marL="742950" lvl="1" indent="-285750">
+              <a:buFont typeface="Arial" panose="020B0604020202020204" pitchFamily="34" charset="0"/>
+              <a:buChar char="•"/>
+            </a:pPr>
+            <a:r>
+              <a:rPr lang="en-US" sz="2000" dirty="0"/>
+              <a:t>~O(n</a:t>
+            </a:r>
+            <a:r>
+              <a:rPr lang="en-US" sz="2000" baseline="30000" dirty="0"/>
+              <a:t>2</a:t>
+            </a:r>
+            <a:r>
+              <a:rPr lang="en-US" sz="2000" dirty="0"/>
+              <a:t>) …? (34 went fast)</a:t>
+            </a:r>
+          </a:p>
+        </p:txBody>
+      </p:sp>
+      <p:sp>
+        <p:nvSpPr>
+          <p:cNvPr id="2" name="Slide Number Placeholder 1">
+            <a:extLst>
+              <a:ext uri="{FF2B5EF4-FFF2-40B4-BE49-F238E27FC236}">
+                <a16:creationId xmlns:a16="http://schemas.microsoft.com/office/drawing/2014/main" id="{659E1964-8FBD-44C0-9A55-035FED6BA5C5}"/>
+              </a:ext>
+            </a:extLst>
+          </p:cNvPr>
+          <p:cNvSpPr>
+            <a:spLocks noGrp="1"/>
+          </p:cNvSpPr>
+          <p:nvPr>
+            <p:ph type="sldNum" sz="quarter" idx="12"/>
+          </p:nvPr>
+        </p:nvSpPr>
+        <p:spPr/>
+        <p:txBody>
+          <a:bodyPr/>
+          <a:lstStyle/>
+          <a:p>
+            <a:fld id="{01DD9B2E-0F68-4E36-8E5A-BCFDBE11C298}" type="slidenum">
+              <a:rPr lang="en-US" smtClean="0"/>
+              <a:t>10</a:t>
+            </a:fld>
+            <a:endParaRPr lang="en-US"/>
           </a:p>
         </p:txBody>
       </p:sp>
     </p:spTree>
     <p:extLst>
       <p:ext uri="{BB962C8B-B14F-4D97-AF65-F5344CB8AC3E}">
-        <p14:creationId xmlns:p14="http://schemas.microsoft.com/office/powerpoint/2010/main" val="3803674037"/>
+        <p14:creationId xmlns:p14="http://schemas.microsoft.com/office/powerpoint/2010/main" val="803375824"/>
+      </p:ext>
+    </p:extLst>
+  </p:cSld>
+  <p:clrMapOvr>
+    <a:masterClrMapping/>
+  </p:clrMapOvr>
+</p:sld>
+</file>
+
+<file path=ppt/slides/slide11.xml><?xml version="1.0" encoding="utf-8"?>
+<p:sld xmlns:a="http://schemas.openxmlformats.org/drawingml/2006/main" xmlns:r="http://schemas.openxmlformats.org/officeDocument/2006/relationships" xmlns:p="http://schemas.openxmlformats.org/presentationml/2006/main">
+  <p:cSld>
+    <p:spTree>
+      <p:nvGrpSpPr>
+        <p:cNvPr id="1" name=""/>
+        <p:cNvGrpSpPr/>
+        <p:nvPr/>
+      </p:nvGrpSpPr>
+      <p:grpSpPr>
+        <a:xfrm>
+          <a:off x="0" y="0"/>
+          <a:ext cx="0" cy="0"/>
+          <a:chOff x="0" y="0"/>
+          <a:chExt cx="0" cy="0"/>
+        </a:xfrm>
+      </p:grpSpPr>
+      <p:cxnSp>
+        <p:nvCxnSpPr>
+          <p:cNvPr id="5" name="Straight Connector 4">
+            <a:extLst>
+              <a:ext uri="{FF2B5EF4-FFF2-40B4-BE49-F238E27FC236}">
+                <a16:creationId xmlns:a16="http://schemas.microsoft.com/office/drawing/2014/main" id="{DD3444E0-C95B-418B-9590-457C7FF29DF0}"/>
+              </a:ext>
+            </a:extLst>
+          </p:cNvPr>
+          <p:cNvCxnSpPr/>
+          <p:nvPr/>
+        </p:nvCxnSpPr>
+        <p:spPr>
+          <a:xfrm>
+            <a:off x="0" y="6737758"/>
+            <a:ext cx="12192000" cy="0"/>
+          </a:xfrm>
+          <a:prstGeom prst="line">
+            <a:avLst/>
+          </a:prstGeom>
+          <a:ln w="25400">
+            <a:solidFill>
+              <a:srgbClr val="0021A5"/>
+            </a:solidFill>
+          </a:ln>
+        </p:spPr>
+        <p:style>
+          <a:lnRef idx="1">
+            <a:schemeClr val="accent1"/>
+          </a:lnRef>
+          <a:fillRef idx="0">
+            <a:schemeClr val="accent1"/>
+          </a:fillRef>
+          <a:effectRef idx="0">
+            <a:schemeClr val="accent1"/>
+          </a:effectRef>
+          <a:fontRef idx="minor">
+            <a:schemeClr val="tx1"/>
+          </a:fontRef>
+        </p:style>
+      </p:cxnSp>
+      <p:sp>
+        <p:nvSpPr>
+          <p:cNvPr id="4" name="Rectangle 3">
+            <a:extLst>
+              <a:ext uri="{FF2B5EF4-FFF2-40B4-BE49-F238E27FC236}">
+                <a16:creationId xmlns:a16="http://schemas.microsoft.com/office/drawing/2014/main" id="{D3BD5F43-F7B8-4217-9611-5D1952165A72}"/>
+              </a:ext>
+            </a:extLst>
+          </p:cNvPr>
+          <p:cNvSpPr/>
+          <p:nvPr/>
+        </p:nvSpPr>
+        <p:spPr>
+          <a:xfrm>
+            <a:off x="0" y="0"/>
+            <a:ext cx="12192000" cy="438148"/>
+          </a:xfrm>
+          <a:prstGeom prst="rect">
+            <a:avLst/>
+          </a:prstGeom>
+          <a:solidFill>
+            <a:srgbClr val="0021A5"/>
+          </a:solidFill>
+          <a:ln>
+            <a:solidFill>
+              <a:srgbClr val="0021A5"/>
+            </a:solidFill>
+          </a:ln>
+        </p:spPr>
+        <p:style>
+          <a:lnRef idx="2">
+            <a:schemeClr val="accent1">
+              <a:shade val="50000"/>
+            </a:schemeClr>
+          </a:lnRef>
+          <a:fillRef idx="1">
+            <a:schemeClr val="accent1"/>
+          </a:fillRef>
+          <a:effectRef idx="0">
+            <a:schemeClr val="accent1"/>
+          </a:effectRef>
+          <a:fontRef idx="minor">
+            <a:schemeClr val="lt1"/>
+          </a:fontRef>
+        </p:style>
+        <p:txBody>
+          <a:bodyPr rtlCol="0" anchor="ctr"/>
+          <a:lstStyle/>
+          <a:p>
+            <a:pPr algn="ctr"/>
+            <a:endParaRPr lang="en-US"/>
+          </a:p>
+        </p:txBody>
+      </p:sp>
+      <p:cxnSp>
+        <p:nvCxnSpPr>
+          <p:cNvPr id="6" name="Straight Connector 5">
+            <a:extLst>
+              <a:ext uri="{FF2B5EF4-FFF2-40B4-BE49-F238E27FC236}">
+                <a16:creationId xmlns:a16="http://schemas.microsoft.com/office/drawing/2014/main" id="{D062F9CE-7B12-467C-AF7C-E3BAAF5FE8F8}"/>
+              </a:ext>
+            </a:extLst>
+          </p:cNvPr>
+          <p:cNvCxnSpPr>
+            <a:cxnSpLocks/>
+          </p:cNvCxnSpPr>
+          <p:nvPr/>
+        </p:nvCxnSpPr>
+        <p:spPr>
+          <a:xfrm>
+            <a:off x="85078" y="1137152"/>
+            <a:ext cx="11306175" cy="0"/>
+          </a:xfrm>
+          <a:prstGeom prst="line">
+            <a:avLst/>
+          </a:prstGeom>
+          <a:ln w="19050">
+            <a:solidFill>
+              <a:srgbClr val="FA4616"/>
+            </a:solidFill>
+          </a:ln>
+        </p:spPr>
+        <p:style>
+          <a:lnRef idx="1">
+            <a:schemeClr val="accent1"/>
+          </a:lnRef>
+          <a:fillRef idx="0">
+            <a:schemeClr val="accent1"/>
+          </a:fillRef>
+          <a:effectRef idx="0">
+            <a:schemeClr val="accent1"/>
+          </a:effectRef>
+          <a:fontRef idx="minor">
+            <a:schemeClr val="tx1"/>
+          </a:fontRef>
+        </p:style>
+      </p:cxnSp>
+      <p:cxnSp>
+        <p:nvCxnSpPr>
+          <p:cNvPr id="8" name="Straight Connector 7">
+            <a:extLst>
+              <a:ext uri="{FF2B5EF4-FFF2-40B4-BE49-F238E27FC236}">
+                <a16:creationId xmlns:a16="http://schemas.microsoft.com/office/drawing/2014/main" id="{DC5128E8-2BCE-4DD8-A8F6-550403E78BAF}"/>
+              </a:ext>
+            </a:extLst>
+          </p:cNvPr>
+          <p:cNvCxnSpPr/>
+          <p:nvPr/>
+        </p:nvCxnSpPr>
+        <p:spPr>
+          <a:xfrm>
+            <a:off x="0" y="494779"/>
+            <a:ext cx="12192000" cy="0"/>
+          </a:xfrm>
+          <a:prstGeom prst="line">
+            <a:avLst/>
+          </a:prstGeom>
+          <a:ln w="25400">
+            <a:solidFill>
+              <a:srgbClr val="0021A5"/>
+            </a:solidFill>
+          </a:ln>
+        </p:spPr>
+        <p:style>
+          <a:lnRef idx="1">
+            <a:schemeClr val="accent1"/>
+          </a:lnRef>
+          <a:fillRef idx="0">
+            <a:schemeClr val="accent1"/>
+          </a:fillRef>
+          <a:effectRef idx="0">
+            <a:schemeClr val="accent1"/>
+          </a:effectRef>
+          <a:fontRef idx="minor">
+            <a:schemeClr val="tx1"/>
+          </a:fontRef>
+        </p:style>
+      </p:cxnSp>
+      <p:sp>
+        <p:nvSpPr>
+          <p:cNvPr id="13" name="Footer Placeholder 12">
+            <a:extLst>
+              <a:ext uri="{FF2B5EF4-FFF2-40B4-BE49-F238E27FC236}">
+                <a16:creationId xmlns:a16="http://schemas.microsoft.com/office/drawing/2014/main" id="{E9C4CD01-2D2E-4956-88FB-5E609DBB2AFB}"/>
+              </a:ext>
+            </a:extLst>
+          </p:cNvPr>
+          <p:cNvSpPr>
+            <a:spLocks noGrp="1"/>
+          </p:cNvSpPr>
+          <p:nvPr>
+            <p:ph type="ftr" sz="quarter" idx="11"/>
+          </p:nvPr>
+        </p:nvSpPr>
+        <p:spPr>
+          <a:xfrm>
+            <a:off x="76200" y="44448"/>
+            <a:ext cx="4114800" cy="365125"/>
+          </a:xfrm>
+        </p:spPr>
+        <p:txBody>
+          <a:bodyPr/>
+          <a:lstStyle/>
+          <a:p>
+            <a:pPr algn="l"/>
+            <a:r>
+              <a:rPr lang="en-US" sz="1600" b="1" cap="small" dirty="0">
+                <a:solidFill>
+                  <a:schemeClr val="bg1"/>
+                </a:solidFill>
+              </a:rPr>
+              <a:t>LISA Simulations</a:t>
+            </a:r>
+          </a:p>
+        </p:txBody>
+      </p:sp>
+      <p:sp>
+        <p:nvSpPr>
+          <p:cNvPr id="11" name="TextBox 10">
+            <a:extLst>
+              <a:ext uri="{FF2B5EF4-FFF2-40B4-BE49-F238E27FC236}">
+                <a16:creationId xmlns:a16="http://schemas.microsoft.com/office/drawing/2014/main" id="{1351C1D3-4A58-423F-B9C0-1B67513BF780}"/>
+              </a:ext>
+            </a:extLst>
+          </p:cNvPr>
+          <p:cNvSpPr txBox="1"/>
+          <p:nvPr/>
+        </p:nvSpPr>
+        <p:spPr>
+          <a:xfrm>
+            <a:off x="284363" y="551411"/>
+            <a:ext cx="10706470" cy="646331"/>
+          </a:xfrm>
+          <a:prstGeom prst="rect">
+            <a:avLst/>
+          </a:prstGeom>
+          <a:noFill/>
+        </p:spPr>
+        <p:txBody>
+          <a:bodyPr wrap="square" rtlCol="0">
+            <a:spAutoFit/>
+          </a:bodyPr>
+          <a:lstStyle/>
+          <a:p>
+            <a:pPr algn="ctr"/>
+            <a:r>
+              <a:rPr lang="en-US" sz="3600" dirty="0"/>
+              <a:t>J-</a:t>
+            </a:r>
+            <a:r>
+              <a:rPr lang="en-US" sz="3600" dirty="0" err="1"/>
+              <a:t>th</a:t>
+            </a:r>
+            <a:r>
+              <a:rPr lang="en-US" sz="3600" dirty="0"/>
+              <a:t> order Tilt Sneak-peek</a:t>
+            </a:r>
+            <a:endParaRPr lang="en-US" sz="2400" dirty="0"/>
+          </a:p>
+        </p:txBody>
+      </p:sp>
+      <p:pic>
+        <p:nvPicPr>
+          <p:cNvPr id="3" name="Picture 2" descr="A picture containing clock&#10;&#10;Description automatically generated">
+            <a:extLst>
+              <a:ext uri="{FF2B5EF4-FFF2-40B4-BE49-F238E27FC236}">
+                <a16:creationId xmlns:a16="http://schemas.microsoft.com/office/drawing/2014/main" id="{E509DDF8-06D2-4640-8FE9-B91382405E2B}"/>
+              </a:ext>
+            </a:extLst>
+          </p:cNvPr>
+          <p:cNvPicPr>
+            <a:picLocks noChangeAspect="1"/>
+          </p:cNvPicPr>
+          <p:nvPr/>
+        </p:nvPicPr>
+        <p:blipFill>
+          <a:blip r:embed="rId2">
+            <a:extLst>
+              <a:ext uri="{28A0092B-C50C-407E-A947-70E740481C1C}">
+                <a14:useLocalDpi xmlns:a14="http://schemas.microsoft.com/office/drawing/2010/main" val="0"/>
+              </a:ext>
+            </a:extLst>
+          </a:blip>
+          <a:stretch>
+            <a:fillRect/>
+          </a:stretch>
+        </p:blipFill>
+        <p:spPr>
+          <a:xfrm>
+            <a:off x="546025" y="1373990"/>
+            <a:ext cx="1997150" cy="811069"/>
+          </a:xfrm>
+          <a:prstGeom prst="rect">
+            <a:avLst/>
+          </a:prstGeom>
+          <a:ln>
+            <a:solidFill>
+              <a:schemeClr val="tx1"/>
+            </a:solidFill>
+          </a:ln>
+        </p:spPr>
+      </p:pic>
+      <p:pic>
+        <p:nvPicPr>
+          <p:cNvPr id="12" name="Picture 11">
+            <a:extLst>
+              <a:ext uri="{FF2B5EF4-FFF2-40B4-BE49-F238E27FC236}">
+                <a16:creationId xmlns:a16="http://schemas.microsoft.com/office/drawing/2014/main" id="{D7B7F57D-595B-4AF7-AEDA-0BD4344D8919}"/>
+              </a:ext>
+            </a:extLst>
+          </p:cNvPr>
+          <p:cNvPicPr>
+            <a:picLocks noChangeAspect="1"/>
+          </p:cNvPicPr>
+          <p:nvPr/>
+        </p:nvPicPr>
+        <p:blipFill>
+          <a:blip r:embed="rId3">
+            <a:extLst>
+              <a:ext uri="{28A0092B-C50C-407E-A947-70E740481C1C}">
+                <a14:useLocalDpi xmlns:a14="http://schemas.microsoft.com/office/drawing/2010/main" val="0"/>
+              </a:ext>
+            </a:extLst>
+          </a:blip>
+          <a:stretch>
+            <a:fillRect/>
+          </a:stretch>
+        </p:blipFill>
+        <p:spPr>
+          <a:xfrm>
+            <a:off x="1951235" y="2801586"/>
+            <a:ext cx="7802884" cy="721058"/>
+          </a:xfrm>
+          <a:prstGeom prst="rect">
+            <a:avLst/>
+          </a:prstGeom>
+          <a:ln>
+            <a:solidFill>
+              <a:schemeClr val="tx1"/>
+            </a:solidFill>
+          </a:ln>
+        </p:spPr>
+      </p:pic>
+      <p:cxnSp>
+        <p:nvCxnSpPr>
+          <p:cNvPr id="14" name="Straight Connector 13">
+            <a:extLst>
+              <a:ext uri="{FF2B5EF4-FFF2-40B4-BE49-F238E27FC236}">
+                <a16:creationId xmlns:a16="http://schemas.microsoft.com/office/drawing/2014/main" id="{BF3959E7-BD22-486D-8A05-1AE1A4CCB296}"/>
+              </a:ext>
+            </a:extLst>
+          </p:cNvPr>
+          <p:cNvCxnSpPr/>
+          <p:nvPr/>
+        </p:nvCxnSpPr>
+        <p:spPr>
+          <a:xfrm>
+            <a:off x="0" y="2480083"/>
+            <a:ext cx="12192000" cy="0"/>
+          </a:xfrm>
+          <a:prstGeom prst="line">
+            <a:avLst/>
+          </a:prstGeom>
+          <a:ln w="25400">
+            <a:solidFill>
+              <a:srgbClr val="0021A5"/>
+            </a:solidFill>
+          </a:ln>
+        </p:spPr>
+        <p:style>
+          <a:lnRef idx="1">
+            <a:schemeClr val="accent1"/>
+          </a:lnRef>
+          <a:fillRef idx="0">
+            <a:schemeClr val="accent1"/>
+          </a:fillRef>
+          <a:effectRef idx="0">
+            <a:schemeClr val="accent1"/>
+          </a:effectRef>
+          <a:fontRef idx="minor">
+            <a:schemeClr val="tx1"/>
+          </a:fontRef>
+        </p:style>
+      </p:cxnSp>
+      <p:pic>
+        <p:nvPicPr>
+          <p:cNvPr id="18" name="Picture 17">
+            <a:extLst>
+              <a:ext uri="{FF2B5EF4-FFF2-40B4-BE49-F238E27FC236}">
+                <a16:creationId xmlns:a16="http://schemas.microsoft.com/office/drawing/2014/main" id="{1AE0522E-3C77-4ADC-8D9A-3CF221F867F9}"/>
+              </a:ext>
+            </a:extLst>
+          </p:cNvPr>
+          <p:cNvPicPr>
+            <a:picLocks noChangeAspect="1"/>
+          </p:cNvPicPr>
+          <p:nvPr/>
+        </p:nvPicPr>
+        <p:blipFill>
+          <a:blip r:embed="rId4">
+            <a:extLst>
+              <a:ext uri="{28A0092B-C50C-407E-A947-70E740481C1C}">
+                <a14:useLocalDpi xmlns:a14="http://schemas.microsoft.com/office/drawing/2010/main" val="0"/>
+              </a:ext>
+            </a:extLst>
+          </a:blip>
+          <a:stretch>
+            <a:fillRect/>
+          </a:stretch>
+        </p:blipFill>
+        <p:spPr>
+          <a:xfrm>
+            <a:off x="3006587" y="1617097"/>
+            <a:ext cx="8570361" cy="467105"/>
+          </a:xfrm>
+          <a:prstGeom prst="rect">
+            <a:avLst/>
+          </a:prstGeom>
+          <a:ln>
+            <a:solidFill>
+              <a:schemeClr val="tx1"/>
+            </a:solidFill>
+          </a:ln>
+        </p:spPr>
+      </p:pic>
+      <p:pic>
+        <p:nvPicPr>
+          <p:cNvPr id="20" name="Picture 19">
+            <a:extLst>
+              <a:ext uri="{FF2B5EF4-FFF2-40B4-BE49-F238E27FC236}">
+                <a16:creationId xmlns:a16="http://schemas.microsoft.com/office/drawing/2014/main" id="{345A0F92-1FC1-4E30-A96D-3274BA365CD6}"/>
+              </a:ext>
+            </a:extLst>
+          </p:cNvPr>
+          <p:cNvPicPr>
+            <a:picLocks noChangeAspect="1"/>
+          </p:cNvPicPr>
+          <p:nvPr/>
+        </p:nvPicPr>
+        <p:blipFill>
+          <a:blip r:embed="rId5">
+            <a:extLst>
+              <a:ext uri="{28A0092B-C50C-407E-A947-70E740481C1C}">
+                <a14:useLocalDpi xmlns:a14="http://schemas.microsoft.com/office/drawing/2010/main" val="0"/>
+              </a:ext>
+            </a:extLst>
+          </a:blip>
+          <a:stretch>
+            <a:fillRect/>
+          </a:stretch>
+        </p:blipFill>
+        <p:spPr>
+          <a:xfrm>
+            <a:off x="284363" y="4800520"/>
+            <a:ext cx="3919581" cy="502511"/>
+          </a:xfrm>
+          <a:prstGeom prst="rect">
+            <a:avLst/>
+          </a:prstGeom>
+        </p:spPr>
+      </p:pic>
+      <p:pic>
+        <p:nvPicPr>
+          <p:cNvPr id="22" name="Picture 21" descr="A picture containing knife&#10;&#10;Description automatically generated">
+            <a:extLst>
+              <a:ext uri="{FF2B5EF4-FFF2-40B4-BE49-F238E27FC236}">
+                <a16:creationId xmlns:a16="http://schemas.microsoft.com/office/drawing/2014/main" id="{A644977F-9637-4A86-81C3-74012122FAC2}"/>
+              </a:ext>
+            </a:extLst>
+          </p:cNvPr>
+          <p:cNvPicPr>
+            <a:picLocks noChangeAspect="1"/>
+          </p:cNvPicPr>
+          <p:nvPr/>
+        </p:nvPicPr>
+        <p:blipFill>
+          <a:blip r:embed="rId6">
+            <a:extLst>
+              <a:ext uri="{28A0092B-C50C-407E-A947-70E740481C1C}">
+                <a14:useLocalDpi xmlns:a14="http://schemas.microsoft.com/office/drawing/2010/main" val="0"/>
+              </a:ext>
+            </a:extLst>
+          </a:blip>
+          <a:stretch>
+            <a:fillRect/>
+          </a:stretch>
+        </p:blipFill>
+        <p:spPr>
+          <a:xfrm>
+            <a:off x="507338" y="5451001"/>
+            <a:ext cx="5353639" cy="1154899"/>
+          </a:xfrm>
+          <a:prstGeom prst="rect">
+            <a:avLst/>
+          </a:prstGeom>
+        </p:spPr>
+      </p:pic>
+      <p:sp>
+        <p:nvSpPr>
+          <p:cNvPr id="23" name="Rectangle 22">
+            <a:extLst>
+              <a:ext uri="{FF2B5EF4-FFF2-40B4-BE49-F238E27FC236}">
+                <a16:creationId xmlns:a16="http://schemas.microsoft.com/office/drawing/2014/main" id="{4187FBC7-7FEA-49CA-8D6E-CB10E36ED255}"/>
+              </a:ext>
+            </a:extLst>
+          </p:cNvPr>
+          <p:cNvSpPr/>
+          <p:nvPr/>
+        </p:nvSpPr>
+        <p:spPr>
+          <a:xfrm>
+            <a:off x="284363" y="4800520"/>
+            <a:ext cx="5576614" cy="1840656"/>
+          </a:xfrm>
+          <a:prstGeom prst="rect">
+            <a:avLst/>
+          </a:prstGeom>
+          <a:noFill/>
+        </p:spPr>
+        <p:style>
+          <a:lnRef idx="2">
+            <a:schemeClr val="accent1">
+              <a:shade val="50000"/>
+            </a:schemeClr>
+          </a:lnRef>
+          <a:fillRef idx="1">
+            <a:schemeClr val="accent1"/>
+          </a:fillRef>
+          <a:effectRef idx="0">
+            <a:schemeClr val="accent1"/>
+          </a:effectRef>
+          <a:fontRef idx="minor">
+            <a:schemeClr val="lt1"/>
+          </a:fontRef>
+        </p:style>
+        <p:txBody>
+          <a:bodyPr rtlCol="0" anchor="ctr"/>
+          <a:lstStyle/>
+          <a:p>
+            <a:pPr algn="ctr"/>
+            <a:endParaRPr lang="en-US"/>
+          </a:p>
+        </p:txBody>
+      </p:sp>
+      <p:pic>
+        <p:nvPicPr>
+          <p:cNvPr id="25" name="Picture 24">
+            <a:extLst>
+              <a:ext uri="{FF2B5EF4-FFF2-40B4-BE49-F238E27FC236}">
+                <a16:creationId xmlns:a16="http://schemas.microsoft.com/office/drawing/2014/main" id="{6F969B5D-F6E0-467C-9E79-427C2F361D8C}"/>
+              </a:ext>
+            </a:extLst>
+          </p:cNvPr>
+          <p:cNvPicPr>
+            <a:picLocks noChangeAspect="1"/>
+          </p:cNvPicPr>
+          <p:nvPr/>
+        </p:nvPicPr>
+        <p:blipFill>
+          <a:blip r:embed="rId7">
+            <a:extLst>
+              <a:ext uri="{28A0092B-C50C-407E-A947-70E740481C1C}">
+                <a14:useLocalDpi xmlns:a14="http://schemas.microsoft.com/office/drawing/2010/main" val="0"/>
+              </a:ext>
+            </a:extLst>
+          </a:blip>
+          <a:stretch>
+            <a:fillRect/>
+          </a:stretch>
+        </p:blipFill>
+        <p:spPr>
+          <a:xfrm>
+            <a:off x="2228960" y="3925953"/>
+            <a:ext cx="7381268" cy="426310"/>
+          </a:xfrm>
+          <a:prstGeom prst="rect">
+            <a:avLst/>
+          </a:prstGeom>
+          <a:ln>
+            <a:solidFill>
+              <a:schemeClr val="tx1"/>
+            </a:solidFill>
+          </a:ln>
+        </p:spPr>
+      </p:pic>
+      <p:pic>
+        <p:nvPicPr>
+          <p:cNvPr id="27" name="Picture 26" descr="A close up of a piece of paper&#10;&#10;Description automatically generated">
+            <a:extLst>
+              <a:ext uri="{FF2B5EF4-FFF2-40B4-BE49-F238E27FC236}">
+                <a16:creationId xmlns:a16="http://schemas.microsoft.com/office/drawing/2014/main" id="{14BB7058-3C89-4D34-ACBE-219B9C493CA8}"/>
+              </a:ext>
+            </a:extLst>
+          </p:cNvPr>
+          <p:cNvPicPr>
+            <a:picLocks noChangeAspect="1"/>
+          </p:cNvPicPr>
+          <p:nvPr/>
+        </p:nvPicPr>
+        <p:blipFill>
+          <a:blip r:embed="rId8">
+            <a:extLst>
+              <a:ext uri="{28A0092B-C50C-407E-A947-70E740481C1C}">
+                <a14:useLocalDpi xmlns:a14="http://schemas.microsoft.com/office/drawing/2010/main" val="0"/>
+              </a:ext>
+            </a:extLst>
+          </a:blip>
+          <a:stretch>
+            <a:fillRect/>
+          </a:stretch>
+        </p:blipFill>
+        <p:spPr>
+          <a:xfrm>
+            <a:off x="6508739" y="4752454"/>
+            <a:ext cx="5287622" cy="1910067"/>
+          </a:xfrm>
+          <a:prstGeom prst="rect">
+            <a:avLst/>
+          </a:prstGeom>
+          <a:ln>
+            <a:solidFill>
+              <a:schemeClr val="tx1"/>
+            </a:solidFill>
+          </a:ln>
+        </p:spPr>
+      </p:pic>
+      <p:sp>
+        <p:nvSpPr>
+          <p:cNvPr id="28" name="Arrow: Right 27">
+            <a:extLst>
+              <a:ext uri="{FF2B5EF4-FFF2-40B4-BE49-F238E27FC236}">
+                <a16:creationId xmlns:a16="http://schemas.microsoft.com/office/drawing/2014/main" id="{09BE53F9-326E-4842-A1C5-27F0FC8A2E9A}"/>
+              </a:ext>
+            </a:extLst>
+          </p:cNvPr>
+          <p:cNvSpPr/>
+          <p:nvPr/>
+        </p:nvSpPr>
+        <p:spPr>
+          <a:xfrm>
+            <a:off x="5743204" y="4877219"/>
+            <a:ext cx="1067080" cy="496072"/>
+          </a:xfrm>
+          <a:prstGeom prst="rightArrow">
+            <a:avLst/>
+          </a:prstGeom>
+        </p:spPr>
+        <p:style>
+          <a:lnRef idx="2">
+            <a:schemeClr val="accent1">
+              <a:shade val="50000"/>
+            </a:schemeClr>
+          </a:lnRef>
+          <a:fillRef idx="1">
+            <a:schemeClr val="accent1"/>
+          </a:fillRef>
+          <a:effectRef idx="0">
+            <a:schemeClr val="accent1"/>
+          </a:effectRef>
+          <a:fontRef idx="minor">
+            <a:schemeClr val="lt1"/>
+          </a:fontRef>
+        </p:style>
+        <p:txBody>
+          <a:bodyPr rtlCol="0" anchor="ctr"/>
+          <a:lstStyle/>
+          <a:p>
+            <a:pPr algn="ctr"/>
+            <a:endParaRPr lang="en-US"/>
+          </a:p>
+        </p:txBody>
+      </p:sp>
+      <p:sp>
+        <p:nvSpPr>
+          <p:cNvPr id="29" name="Slide Number Placeholder 28">
+            <a:extLst>
+              <a:ext uri="{FF2B5EF4-FFF2-40B4-BE49-F238E27FC236}">
+                <a16:creationId xmlns:a16="http://schemas.microsoft.com/office/drawing/2014/main" id="{E3845916-36B8-4C63-9346-6EFE05DA7A47}"/>
+              </a:ext>
+            </a:extLst>
+          </p:cNvPr>
+          <p:cNvSpPr>
+            <a:spLocks noGrp="1"/>
+          </p:cNvSpPr>
+          <p:nvPr>
+            <p:ph type="sldNum" sz="quarter" idx="12"/>
+          </p:nvPr>
+        </p:nvSpPr>
+        <p:spPr/>
+        <p:txBody>
+          <a:bodyPr/>
+          <a:lstStyle/>
+          <a:p>
+            <a:fld id="{01DD9B2E-0F68-4E36-8E5A-BCFDBE11C298}" type="slidenum">
+              <a:rPr lang="en-US" smtClean="0"/>
+              <a:t>11</a:t>
+            </a:fld>
+            <a:endParaRPr lang="en-US"/>
+          </a:p>
+        </p:txBody>
+      </p:sp>
+    </p:spTree>
+    <p:extLst>
+      <p:ext uri="{BB962C8B-B14F-4D97-AF65-F5344CB8AC3E}">
+        <p14:creationId xmlns:p14="http://schemas.microsoft.com/office/powerpoint/2010/main" val="2489929291"/>
+      </p:ext>
+    </p:extLst>
+  </p:cSld>
+  <p:clrMapOvr>
+    <a:masterClrMapping/>
+  </p:clrMapOvr>
+</p:sld>
+</file>
+
+<file path=ppt/slides/slide12.xml><?xml version="1.0" encoding="utf-8"?>
+<p:sld xmlns:a="http://schemas.openxmlformats.org/drawingml/2006/main" xmlns:r="http://schemas.openxmlformats.org/officeDocument/2006/relationships" xmlns:p="http://schemas.openxmlformats.org/presentationml/2006/main">
+  <p:cSld>
+    <p:spTree>
+      <p:nvGrpSpPr>
+        <p:cNvPr id="1" name=""/>
+        <p:cNvGrpSpPr/>
+        <p:nvPr/>
+      </p:nvGrpSpPr>
+      <p:grpSpPr>
+        <a:xfrm>
+          <a:off x="0" y="0"/>
+          <a:ext cx="0" cy="0"/>
+          <a:chOff x="0" y="0"/>
+          <a:chExt cx="0" cy="0"/>
+        </a:xfrm>
+      </p:grpSpPr>
+      <p:cxnSp>
+        <p:nvCxnSpPr>
+          <p:cNvPr id="5" name="Straight Connector 4">
+            <a:extLst>
+              <a:ext uri="{FF2B5EF4-FFF2-40B4-BE49-F238E27FC236}">
+                <a16:creationId xmlns:a16="http://schemas.microsoft.com/office/drawing/2014/main" id="{DD3444E0-C95B-418B-9590-457C7FF29DF0}"/>
+              </a:ext>
+            </a:extLst>
+          </p:cNvPr>
+          <p:cNvCxnSpPr/>
+          <p:nvPr/>
+        </p:nvCxnSpPr>
+        <p:spPr>
+          <a:xfrm>
+            <a:off x="0" y="6737758"/>
+            <a:ext cx="12192000" cy="0"/>
+          </a:xfrm>
+          <a:prstGeom prst="line">
+            <a:avLst/>
+          </a:prstGeom>
+          <a:ln w="25400">
+            <a:solidFill>
+              <a:srgbClr val="0021A5"/>
+            </a:solidFill>
+          </a:ln>
+        </p:spPr>
+        <p:style>
+          <a:lnRef idx="1">
+            <a:schemeClr val="accent1"/>
+          </a:lnRef>
+          <a:fillRef idx="0">
+            <a:schemeClr val="accent1"/>
+          </a:fillRef>
+          <a:effectRef idx="0">
+            <a:schemeClr val="accent1"/>
+          </a:effectRef>
+          <a:fontRef idx="minor">
+            <a:schemeClr val="tx1"/>
+          </a:fontRef>
+        </p:style>
+      </p:cxnSp>
+      <p:sp>
+        <p:nvSpPr>
+          <p:cNvPr id="4" name="Rectangle 3">
+            <a:extLst>
+              <a:ext uri="{FF2B5EF4-FFF2-40B4-BE49-F238E27FC236}">
+                <a16:creationId xmlns:a16="http://schemas.microsoft.com/office/drawing/2014/main" id="{D3BD5F43-F7B8-4217-9611-5D1952165A72}"/>
+              </a:ext>
+            </a:extLst>
+          </p:cNvPr>
+          <p:cNvSpPr/>
+          <p:nvPr/>
+        </p:nvSpPr>
+        <p:spPr>
+          <a:xfrm>
+            <a:off x="0" y="0"/>
+            <a:ext cx="12192000" cy="438148"/>
+          </a:xfrm>
+          <a:prstGeom prst="rect">
+            <a:avLst/>
+          </a:prstGeom>
+          <a:solidFill>
+            <a:srgbClr val="0021A5"/>
+          </a:solidFill>
+          <a:ln>
+            <a:solidFill>
+              <a:srgbClr val="0021A5"/>
+            </a:solidFill>
+          </a:ln>
+        </p:spPr>
+        <p:style>
+          <a:lnRef idx="2">
+            <a:schemeClr val="accent1">
+              <a:shade val="50000"/>
+            </a:schemeClr>
+          </a:lnRef>
+          <a:fillRef idx="1">
+            <a:schemeClr val="accent1"/>
+          </a:fillRef>
+          <a:effectRef idx="0">
+            <a:schemeClr val="accent1"/>
+          </a:effectRef>
+          <a:fontRef idx="minor">
+            <a:schemeClr val="lt1"/>
+          </a:fontRef>
+        </p:style>
+        <p:txBody>
+          <a:bodyPr rtlCol="0" anchor="ctr"/>
+          <a:lstStyle/>
+          <a:p>
+            <a:pPr algn="ctr"/>
+            <a:endParaRPr lang="en-US"/>
+          </a:p>
+        </p:txBody>
+      </p:sp>
+      <p:cxnSp>
+        <p:nvCxnSpPr>
+          <p:cNvPr id="6" name="Straight Connector 5">
+            <a:extLst>
+              <a:ext uri="{FF2B5EF4-FFF2-40B4-BE49-F238E27FC236}">
+                <a16:creationId xmlns:a16="http://schemas.microsoft.com/office/drawing/2014/main" id="{D062F9CE-7B12-467C-AF7C-E3BAAF5FE8F8}"/>
+              </a:ext>
+            </a:extLst>
+          </p:cNvPr>
+          <p:cNvCxnSpPr>
+            <a:cxnSpLocks/>
+          </p:cNvCxnSpPr>
+          <p:nvPr/>
+        </p:nvCxnSpPr>
+        <p:spPr>
+          <a:xfrm>
+            <a:off x="85078" y="1137152"/>
+            <a:ext cx="11306175" cy="0"/>
+          </a:xfrm>
+          <a:prstGeom prst="line">
+            <a:avLst/>
+          </a:prstGeom>
+          <a:ln w="19050">
+            <a:solidFill>
+              <a:srgbClr val="FA4616"/>
+            </a:solidFill>
+          </a:ln>
+        </p:spPr>
+        <p:style>
+          <a:lnRef idx="1">
+            <a:schemeClr val="accent1"/>
+          </a:lnRef>
+          <a:fillRef idx="0">
+            <a:schemeClr val="accent1"/>
+          </a:fillRef>
+          <a:effectRef idx="0">
+            <a:schemeClr val="accent1"/>
+          </a:effectRef>
+          <a:fontRef idx="minor">
+            <a:schemeClr val="tx1"/>
+          </a:fontRef>
+        </p:style>
+      </p:cxnSp>
+      <p:cxnSp>
+        <p:nvCxnSpPr>
+          <p:cNvPr id="8" name="Straight Connector 7">
+            <a:extLst>
+              <a:ext uri="{FF2B5EF4-FFF2-40B4-BE49-F238E27FC236}">
+                <a16:creationId xmlns:a16="http://schemas.microsoft.com/office/drawing/2014/main" id="{DC5128E8-2BCE-4DD8-A8F6-550403E78BAF}"/>
+              </a:ext>
+            </a:extLst>
+          </p:cNvPr>
+          <p:cNvCxnSpPr/>
+          <p:nvPr/>
+        </p:nvCxnSpPr>
+        <p:spPr>
+          <a:xfrm>
+            <a:off x="0" y="494779"/>
+            <a:ext cx="12192000" cy="0"/>
+          </a:xfrm>
+          <a:prstGeom prst="line">
+            <a:avLst/>
+          </a:prstGeom>
+          <a:ln w="25400">
+            <a:solidFill>
+              <a:srgbClr val="0021A5"/>
+            </a:solidFill>
+          </a:ln>
+        </p:spPr>
+        <p:style>
+          <a:lnRef idx="1">
+            <a:schemeClr val="accent1"/>
+          </a:lnRef>
+          <a:fillRef idx="0">
+            <a:schemeClr val="accent1"/>
+          </a:fillRef>
+          <a:effectRef idx="0">
+            <a:schemeClr val="accent1"/>
+          </a:effectRef>
+          <a:fontRef idx="minor">
+            <a:schemeClr val="tx1"/>
+          </a:fontRef>
+        </p:style>
+      </p:cxnSp>
+      <p:sp>
+        <p:nvSpPr>
+          <p:cNvPr id="13" name="Footer Placeholder 12">
+            <a:extLst>
+              <a:ext uri="{FF2B5EF4-FFF2-40B4-BE49-F238E27FC236}">
+                <a16:creationId xmlns:a16="http://schemas.microsoft.com/office/drawing/2014/main" id="{E9C4CD01-2D2E-4956-88FB-5E609DBB2AFB}"/>
+              </a:ext>
+            </a:extLst>
+          </p:cNvPr>
+          <p:cNvSpPr>
+            <a:spLocks noGrp="1"/>
+          </p:cNvSpPr>
+          <p:nvPr>
+            <p:ph type="ftr" sz="quarter" idx="11"/>
+          </p:nvPr>
+        </p:nvSpPr>
+        <p:spPr>
+          <a:xfrm>
+            <a:off x="76200" y="44448"/>
+            <a:ext cx="4114800" cy="365125"/>
+          </a:xfrm>
+        </p:spPr>
+        <p:txBody>
+          <a:bodyPr/>
+          <a:lstStyle/>
+          <a:p>
+            <a:pPr algn="l"/>
+            <a:r>
+              <a:rPr lang="en-US" sz="1600" b="1" cap="small" dirty="0">
+                <a:solidFill>
+                  <a:schemeClr val="bg1"/>
+                </a:solidFill>
+              </a:rPr>
+              <a:t>LISA Simulations</a:t>
+            </a:r>
+          </a:p>
+        </p:txBody>
+      </p:sp>
+      <p:sp>
+        <p:nvSpPr>
+          <p:cNvPr id="11" name="TextBox 10">
+            <a:extLst>
+              <a:ext uri="{FF2B5EF4-FFF2-40B4-BE49-F238E27FC236}">
+                <a16:creationId xmlns:a16="http://schemas.microsoft.com/office/drawing/2014/main" id="{1351C1D3-4A58-423F-B9C0-1B67513BF780}"/>
+              </a:ext>
+            </a:extLst>
+          </p:cNvPr>
+          <p:cNvSpPr txBox="1"/>
+          <p:nvPr/>
+        </p:nvSpPr>
+        <p:spPr>
+          <a:xfrm>
+            <a:off x="284363" y="551411"/>
+            <a:ext cx="10706470" cy="646331"/>
+          </a:xfrm>
+          <a:prstGeom prst="rect">
+            <a:avLst/>
+          </a:prstGeom>
+          <a:noFill/>
+        </p:spPr>
+        <p:txBody>
+          <a:bodyPr wrap="square" rtlCol="0">
+            <a:spAutoFit/>
+          </a:bodyPr>
+          <a:lstStyle/>
+          <a:p>
+            <a:pPr algn="ctr"/>
+            <a:r>
+              <a:rPr lang="en-US" sz="3600" dirty="0"/>
+              <a:t>What’s Next?</a:t>
+            </a:r>
+            <a:endParaRPr lang="en-US" sz="2400" dirty="0"/>
+          </a:p>
+        </p:txBody>
+      </p:sp>
+      <p:graphicFrame>
+        <p:nvGraphicFramePr>
+          <p:cNvPr id="2" name="Table 6">
+            <a:extLst>
+              <a:ext uri="{FF2B5EF4-FFF2-40B4-BE49-F238E27FC236}">
+                <a16:creationId xmlns:a16="http://schemas.microsoft.com/office/drawing/2014/main" id="{F8AD7F2E-3943-4B43-A56E-E4A132E044BB}"/>
+              </a:ext>
+            </a:extLst>
+          </p:cNvPr>
+          <p:cNvGraphicFramePr>
+            <a:graphicFrameLocks noGrp="1"/>
+          </p:cNvGraphicFramePr>
+          <p:nvPr>
+            <p:extLst>
+              <p:ext uri="{D42A27DB-BD31-4B8C-83A1-F6EECF244321}">
+                <p14:modId xmlns:p14="http://schemas.microsoft.com/office/powerpoint/2010/main" val="343345119"/>
+              </p:ext>
+            </p:extLst>
+          </p:nvPr>
+        </p:nvGraphicFramePr>
+        <p:xfrm>
+          <a:off x="355600" y="2152268"/>
+          <a:ext cx="11541760" cy="1854200"/>
+        </p:xfrm>
+        <a:graphic>
+          <a:graphicData uri="http://schemas.openxmlformats.org/drawingml/2006/table">
+            <a:tbl>
+              <a:tblPr firstRow="1" bandRow="1">
+                <a:tableStyleId>{5C22544A-7EE6-4342-B048-85BDC9FD1C3A}</a:tableStyleId>
+              </a:tblPr>
+              <a:tblGrid>
+                <a:gridCol w="5770880">
+                  <a:extLst>
+                    <a:ext uri="{9D8B030D-6E8A-4147-A177-3AD203B41FA5}">
+                      <a16:colId xmlns:a16="http://schemas.microsoft.com/office/drawing/2014/main" val="1877432917"/>
+                    </a:ext>
+                  </a:extLst>
+                </a:gridCol>
+                <a:gridCol w="5770880">
+                  <a:extLst>
+                    <a:ext uri="{9D8B030D-6E8A-4147-A177-3AD203B41FA5}">
+                      <a16:colId xmlns:a16="http://schemas.microsoft.com/office/drawing/2014/main" val="1252972534"/>
+                    </a:ext>
+                  </a:extLst>
+                </a:gridCol>
+              </a:tblGrid>
+              <a:tr h="370840">
+                <a:tc>
+                  <a:txBody>
+                    <a:bodyPr/>
+                    <a:lstStyle/>
+                    <a:p>
+                      <a:r>
+                        <a:rPr lang="en-US" dirty="0"/>
+                        <a:t>Proposal</a:t>
+                      </a:r>
+                    </a:p>
+                  </a:txBody>
+                  <a:tcPr/>
+                </a:tc>
+                <a:tc>
+                  <a:txBody>
+                    <a:bodyPr/>
+                    <a:lstStyle/>
+                    <a:p>
+                      <a:r>
+                        <a:rPr lang="en-US" dirty="0"/>
+                        <a:t>Time?</a:t>
+                      </a:r>
+                    </a:p>
+                  </a:txBody>
+                  <a:tcPr/>
+                </a:tc>
+                <a:extLst>
+                  <a:ext uri="{0D108BD9-81ED-4DB2-BD59-A6C34878D82A}">
+                    <a16:rowId xmlns:a16="http://schemas.microsoft.com/office/drawing/2014/main" val="3907812211"/>
+                  </a:ext>
+                </a:extLst>
+              </a:tr>
+              <a:tr h="370840">
+                <a:tc>
+                  <a:txBody>
+                    <a:bodyPr/>
+                    <a:lstStyle/>
+                    <a:p>
+                      <a:r>
+                        <a:rPr lang="en-US" dirty="0"/>
+                        <a:t>More 1</a:t>
+                      </a:r>
+                      <a:r>
+                        <a:rPr lang="en-US" baseline="30000" dirty="0"/>
+                        <a:t>st</a:t>
+                      </a:r>
+                      <a:r>
+                        <a:rPr lang="en-US" dirty="0"/>
+                        <a:t> order tilt-shift results</a:t>
+                      </a:r>
+                    </a:p>
+                  </a:txBody>
+                  <a:tcPr/>
+                </a:tc>
+                <a:tc>
+                  <a:txBody>
+                    <a:bodyPr/>
+                    <a:lstStyle/>
+                    <a:p>
+                      <a:r>
+                        <a:rPr lang="en-US" dirty="0"/>
+                        <a:t>?</a:t>
+                      </a:r>
+                    </a:p>
+                  </a:txBody>
+                  <a:tcPr/>
+                </a:tc>
+                <a:extLst>
+                  <a:ext uri="{0D108BD9-81ED-4DB2-BD59-A6C34878D82A}">
+                    <a16:rowId xmlns:a16="http://schemas.microsoft.com/office/drawing/2014/main" val="447247929"/>
+                  </a:ext>
+                </a:extLst>
+              </a:tr>
+              <a:tr h="370840">
+                <a:tc>
+                  <a:txBody>
+                    <a:bodyPr/>
+                    <a:lstStyle/>
+                    <a:p>
+                      <a:r>
+                        <a:rPr lang="en-US" dirty="0"/>
+                        <a:t>More shift analysis, signals with 1</a:t>
+                      </a:r>
+                      <a:r>
+                        <a:rPr lang="en-US" baseline="30000" dirty="0"/>
+                        <a:t>st</a:t>
+                      </a:r>
+                      <a:r>
+                        <a:rPr lang="en-US" dirty="0"/>
+                        <a:t> order tilt, K</a:t>
+                      </a:r>
+                      <a:r>
+                        <a:rPr lang="en-US" baseline="30000" dirty="0"/>
+                        <a:t>th </a:t>
+                      </a:r>
+                      <a:r>
+                        <a:rPr lang="en-US" dirty="0"/>
+                        <a:t>order shift</a:t>
+                      </a:r>
+                    </a:p>
+                  </a:txBody>
+                  <a:tcPr/>
+                </a:tc>
+                <a:tc>
+                  <a:txBody>
+                    <a:bodyPr/>
+                    <a:lstStyle/>
+                    <a:p>
+                      <a:r>
+                        <a:rPr lang="en-US" dirty="0"/>
+                        <a:t>&lt; 1 week</a:t>
+                      </a:r>
+                    </a:p>
+                  </a:txBody>
+                  <a:tcPr/>
+                </a:tc>
+                <a:extLst>
+                  <a:ext uri="{0D108BD9-81ED-4DB2-BD59-A6C34878D82A}">
+                    <a16:rowId xmlns:a16="http://schemas.microsoft.com/office/drawing/2014/main" val="2395707389"/>
+                  </a:ext>
+                </a:extLst>
+              </a:tr>
+              <a:tr h="370840">
+                <a:tc>
+                  <a:txBody>
+                    <a:bodyPr/>
+                    <a:lstStyle/>
+                    <a:p>
+                      <a:r>
+                        <a:rPr lang="en-US" b="1" dirty="0">
+                          <a:highlight>
+                            <a:srgbClr val="FFFF00"/>
+                          </a:highlight>
+                        </a:rPr>
+                        <a:t>Simplified</a:t>
+                      </a:r>
+                      <a:r>
+                        <a:rPr lang="en-US" dirty="0">
+                          <a:highlight>
+                            <a:srgbClr val="FFFF00"/>
+                          </a:highlight>
+                        </a:rPr>
+                        <a:t> </a:t>
+                      </a:r>
+                      <a:r>
+                        <a:rPr lang="en-US" dirty="0" err="1">
+                          <a:highlight>
+                            <a:srgbClr val="FFFF00"/>
+                          </a:highlight>
+                        </a:rPr>
+                        <a:t>J</a:t>
+                      </a:r>
+                      <a:r>
+                        <a:rPr lang="en-US" baseline="30000" dirty="0" err="1">
+                          <a:highlight>
+                            <a:srgbClr val="FFFF00"/>
+                          </a:highlight>
+                        </a:rPr>
+                        <a:t>th</a:t>
+                      </a:r>
+                      <a:r>
+                        <a:rPr lang="en-US" baseline="30000" dirty="0">
+                          <a:highlight>
+                            <a:srgbClr val="FFFF00"/>
+                          </a:highlight>
+                        </a:rPr>
+                        <a:t> </a:t>
+                      </a:r>
+                      <a:r>
+                        <a:rPr lang="en-US" baseline="0" dirty="0">
+                          <a:highlight>
+                            <a:srgbClr val="FFFF00"/>
+                          </a:highlight>
+                        </a:rPr>
+                        <a:t>order tilt solution, signals with </a:t>
+                      </a:r>
+                      <a:r>
+                        <a:rPr lang="en-US" dirty="0" err="1">
+                          <a:highlight>
+                            <a:srgbClr val="FFFF00"/>
+                          </a:highlight>
+                        </a:rPr>
+                        <a:t>J</a:t>
+                      </a:r>
+                      <a:r>
+                        <a:rPr lang="en-US" baseline="30000" dirty="0" err="1">
+                          <a:highlight>
+                            <a:srgbClr val="FFFF00"/>
+                          </a:highlight>
+                        </a:rPr>
+                        <a:t>th</a:t>
+                      </a:r>
+                      <a:r>
+                        <a:rPr lang="en-US" baseline="30000" dirty="0">
+                          <a:highlight>
+                            <a:srgbClr val="FFFF00"/>
+                          </a:highlight>
+                        </a:rPr>
+                        <a:t> </a:t>
+                      </a:r>
+                      <a:r>
+                        <a:rPr lang="en-US" baseline="0" dirty="0">
+                          <a:highlight>
+                            <a:srgbClr val="FFFF00"/>
+                          </a:highlight>
+                        </a:rPr>
+                        <a:t>order shift</a:t>
+                      </a:r>
+                    </a:p>
+                  </a:txBody>
+                  <a:tcPr/>
+                </a:tc>
+                <a:tc>
+                  <a:txBody>
+                    <a:bodyPr/>
+                    <a:lstStyle/>
+                    <a:p>
+                      <a:r>
+                        <a:rPr lang="en-US" dirty="0">
+                          <a:highlight>
+                            <a:srgbClr val="FFFF00"/>
+                          </a:highlight>
+                        </a:rPr>
+                        <a:t>~ 1-2 weeks</a:t>
+                      </a:r>
+                    </a:p>
+                  </a:txBody>
+                  <a:tcPr/>
+                </a:tc>
+                <a:extLst>
+                  <a:ext uri="{0D108BD9-81ED-4DB2-BD59-A6C34878D82A}">
+                    <a16:rowId xmlns:a16="http://schemas.microsoft.com/office/drawing/2014/main" val="3151428808"/>
+                  </a:ext>
+                </a:extLst>
+              </a:tr>
+              <a:tr h="370840">
+                <a:tc>
+                  <a:txBody>
+                    <a:bodyPr/>
+                    <a:lstStyle/>
+                    <a:p>
+                      <a:r>
+                        <a:rPr lang="en-US" dirty="0"/>
+                        <a:t>Full </a:t>
+                      </a:r>
+                      <a:r>
+                        <a:rPr lang="en-US" dirty="0" err="1"/>
+                        <a:t>J</a:t>
+                      </a:r>
+                      <a:r>
+                        <a:rPr lang="en-US" baseline="30000" dirty="0" err="1"/>
+                        <a:t>th</a:t>
+                      </a:r>
+                      <a:r>
+                        <a:rPr lang="en-US" baseline="30000" dirty="0"/>
+                        <a:t> </a:t>
+                      </a:r>
+                      <a:r>
+                        <a:rPr lang="en-US" baseline="0" dirty="0"/>
+                        <a:t>order tilt solution</a:t>
+                      </a:r>
+                    </a:p>
+                  </a:txBody>
+                  <a:tcPr/>
+                </a:tc>
+                <a:tc>
+                  <a:txBody>
+                    <a:bodyPr/>
+                    <a:lstStyle/>
+                    <a:p>
+                      <a:r>
+                        <a:rPr lang="en-US" dirty="0"/>
+                        <a:t>~ 3-4 weeks</a:t>
+                      </a:r>
+                    </a:p>
+                  </a:txBody>
+                  <a:tcPr/>
+                </a:tc>
+                <a:extLst>
+                  <a:ext uri="{0D108BD9-81ED-4DB2-BD59-A6C34878D82A}">
+                    <a16:rowId xmlns:a16="http://schemas.microsoft.com/office/drawing/2014/main" val="886749016"/>
+                  </a:ext>
+                </a:extLst>
+              </a:tr>
+            </a:tbl>
+          </a:graphicData>
+        </a:graphic>
+      </p:graphicFrame>
+      <p:cxnSp>
+        <p:nvCxnSpPr>
+          <p:cNvPr id="10" name="Connector: Elbow 9">
+            <a:extLst>
+              <a:ext uri="{FF2B5EF4-FFF2-40B4-BE49-F238E27FC236}">
+                <a16:creationId xmlns:a16="http://schemas.microsoft.com/office/drawing/2014/main" id="{81A0BE53-2904-4CF0-9C5B-C118DD6D5214}"/>
+              </a:ext>
+            </a:extLst>
+          </p:cNvPr>
+          <p:cNvCxnSpPr/>
+          <p:nvPr/>
+        </p:nvCxnSpPr>
+        <p:spPr>
+          <a:xfrm>
+            <a:off x="447040" y="3505200"/>
+            <a:ext cx="1635760" cy="1087120"/>
+          </a:xfrm>
+          <a:prstGeom prst="bentConnector3">
+            <a:avLst>
+              <a:gd name="adj1" fmla="val -12733"/>
+            </a:avLst>
+          </a:prstGeom>
+          <a:ln>
+            <a:tailEnd type="triangle"/>
+          </a:ln>
+        </p:spPr>
+        <p:style>
+          <a:lnRef idx="1">
+            <a:schemeClr val="accent1"/>
+          </a:lnRef>
+          <a:fillRef idx="0">
+            <a:schemeClr val="accent1"/>
+          </a:fillRef>
+          <a:effectRef idx="0">
+            <a:schemeClr val="accent1"/>
+          </a:effectRef>
+          <a:fontRef idx="minor">
+            <a:schemeClr val="tx1"/>
+          </a:fontRef>
+        </p:style>
+      </p:cxnSp>
+      <p:pic>
+        <p:nvPicPr>
+          <p:cNvPr id="17" name="Picture 16" descr="A close up of a clock&#10;&#10;Description automatically generated">
+            <a:extLst>
+              <a:ext uri="{FF2B5EF4-FFF2-40B4-BE49-F238E27FC236}">
+                <a16:creationId xmlns:a16="http://schemas.microsoft.com/office/drawing/2014/main" id="{FA4144C6-D37A-4284-9032-9CDF73137050}"/>
+              </a:ext>
+            </a:extLst>
+          </p:cNvPr>
+          <p:cNvPicPr>
+            <a:picLocks noChangeAspect="1"/>
+          </p:cNvPicPr>
+          <p:nvPr/>
+        </p:nvPicPr>
+        <p:blipFill>
+          <a:blip r:embed="rId2">
+            <a:extLst>
+              <a:ext uri="{28A0092B-C50C-407E-A947-70E740481C1C}">
+                <a14:useLocalDpi xmlns:a14="http://schemas.microsoft.com/office/drawing/2010/main" val="0"/>
+              </a:ext>
+            </a:extLst>
+          </a:blip>
+          <a:stretch>
+            <a:fillRect/>
+          </a:stretch>
+        </p:blipFill>
+        <p:spPr>
+          <a:xfrm>
+            <a:off x="2082800" y="4260084"/>
+            <a:ext cx="1980182" cy="913141"/>
+          </a:xfrm>
+          <a:prstGeom prst="rect">
+            <a:avLst/>
+          </a:prstGeom>
+        </p:spPr>
+      </p:pic>
+      <p:sp>
+        <p:nvSpPr>
+          <p:cNvPr id="21" name="Slide Number Placeholder 20">
+            <a:extLst>
+              <a:ext uri="{FF2B5EF4-FFF2-40B4-BE49-F238E27FC236}">
+                <a16:creationId xmlns:a16="http://schemas.microsoft.com/office/drawing/2014/main" id="{710DBA8D-6442-43E3-AE2F-AE20F254AEBF}"/>
+              </a:ext>
+            </a:extLst>
+          </p:cNvPr>
+          <p:cNvSpPr>
+            <a:spLocks noGrp="1"/>
+          </p:cNvSpPr>
+          <p:nvPr>
+            <p:ph type="sldNum" sz="quarter" idx="12"/>
+          </p:nvPr>
+        </p:nvSpPr>
+        <p:spPr/>
+        <p:txBody>
+          <a:bodyPr/>
+          <a:lstStyle/>
+          <a:p>
+            <a:fld id="{01DD9B2E-0F68-4E36-8E5A-BCFDBE11C298}" type="slidenum">
+              <a:rPr lang="en-US" smtClean="0"/>
+              <a:t>12</a:t>
+            </a:fld>
+            <a:endParaRPr lang="en-US"/>
+          </a:p>
+        </p:txBody>
+      </p:sp>
+    </p:spTree>
+    <p:extLst>
+      <p:ext uri="{BB962C8B-B14F-4D97-AF65-F5344CB8AC3E}">
+        <p14:creationId xmlns:p14="http://schemas.microsoft.com/office/powerpoint/2010/main" val="3096720098"/>
       </p:ext>
     </p:extLst>
   </p:cSld>
@@ -3778,6 +6164,42 @@
           <a:chExt cx="0" cy="0"/>
         </a:xfrm>
       </p:grpSpPr>
+      <p:pic>
+        <p:nvPicPr>
+          <p:cNvPr id="39" name="Picture 38" descr="A close up of a map&#10;&#10;Description automatically generated">
+            <a:extLst>
+              <a:ext uri="{FF2B5EF4-FFF2-40B4-BE49-F238E27FC236}">
+                <a16:creationId xmlns:a16="http://schemas.microsoft.com/office/drawing/2014/main" id="{50DF2506-4CFA-4FAA-BCB9-7EEB5E4E5933}"/>
+              </a:ext>
+            </a:extLst>
+          </p:cNvPr>
+          <p:cNvPicPr>
+            <a:picLocks noChangeAspect="1"/>
+          </p:cNvPicPr>
+          <p:nvPr/>
+        </p:nvPicPr>
+        <p:blipFill>
+          <a:blip r:embed="rId2">
+            <a:extLst>
+              <a:ext uri="{28A0092B-C50C-407E-A947-70E740481C1C}">
+                <a14:useLocalDpi xmlns:a14="http://schemas.microsoft.com/office/drawing/2010/main" val="0"/>
+              </a:ext>
+            </a:extLst>
+          </a:blip>
+          <a:stretch>
+            <a:fillRect/>
+          </a:stretch>
+        </p:blipFill>
+        <p:spPr>
+          <a:xfrm>
+            <a:off x="4016103" y="1764730"/>
+            <a:ext cx="2514038" cy="2468420"/>
+          </a:xfrm>
+          <a:prstGeom prst="rect">
+            <a:avLst/>
+          </a:prstGeom>
+        </p:spPr>
+      </p:pic>
       <p:cxnSp>
         <p:nvCxnSpPr>
           <p:cNvPr id="5" name="Straight Connector 4">
@@ -3889,8 +6311,8 @@
         </p:nvCxnSpPr>
         <p:spPr>
           <a:xfrm>
-            <a:off x="442912" y="1559695"/>
-            <a:ext cx="4564094" cy="0"/>
+            <a:off x="442912" y="1151320"/>
+            <a:ext cx="3169964" cy="0"/>
           </a:xfrm>
           <a:prstGeom prst="line">
             <a:avLst/>
@@ -3997,10 +6419,10 @@
       </p:sp>
       <p:pic>
         <p:nvPicPr>
-          <p:cNvPr id="9" name="Picture 8" descr="A screenshot of a cell phone&#10;&#10;Description automatically generated">
-            <a:extLst>
-              <a:ext uri="{FF2B5EF4-FFF2-40B4-BE49-F238E27FC236}">
-                <a16:creationId xmlns:a16="http://schemas.microsoft.com/office/drawing/2014/main" id="{BF843532-E1E0-45C0-916A-4289264E8A67}"/>
+          <p:cNvPr id="11" name="Picture 10" descr="A picture containing sitting, green, light, white&#10;&#10;Description automatically generated">
+            <a:extLst>
+              <a:ext uri="{FF2B5EF4-FFF2-40B4-BE49-F238E27FC236}">
+                <a16:creationId xmlns:a16="http://schemas.microsoft.com/office/drawing/2014/main" id="{1CC85005-CAD9-4324-85FB-8DF9F6032C12}"/>
               </a:ext>
             </a:extLst>
           </p:cNvPr>
@@ -4010,7 +6432,7 @@
           <p:nvPr/>
         </p:nvPicPr>
         <p:blipFill>
-          <a:blip r:embed="rId2">
+          <a:blip r:embed="rId3">
             <a:extLst>
               <a:ext uri="{28A0092B-C50C-407E-A947-70E740481C1C}">
                 <a14:useLocalDpi xmlns:a14="http://schemas.microsoft.com/office/drawing/2010/main" val="0"/>
@@ -4023,20 +6445,168 @@
         </p:blipFill>
         <p:spPr>
           <a:xfrm>
-            <a:off x="6010148" y="2148892"/>
-            <a:ext cx="5777163" cy="4068532"/>
+            <a:off x="7131864" y="2187329"/>
+            <a:ext cx="4865261" cy="4468786"/>
           </a:xfrm>
           <a:prstGeom prst="rect">
             <a:avLst/>
           </a:prstGeom>
         </p:spPr>
       </p:pic>
+      <p:sp>
+        <p:nvSpPr>
+          <p:cNvPr id="14" name="TextBox 13">
+            <a:extLst>
+              <a:ext uri="{FF2B5EF4-FFF2-40B4-BE49-F238E27FC236}">
+                <a16:creationId xmlns:a16="http://schemas.microsoft.com/office/drawing/2014/main" id="{DA93B29A-A862-47AB-9841-149B0FD6CCF0}"/>
+              </a:ext>
+            </a:extLst>
+          </p:cNvPr>
+          <p:cNvSpPr txBox="1"/>
+          <p:nvPr/>
+        </p:nvSpPr>
+        <p:spPr>
+          <a:xfrm>
+            <a:off x="408374" y="576011"/>
+            <a:ext cx="3959441" cy="646331"/>
+          </a:xfrm>
+          <a:prstGeom prst="rect">
+            <a:avLst/>
+          </a:prstGeom>
+          <a:noFill/>
+        </p:spPr>
+        <p:txBody>
+          <a:bodyPr wrap="square" rtlCol="0">
+            <a:spAutoFit/>
+          </a:bodyPr>
+          <a:lstStyle/>
+          <a:p>
+            <a:r>
+              <a:rPr lang="en-US" sz="3600" dirty="0"/>
+              <a:t>Shifted Gaussian</a:t>
+            </a:r>
+            <a:endParaRPr lang="en-US" sz="2400" dirty="0"/>
+          </a:p>
+        </p:txBody>
+      </p:sp>
+      <p:cxnSp>
+        <p:nvCxnSpPr>
+          <p:cNvPr id="15" name="Straight Connector 14">
+            <a:extLst>
+              <a:ext uri="{FF2B5EF4-FFF2-40B4-BE49-F238E27FC236}">
+                <a16:creationId xmlns:a16="http://schemas.microsoft.com/office/drawing/2014/main" id="{5353787B-4113-4906-A861-AFC522BBF2B1}"/>
+              </a:ext>
+            </a:extLst>
+          </p:cNvPr>
+          <p:cNvCxnSpPr>
+            <a:cxnSpLocks/>
+          </p:cNvCxnSpPr>
+          <p:nvPr/>
+        </p:nvCxnSpPr>
+        <p:spPr>
+          <a:xfrm>
+            <a:off x="9181112" y="2152001"/>
+            <a:ext cx="0" cy="4240336"/>
+          </a:xfrm>
+          <a:prstGeom prst="line">
+            <a:avLst/>
+          </a:prstGeom>
+          <a:ln w="19050">
+            <a:solidFill>
+              <a:srgbClr val="FA4616"/>
+            </a:solidFill>
+          </a:ln>
+        </p:spPr>
+        <p:style>
+          <a:lnRef idx="1">
+            <a:schemeClr val="accent1"/>
+          </a:lnRef>
+          <a:fillRef idx="0">
+            <a:schemeClr val="accent1"/>
+          </a:fillRef>
+          <a:effectRef idx="0">
+            <a:schemeClr val="accent1"/>
+          </a:effectRef>
+          <a:fontRef idx="minor">
+            <a:schemeClr val="tx1"/>
+          </a:fontRef>
+        </p:style>
+      </p:cxnSp>
+      <p:sp>
+        <p:nvSpPr>
+          <p:cNvPr id="19" name="TextBox 18">
+            <a:extLst>
+              <a:ext uri="{FF2B5EF4-FFF2-40B4-BE49-F238E27FC236}">
+                <a16:creationId xmlns:a16="http://schemas.microsoft.com/office/drawing/2014/main" id="{D8FF1F51-A7C3-483C-8661-EDDDCF12C25C}"/>
+              </a:ext>
+            </a:extLst>
+          </p:cNvPr>
+          <p:cNvSpPr txBox="1"/>
+          <p:nvPr/>
+        </p:nvSpPr>
+        <p:spPr>
+          <a:xfrm>
+            <a:off x="3740402" y="551411"/>
+            <a:ext cx="5623660" cy="1323439"/>
+          </a:xfrm>
+          <a:prstGeom prst="rect">
+            <a:avLst/>
+          </a:prstGeom>
+          <a:noFill/>
+        </p:spPr>
+        <p:txBody>
+          <a:bodyPr wrap="square" rtlCol="0">
+            <a:spAutoFit/>
+          </a:bodyPr>
+          <a:lstStyle/>
+          <a:p>
+            <a:pPr marL="285750" indent="-285750">
+              <a:buFont typeface="Arial" panose="020B0604020202020204" pitchFamily="34" charset="0"/>
+              <a:buChar char="•"/>
+            </a:pPr>
+            <a:r>
+              <a:rPr lang="en-US" sz="2000" dirty="0"/>
+              <a:t>Intensity contour (100 micron) right</a:t>
+            </a:r>
+          </a:p>
+          <a:p>
+            <a:pPr marL="285750" indent="-285750">
+              <a:buFont typeface="Arial" panose="020B0604020202020204" pitchFamily="34" charset="0"/>
+              <a:buChar char="•"/>
+            </a:pPr>
+            <a:r>
+              <a:rPr lang="en-US" sz="2000" dirty="0"/>
+              <a:t>Intensity at y=0 below</a:t>
+            </a:r>
+          </a:p>
+          <a:p>
+            <a:pPr marL="285750" indent="-285750">
+              <a:buFont typeface="Arial" panose="020B0604020202020204" pitchFamily="34" charset="0"/>
+              <a:buChar char="•"/>
+            </a:pPr>
+            <a:r>
+              <a:rPr lang="en-US" sz="2000" dirty="0"/>
+              <a:t>Vertical lines show expected shift </a:t>
+            </a:r>
+          </a:p>
+          <a:p>
+            <a:pPr marL="742950" lvl="1" indent="-285750">
+              <a:buFont typeface="Arial" panose="020B0604020202020204" pitchFamily="34" charset="0"/>
+              <a:buChar char="•"/>
+            </a:pPr>
+            <a:r>
+              <a:rPr lang="en-US" sz="2000" dirty="0"/>
+              <a:t>(L to R: 25,50,75,100um)</a:t>
+            </a:r>
+          </a:p>
+        </p:txBody>
+      </p:sp>
       <p:pic>
         <p:nvPicPr>
-          <p:cNvPr id="10" name="Picture 9" descr="A close up of a piece of paper&#10;&#10;Description automatically generated">
-            <a:extLst>
-              <a:ext uri="{FF2B5EF4-FFF2-40B4-BE49-F238E27FC236}">
-                <a16:creationId xmlns:a16="http://schemas.microsoft.com/office/drawing/2014/main" id="{74CAF3B1-0640-4115-8B4E-E857ABE183A1}"/>
+          <p:cNvPr id="37" name="Picture 36" descr="A close up of a map&#10;&#10;Description automatically generated">
+            <a:extLst>
+              <a:ext uri="{FF2B5EF4-FFF2-40B4-BE49-F238E27FC236}">
+                <a16:creationId xmlns:a16="http://schemas.microsoft.com/office/drawing/2014/main" id="{78A676B0-F1DB-439C-BB3E-A2FD2E2FD498}"/>
               </a:ext>
             </a:extLst>
           </p:cNvPr>
@@ -4046,7 +6616,7 @@
           <p:nvPr/>
         </p:nvPicPr>
         <p:blipFill>
-          <a:blip r:embed="rId3">
+          <a:blip r:embed="rId4">
             <a:extLst>
               <a:ext uri="{28A0092B-C50C-407E-A947-70E740481C1C}">
                 <a14:useLocalDpi xmlns:a14="http://schemas.microsoft.com/office/drawing/2010/main" val="0"/>
@@ -4059,20 +6629,264 @@
         </p:blipFill>
         <p:spPr>
           <a:xfrm>
-            <a:off x="62407" y="2120533"/>
-            <a:ext cx="5882672" cy="4068532"/>
+            <a:off x="1121381" y="4324156"/>
+            <a:ext cx="2447314" cy="2387745"/>
           </a:xfrm>
           <a:prstGeom prst="rect">
             <a:avLst/>
           </a:prstGeom>
         </p:spPr>
       </p:pic>
-      <p:sp>
-        <p:nvSpPr>
-          <p:cNvPr id="11" name="TextBox 10">
-            <a:extLst>
-              <a:ext uri="{FF2B5EF4-FFF2-40B4-BE49-F238E27FC236}">
-                <a16:creationId xmlns:a16="http://schemas.microsoft.com/office/drawing/2014/main" id="{4FACA0B9-3678-4428-8779-53FF184C5E50}"/>
+      <p:cxnSp>
+        <p:nvCxnSpPr>
+          <p:cNvPr id="31" name="Straight Connector 30">
+            <a:extLst>
+              <a:ext uri="{FF2B5EF4-FFF2-40B4-BE49-F238E27FC236}">
+                <a16:creationId xmlns:a16="http://schemas.microsoft.com/office/drawing/2014/main" id="{9628D23F-AC6C-447D-A6F8-ED064EFA456C}"/>
+              </a:ext>
+            </a:extLst>
+          </p:cNvPr>
+          <p:cNvCxnSpPr>
+            <a:cxnSpLocks/>
+          </p:cNvCxnSpPr>
+          <p:nvPr/>
+        </p:nvCxnSpPr>
+        <p:spPr>
+          <a:xfrm>
+            <a:off x="2458992" y="4243528"/>
+            <a:ext cx="0" cy="2333086"/>
+          </a:xfrm>
+          <a:prstGeom prst="line">
+            <a:avLst/>
+          </a:prstGeom>
+          <a:ln w="19050">
+            <a:solidFill>
+              <a:srgbClr val="FA4616"/>
+            </a:solidFill>
+          </a:ln>
+        </p:spPr>
+        <p:style>
+          <a:lnRef idx="1">
+            <a:schemeClr val="accent1"/>
+          </a:lnRef>
+          <a:fillRef idx="0">
+            <a:schemeClr val="accent1"/>
+          </a:fillRef>
+          <a:effectRef idx="0">
+            <a:schemeClr val="accent1"/>
+          </a:effectRef>
+          <a:fontRef idx="minor">
+            <a:schemeClr val="tx1"/>
+          </a:fontRef>
+        </p:style>
+      </p:cxnSp>
+      <p:cxnSp>
+        <p:nvCxnSpPr>
+          <p:cNvPr id="34" name="Straight Connector 33">
+            <a:extLst>
+              <a:ext uri="{FF2B5EF4-FFF2-40B4-BE49-F238E27FC236}">
+                <a16:creationId xmlns:a16="http://schemas.microsoft.com/office/drawing/2014/main" id="{B078ED65-F001-479D-9DE1-7CC380E1471F}"/>
+              </a:ext>
+            </a:extLst>
+          </p:cNvPr>
+          <p:cNvCxnSpPr>
+            <a:cxnSpLocks/>
+          </p:cNvCxnSpPr>
+          <p:nvPr/>
+        </p:nvCxnSpPr>
+        <p:spPr>
+          <a:xfrm>
+            <a:off x="5573983" y="1900675"/>
+            <a:ext cx="0" cy="2075022"/>
+          </a:xfrm>
+          <a:prstGeom prst="line">
+            <a:avLst/>
+          </a:prstGeom>
+          <a:ln w="19050">
+            <a:solidFill>
+              <a:srgbClr val="FA4616"/>
+            </a:solidFill>
+          </a:ln>
+        </p:spPr>
+        <p:style>
+          <a:lnRef idx="1">
+            <a:schemeClr val="accent1"/>
+          </a:lnRef>
+          <a:fillRef idx="0">
+            <a:schemeClr val="accent1"/>
+          </a:fillRef>
+          <a:effectRef idx="0">
+            <a:schemeClr val="accent1"/>
+          </a:effectRef>
+          <a:fontRef idx="minor">
+            <a:schemeClr val="tx1"/>
+          </a:fontRef>
+        </p:style>
+      </p:cxnSp>
+      <p:pic>
+        <p:nvPicPr>
+          <p:cNvPr id="44" name="Picture 43" descr="A close up of a map&#10;&#10;Description automatically generated">
+            <a:extLst>
+              <a:ext uri="{FF2B5EF4-FFF2-40B4-BE49-F238E27FC236}">
+                <a16:creationId xmlns:a16="http://schemas.microsoft.com/office/drawing/2014/main" id="{A4BF56A9-8A59-4152-9E92-84BF17D95A8D}"/>
+              </a:ext>
+            </a:extLst>
+          </p:cNvPr>
+          <p:cNvPicPr>
+            <a:picLocks noChangeAspect="1"/>
+          </p:cNvPicPr>
+          <p:nvPr/>
+        </p:nvPicPr>
+        <p:blipFill>
+          <a:blip r:embed="rId5">
+            <a:extLst>
+              <a:ext uri="{28A0092B-C50C-407E-A947-70E740481C1C}">
+                <a14:useLocalDpi xmlns:a14="http://schemas.microsoft.com/office/drawing/2010/main" val="0"/>
+              </a:ext>
+            </a:extLst>
+          </a:blip>
+          <a:stretch>
+            <a:fillRect/>
+          </a:stretch>
+        </p:blipFill>
+        <p:spPr>
+          <a:xfrm>
+            <a:off x="1247234" y="1900675"/>
+            <a:ext cx="2365642" cy="2319954"/>
+          </a:xfrm>
+          <a:prstGeom prst="rect">
+            <a:avLst/>
+          </a:prstGeom>
+        </p:spPr>
+      </p:pic>
+      <p:cxnSp>
+        <p:nvCxnSpPr>
+          <p:cNvPr id="33" name="Straight Connector 32">
+            <a:extLst>
+              <a:ext uri="{FF2B5EF4-FFF2-40B4-BE49-F238E27FC236}">
+                <a16:creationId xmlns:a16="http://schemas.microsoft.com/office/drawing/2014/main" id="{E477E138-DFA7-4313-B1F0-711A62E10CB0}"/>
+              </a:ext>
+            </a:extLst>
+          </p:cNvPr>
+          <p:cNvCxnSpPr>
+            <a:cxnSpLocks/>
+          </p:cNvCxnSpPr>
+          <p:nvPr/>
+        </p:nvCxnSpPr>
+        <p:spPr>
+          <a:xfrm>
+            <a:off x="2904355" y="1900675"/>
+            <a:ext cx="0" cy="2161018"/>
+          </a:xfrm>
+          <a:prstGeom prst="line">
+            <a:avLst/>
+          </a:prstGeom>
+          <a:ln w="19050">
+            <a:solidFill>
+              <a:srgbClr val="FA4616"/>
+            </a:solidFill>
+          </a:ln>
+        </p:spPr>
+        <p:style>
+          <a:lnRef idx="1">
+            <a:schemeClr val="accent1"/>
+          </a:lnRef>
+          <a:fillRef idx="0">
+            <a:schemeClr val="accent1"/>
+          </a:fillRef>
+          <a:effectRef idx="0">
+            <a:schemeClr val="accent1"/>
+          </a:effectRef>
+          <a:fontRef idx="minor">
+            <a:schemeClr val="tx1"/>
+          </a:fontRef>
+        </p:style>
+      </p:cxnSp>
+      <p:pic>
+        <p:nvPicPr>
+          <p:cNvPr id="50" name="Picture 49" descr="A close up of a map&#10;&#10;Description automatically generated">
+            <a:extLst>
+              <a:ext uri="{FF2B5EF4-FFF2-40B4-BE49-F238E27FC236}">
+                <a16:creationId xmlns:a16="http://schemas.microsoft.com/office/drawing/2014/main" id="{B044DE15-5849-46D0-9260-4E29E88CDD98}"/>
+              </a:ext>
+            </a:extLst>
+          </p:cNvPr>
+          <p:cNvPicPr>
+            <a:picLocks noChangeAspect="1"/>
+          </p:cNvPicPr>
+          <p:nvPr/>
+        </p:nvPicPr>
+        <p:blipFill>
+          <a:blip r:embed="rId6">
+            <a:extLst>
+              <a:ext uri="{28A0092B-C50C-407E-A947-70E740481C1C}">
+                <a14:useLocalDpi xmlns:a14="http://schemas.microsoft.com/office/drawing/2010/main" val="0"/>
+              </a:ext>
+            </a:extLst>
+          </a:blip>
+          <a:stretch>
+            <a:fillRect/>
+          </a:stretch>
+        </p:blipFill>
+        <p:spPr>
+          <a:xfrm>
+            <a:off x="4016103" y="4334400"/>
+            <a:ext cx="2441493" cy="2377502"/>
+          </a:xfrm>
+          <a:prstGeom prst="rect">
+            <a:avLst/>
+          </a:prstGeom>
+        </p:spPr>
+      </p:pic>
+      <p:cxnSp>
+        <p:nvCxnSpPr>
+          <p:cNvPr id="51" name="Straight Connector 50">
+            <a:extLst>
+              <a:ext uri="{FF2B5EF4-FFF2-40B4-BE49-F238E27FC236}">
+                <a16:creationId xmlns:a16="http://schemas.microsoft.com/office/drawing/2014/main" id="{1BBE518C-9FC5-4CAD-98C9-D12C3F690FF8}"/>
+              </a:ext>
+            </a:extLst>
+          </p:cNvPr>
+          <p:cNvCxnSpPr>
+            <a:cxnSpLocks/>
+          </p:cNvCxnSpPr>
+          <p:nvPr/>
+        </p:nvCxnSpPr>
+        <p:spPr>
+          <a:xfrm>
+            <a:off x="5131007" y="4403040"/>
+            <a:ext cx="0" cy="2075022"/>
+          </a:xfrm>
+          <a:prstGeom prst="line">
+            <a:avLst/>
+          </a:prstGeom>
+          <a:ln w="19050">
+            <a:solidFill>
+              <a:srgbClr val="FA4616"/>
+            </a:solidFill>
+          </a:ln>
+        </p:spPr>
+        <p:style>
+          <a:lnRef idx="1">
+            <a:schemeClr val="accent1"/>
+          </a:lnRef>
+          <a:fillRef idx="0">
+            <a:schemeClr val="accent1"/>
+          </a:fillRef>
+          <a:effectRef idx="0">
+            <a:schemeClr val="accent1"/>
+          </a:effectRef>
+          <a:fontRef idx="minor">
+            <a:schemeClr val="tx1"/>
+          </a:fontRef>
+        </p:style>
+      </p:cxnSp>
+      <p:sp>
+        <p:nvSpPr>
+          <p:cNvPr id="53" name="TextBox 52">
+            <a:extLst>
+              <a:ext uri="{FF2B5EF4-FFF2-40B4-BE49-F238E27FC236}">
+                <a16:creationId xmlns:a16="http://schemas.microsoft.com/office/drawing/2014/main" id="{589503F0-7AF3-4E2B-A7DF-5E423102F401}"/>
               </a:ext>
             </a:extLst>
           </p:cNvPr>
@@ -4081,8 +6895,8 @@
         </p:nvSpPr>
         <p:spPr>
           <a:xfrm>
-            <a:off x="5091643" y="558472"/>
-            <a:ext cx="7266074" cy="1631216"/>
+            <a:off x="8588237" y="1263999"/>
+            <a:ext cx="2192785" cy="923330"/>
           </a:xfrm>
           <a:prstGeom prst="rect">
             <a:avLst/>
@@ -4095,255 +6909,108 @@
           </a:bodyPr>
           <a:lstStyle/>
           <a:p>
-            <a:pPr marL="285750" indent="-285750">
-              <a:buFont typeface="Arial" panose="020B0604020202020204" pitchFamily="34" charset="0"/>
-              <a:buChar char="•"/>
-            </a:pPr>
-            <a:r>
-              <a:rPr lang="en-US" sz="2000" dirty="0"/>
-              <a:t>Performing the expansion for updated </a:t>
-            </a:r>
-            <a:r>
-              <a:rPr lang="en-US" sz="2000" dirty="0" err="1"/>
-              <a:t>C</a:t>
-            </a:r>
-            <a:r>
-              <a:rPr lang="en-US" sz="2000" baseline="-25000" dirty="0" err="1"/>
-              <a:t>nm</a:t>
-            </a:r>
-            <a:r>
-              <a:rPr lang="en-US" sz="2000" dirty="0"/>
-              <a:t> ( no signal calc. or tilt)</a:t>
-            </a:r>
-          </a:p>
-          <a:p>
-            <a:pPr marL="285750" indent="-285750">
-              <a:buFont typeface="Arial" panose="020B0604020202020204" pitchFamily="34" charset="0"/>
-              <a:buChar char="•"/>
-            </a:pPr>
-            <a:r>
-              <a:rPr lang="en-US" sz="2000" dirty="0"/>
-              <a:t>Up to 10</a:t>
-            </a:r>
-            <a:r>
-              <a:rPr lang="en-US" sz="2000" baseline="30000" dirty="0"/>
+            <a:r>
+              <a:rPr lang="en-US" dirty="0"/>
+              <a:t>Intensity (a=100um,5</a:t>
+            </a:r>
+            <a:r>
+              <a:rPr lang="en-US" baseline="30000" dirty="0"/>
               <a:t>th</a:t>
             </a:r>
             <a:r>
-              <a:rPr lang="en-US" sz="2000" dirty="0"/>
-              <a:t> order: </a:t>
-            </a:r>
-          </a:p>
-          <a:p>
-            <a:pPr marL="742950" lvl="1" indent="-285750">
-              <a:buFont typeface="Arial" panose="020B0604020202020204" pitchFamily="34" charset="0"/>
-              <a:buChar char="•"/>
-            </a:pPr>
-            <a:r>
-              <a:rPr lang="en-US" sz="2000" dirty="0"/>
-              <a:t>a</a:t>
-            </a:r>
-            <a:r>
-              <a:rPr lang="en-US" sz="2000" baseline="30000" dirty="0"/>
-              <a:t>10 </a:t>
-            </a:r>
-            <a:r>
-              <a:rPr lang="en-US" sz="2000" dirty="0"/>
-              <a:t>terms </a:t>
-            </a:r>
-          </a:p>
-          <a:p>
-            <a:pPr marL="742950" lvl="1" indent="-285750">
-              <a:buFont typeface="Arial" panose="020B0604020202020204" pitchFamily="34" charset="0"/>
-              <a:buChar char="•"/>
-            </a:pPr>
-            <a:r>
-              <a:rPr lang="en-US" sz="2000" dirty="0"/>
-              <a:t>x</a:t>
-            </a:r>
-            <a:r>
-              <a:rPr lang="en-US" sz="2000" baseline="30000" dirty="0"/>
-              <a:t>10 </a:t>
-            </a:r>
-            <a:r>
-              <a:rPr lang="en-US" sz="2000" dirty="0"/>
-              <a:t>terms </a:t>
-            </a:r>
-          </a:p>
-          <a:p>
-            <a:pPr marL="285750" indent="-285750">
-              <a:buFont typeface="Arial" panose="020B0604020202020204" pitchFamily="34" charset="0"/>
-              <a:buChar char="•"/>
-            </a:pPr>
-            <a:r>
-              <a:rPr lang="en-US" sz="2000" dirty="0"/>
-              <a:t>Mode order 34 </a:t>
-            </a:r>
-            <a:r>
-              <a:rPr lang="en-US" sz="2000" dirty="0" err="1"/>
-              <a:t>tophat</a:t>
-            </a:r>
-            <a:r>
-              <a:rPr lang="en-US" sz="2000" dirty="0"/>
-              <a:t> -&gt; order 44 after x transformations</a:t>
-            </a:r>
-          </a:p>
-        </p:txBody>
-      </p:sp>
-      <p:sp>
-        <p:nvSpPr>
-          <p:cNvPr id="12" name="Rectangle 11">
-            <a:extLst>
-              <a:ext uri="{FF2B5EF4-FFF2-40B4-BE49-F238E27FC236}">
-                <a16:creationId xmlns:a16="http://schemas.microsoft.com/office/drawing/2014/main" id="{C4C7C4E9-937D-4AF6-A4FF-63E40978D06C}"/>
+              <a:rPr lang="en-US" dirty="0"/>
+              <a:t> order)</a:t>
+            </a:r>
+          </a:p>
+          <a:p>
+            <a:r>
+              <a:rPr lang="en-US" dirty="0"/>
+              <a:t>(image was low res)</a:t>
+            </a:r>
+          </a:p>
+        </p:txBody>
+      </p:sp>
+      <p:cxnSp>
+        <p:nvCxnSpPr>
+          <p:cNvPr id="55" name="Straight Connector 54">
+            <a:extLst>
+              <a:ext uri="{FF2B5EF4-FFF2-40B4-BE49-F238E27FC236}">
+                <a16:creationId xmlns:a16="http://schemas.microsoft.com/office/drawing/2014/main" id="{5F37C34E-6E4E-4A54-8B62-BD0CA2B98278}"/>
+              </a:ext>
+            </a:extLst>
+          </p:cNvPr>
+          <p:cNvCxnSpPr>
+            <a:cxnSpLocks/>
+          </p:cNvCxnSpPr>
+          <p:nvPr/>
+        </p:nvCxnSpPr>
+        <p:spPr>
+          <a:xfrm>
+            <a:off x="4016103" y="1252605"/>
+            <a:ext cx="0" cy="501222"/>
+          </a:xfrm>
+          <a:prstGeom prst="line">
+            <a:avLst/>
+          </a:prstGeom>
+          <a:ln w="19050">
+            <a:solidFill>
+              <a:srgbClr val="FA4616"/>
+            </a:solidFill>
+          </a:ln>
+        </p:spPr>
+        <p:style>
+          <a:lnRef idx="1">
+            <a:schemeClr val="accent1"/>
+          </a:lnRef>
+          <a:fillRef idx="0">
+            <a:schemeClr val="accent1"/>
+          </a:fillRef>
+          <a:effectRef idx="0">
+            <a:schemeClr val="accent1"/>
+          </a:effectRef>
+          <a:fontRef idx="minor">
+            <a:schemeClr val="tx1"/>
+          </a:fontRef>
+        </p:style>
+      </p:cxnSp>
+      <p:sp>
+        <p:nvSpPr>
+          <p:cNvPr id="2" name="Slide Number Placeholder 1">
+            <a:extLst>
+              <a:ext uri="{FF2B5EF4-FFF2-40B4-BE49-F238E27FC236}">
+                <a16:creationId xmlns:a16="http://schemas.microsoft.com/office/drawing/2014/main" id="{16C53E78-64A6-47C3-8959-44CE9ABD7C40}"/>
               </a:ext>
             </a:extLst>
           </p:cNvPr>
           <p:cNvSpPr>
-            <a:spLocks noChangeArrowheads="1"/>
+            <a:spLocks noGrp="1"/>
           </p:cNvSpPr>
-          <p:nvPr/>
-        </p:nvSpPr>
-        <p:spPr bwMode="auto">
-          <a:xfrm>
-            <a:off x="988346" y="6201988"/>
-            <a:ext cx="12192000" cy="457200"/>
-          </a:xfrm>
-          <a:prstGeom prst="rect">
-            <a:avLst/>
-          </a:prstGeom>
-          <a:solidFill>
-            <a:srgbClr val="FFFFFF"/>
-          </a:solidFill>
-          <a:ln>
-            <a:noFill/>
-          </a:ln>
-          <a:effectLst/>
-          <a:extLst>
-            <a:ext uri="{91240B29-F687-4F45-9708-019B960494DF}">
-              <a14:hiddenLine xmlns:a14="http://schemas.microsoft.com/office/drawing/2010/main" w="9525">
-                <a:solidFill>
-                  <a:schemeClr val="tx1"/>
-                </a:solidFill>
-                <a:miter lim="800000"/>
-                <a:headEnd/>
-                <a:tailEnd/>
-              </a14:hiddenLine>
-            </a:ext>
-            <a:ext uri="{AF507438-7753-43E0-B8FC-AC1667EBCBE1}">
-              <a14:hiddenEffects xmlns:a14="http://schemas.microsoft.com/office/drawing/2010/main">
-                <a:effectLst>
-                  <a:outerShdw dist="35921" dir="2700000" algn="ctr" rotWithShape="0">
-                    <a:schemeClr val="bg2"/>
-                  </a:outerShdw>
-                </a:effectLst>
-              </a14:hiddenEffects>
-            </a:ext>
-          </a:extLst>
-        </p:spPr>
-        <p:txBody>
-          <a:bodyPr vert="horz" wrap="none" lIns="0" tIns="0" rIns="0" bIns="0" numCol="1" anchor="ctr" anchorCtr="0" compatLnSpc="1">
-            <a:prstTxWarp prst="textNoShape">
-              <a:avLst/>
-            </a:prstTxWarp>
-            <a:spAutoFit/>
-          </a:bodyPr>
-          <a:lstStyle/>
-          <a:p>
-            <a:pPr marL="0" marR="0" lvl="0" indent="0" algn="l" defTabSz="914400" rtl="0" eaLnBrk="0" fontAlgn="base" latinLnBrk="0" hangingPunct="0">
-              <a:lnSpc>
-                <a:spcPct val="100000"/>
-              </a:lnSpc>
-              <a:spcBef>
-                <a:spcPct val="0"/>
-              </a:spcBef>
-              <a:spcAft>
-                <a:spcPct val="0"/>
-              </a:spcAft>
-              <a:buClrTx/>
-              <a:buSzTx/>
-              <a:buFontTx/>
-              <a:buNone/>
-              <a:tabLst/>
-            </a:pPr>
-            <a:r>
-              <a:rPr kumimoji="0" lang="en-US" altLang="en-US" sz="1000" b="0" i="0" u="none" strike="noStrike" cap="none" normalizeH="0" baseline="0" dirty="0">
-                <a:ln>
-                  <a:noFill/>
-                </a:ln>
-                <a:solidFill>
-                  <a:srgbClr val="000000"/>
-                </a:solidFill>
-                <a:effectLst/>
-                <a:latin typeface="Courier New" panose="02070309020205020404" pitchFamily="49" charset="0"/>
-              </a:rPr>
-              <a:t>[0.015625, 0.015625, 0.15625, 0.59375, 1.359375, 2.921875, 7.609375, 18.953125, 44.234375, 104.390625, 240.046875]</a:t>
-            </a:r>
-            <a:r>
-              <a:rPr kumimoji="0" lang="en-US" altLang="en-US" sz="800" b="0" i="0" u="none" strike="noStrike" cap="none" normalizeH="0" baseline="0" dirty="0">
-                <a:ln>
-                  <a:noFill/>
-                </a:ln>
-                <a:solidFill>
-                  <a:schemeClr val="tx1"/>
-                </a:solidFill>
-                <a:effectLst/>
-              </a:rPr>
-              <a:t> </a:t>
-            </a:r>
-            <a:endParaRPr kumimoji="0" lang="en-US" altLang="en-US" sz="1800" b="0" i="0" u="none" strike="noStrike" cap="none" normalizeH="0" baseline="0" dirty="0">
-              <a:ln>
-                <a:noFill/>
-              </a:ln>
-              <a:solidFill>
-                <a:schemeClr val="tx1"/>
-              </a:solidFill>
-              <a:effectLst/>
-              <a:latin typeface="Arial" panose="020B0604020202020204" pitchFamily="34" charset="0"/>
-            </a:endParaRPr>
-          </a:p>
-        </p:txBody>
-      </p:sp>
-      <p:sp>
-        <p:nvSpPr>
-          <p:cNvPr id="3" name="TextBox 2">
-            <a:extLst>
-              <a:ext uri="{FF2B5EF4-FFF2-40B4-BE49-F238E27FC236}">
-                <a16:creationId xmlns:a16="http://schemas.microsoft.com/office/drawing/2014/main" id="{F5E88D52-5FEE-4155-BCBB-2F428BDBE329}"/>
-              </a:ext>
-            </a:extLst>
-          </p:cNvPr>
-          <p:cNvSpPr txBox="1"/>
-          <p:nvPr/>
-        </p:nvSpPr>
-        <p:spPr>
-          <a:xfrm>
-            <a:off x="532660" y="878889"/>
-            <a:ext cx="3959441" cy="646331"/>
-          </a:xfrm>
-          <a:prstGeom prst="rect">
-            <a:avLst/>
-          </a:prstGeom>
-          <a:noFill/>
-        </p:spPr>
-        <p:txBody>
-          <a:bodyPr wrap="square" rtlCol="0">
-            <a:spAutoFit/>
-          </a:bodyPr>
-          <a:lstStyle/>
-          <a:p>
-            <a:r>
-              <a:rPr lang="en-US" sz="3600" dirty="0"/>
-              <a:t>Computation Times</a:t>
-            </a:r>
-            <a:endParaRPr lang="en-US" sz="2400" dirty="0"/>
+          <p:nvPr>
+            <p:ph type="sldNum" sz="quarter" idx="12"/>
+          </p:nvPr>
+        </p:nvSpPr>
+        <p:spPr>
+          <a:xfrm>
+            <a:off x="9182100" y="81174"/>
+            <a:ext cx="2743200" cy="365125"/>
+          </a:xfrm>
+        </p:spPr>
+        <p:txBody>
+          <a:bodyPr/>
+          <a:lstStyle/>
+          <a:p>
+            <a:fld id="{01DD9B2E-0F68-4E36-8E5A-BCFDBE11C298}" type="slidenum">
+              <a:rPr lang="en-US" smtClean="0"/>
+              <a:t>2</a:t>
+            </a:fld>
+            <a:endParaRPr lang="en-US" dirty="0"/>
           </a:p>
         </p:txBody>
       </p:sp>
     </p:spTree>
     <p:extLst>
       <p:ext uri="{BB962C8B-B14F-4D97-AF65-F5344CB8AC3E}">
-        <p14:creationId xmlns:p14="http://schemas.microsoft.com/office/powerpoint/2010/main" val="1957052090"/>
+        <p14:creationId xmlns:p14="http://schemas.microsoft.com/office/powerpoint/2010/main" val="2880560830"/>
       </p:ext>
     </p:extLst>
   </p:cSld>
@@ -4481,7 +7148,7 @@
         </p:nvCxnSpPr>
         <p:spPr>
           <a:xfrm>
-            <a:off x="342253" y="1426530"/>
+            <a:off x="244598" y="1152894"/>
             <a:ext cx="11306175" cy="0"/>
           </a:xfrm>
           <a:prstGeom prst="line">
@@ -4587,12 +7254,207 @@
           </a:p>
         </p:txBody>
       </p:sp>
+      <p:sp>
+        <p:nvSpPr>
+          <p:cNvPr id="7" name="TextBox 6">
+            <a:extLst>
+              <a:ext uri="{FF2B5EF4-FFF2-40B4-BE49-F238E27FC236}">
+                <a16:creationId xmlns:a16="http://schemas.microsoft.com/office/drawing/2014/main" id="{9312ABD2-11B1-4C7D-BD02-2B311C5C6785}"/>
+              </a:ext>
+            </a:extLst>
+          </p:cNvPr>
+          <p:cNvSpPr txBox="1"/>
+          <p:nvPr/>
+        </p:nvSpPr>
+        <p:spPr>
+          <a:xfrm>
+            <a:off x="76200" y="1346463"/>
+            <a:ext cx="7403448" cy="5016758"/>
+          </a:xfrm>
+          <a:prstGeom prst="rect">
+            <a:avLst/>
+          </a:prstGeom>
+          <a:noFill/>
+        </p:spPr>
+        <p:txBody>
+          <a:bodyPr wrap="square" rtlCol="0">
+            <a:spAutoFit/>
+          </a:bodyPr>
+          <a:lstStyle/>
+          <a:p>
+            <a:pPr marL="285750" indent="-285750">
+              <a:buFont typeface="Arial" panose="020B0604020202020204" pitchFamily="34" charset="0"/>
+              <a:buChar char="•"/>
+            </a:pPr>
+            <a:r>
+              <a:rPr lang="en-US" sz="3200" dirty="0"/>
+              <a:t>Shifts for 25, 50, 75, 100 micron</a:t>
+            </a:r>
+          </a:p>
+          <a:p>
+            <a:pPr marL="285750" indent="-285750">
+              <a:buFont typeface="Arial" panose="020B0604020202020204" pitchFamily="34" charset="0"/>
+              <a:buChar char="•"/>
+            </a:pPr>
+            <a:r>
+              <a:rPr lang="en-US" sz="3200" dirty="0"/>
+              <a:t>Basis: beam radius = 2/3mm,w</a:t>
+            </a:r>
+            <a:r>
+              <a:rPr lang="en-US" sz="3200" baseline="-25000" dirty="0"/>
+              <a:t>0</a:t>
+            </a:r>
+            <a:r>
+              <a:rPr lang="en-US" sz="3200" dirty="0"/>
+              <a:t>~ 0.2 mm</a:t>
+            </a:r>
+          </a:p>
+          <a:p>
+            <a:pPr marL="285750" indent="-285750">
+              <a:buFont typeface="Arial" panose="020B0604020202020204" pitchFamily="34" charset="0"/>
+              <a:buChar char="•"/>
+            </a:pPr>
+            <a:r>
+              <a:rPr lang="en-US" sz="3200" dirty="0"/>
+              <a:t>Full mode order 34</a:t>
+            </a:r>
+          </a:p>
+          <a:p>
+            <a:pPr marL="285750" indent="-285750">
+              <a:buFont typeface="Arial" panose="020B0604020202020204" pitchFamily="34" charset="0"/>
+              <a:buChar char="•"/>
+            </a:pPr>
+            <a:r>
+              <a:rPr lang="en-US" sz="3200" dirty="0"/>
+              <a:t>Intensity Resolution = 200x200 </a:t>
+            </a:r>
+          </a:p>
+          <a:p>
+            <a:pPr marL="742950" lvl="1" indent="-285750">
+              <a:buFont typeface="Arial" panose="020B0604020202020204" pitchFamily="34" charset="0"/>
+              <a:buChar char="•"/>
+            </a:pPr>
+            <a:r>
+              <a:rPr lang="en-US" sz="3200" dirty="0"/>
+              <a:t>Full plot above zoomed plot</a:t>
+            </a:r>
+          </a:p>
+          <a:p>
+            <a:pPr marL="285750" indent="-285750">
+              <a:buFont typeface="Arial" panose="020B0604020202020204" pitchFamily="34" charset="0"/>
+              <a:buChar char="•"/>
+            </a:pPr>
+            <a:r>
+              <a:rPr lang="en-US" sz="3200" i="1" dirty="0"/>
+              <a:t>K = </a:t>
+            </a:r>
+            <a:r>
+              <a:rPr lang="en-US" sz="3200" dirty="0"/>
+              <a:t>approximation order</a:t>
+            </a:r>
+          </a:p>
+          <a:p>
+            <a:pPr marL="285750" indent="-285750">
+              <a:buFont typeface="Arial" panose="020B0604020202020204" pitchFamily="34" charset="0"/>
+              <a:buChar char="•"/>
+            </a:pPr>
+            <a:r>
+              <a:rPr lang="en-US" sz="3200" b="1" dirty="0"/>
+              <a:t>Convergence results:</a:t>
+            </a:r>
+          </a:p>
+          <a:p>
+            <a:pPr marL="742950" lvl="1" indent="-285750">
+              <a:buFont typeface="Arial" panose="020B0604020202020204" pitchFamily="34" charset="0"/>
+              <a:buChar char="•"/>
+            </a:pPr>
+            <a:r>
+              <a:rPr lang="en-US" sz="2400" dirty="0"/>
+              <a:t>25um at K=2</a:t>
+            </a:r>
+          </a:p>
+          <a:p>
+            <a:pPr marL="742950" lvl="1" indent="-285750">
+              <a:buFont typeface="Arial" panose="020B0604020202020204" pitchFamily="34" charset="0"/>
+              <a:buChar char="•"/>
+            </a:pPr>
+            <a:r>
+              <a:rPr lang="en-US" sz="2400" dirty="0"/>
+              <a:t>50um at K=6</a:t>
+            </a:r>
+          </a:p>
+          <a:p>
+            <a:pPr marL="742950" lvl="1" indent="-285750">
+              <a:buFont typeface="Arial" panose="020B0604020202020204" pitchFamily="34" charset="0"/>
+              <a:buChar char="•"/>
+            </a:pPr>
+            <a:r>
+              <a:rPr lang="en-US" sz="2400" dirty="0"/>
+              <a:t>75 um at K=10?</a:t>
+            </a:r>
+          </a:p>
+          <a:p>
+            <a:pPr marL="742950" lvl="1" indent="-285750">
+              <a:buFont typeface="Arial" panose="020B0604020202020204" pitchFamily="34" charset="0"/>
+              <a:buChar char="•"/>
+            </a:pPr>
+            <a:r>
+              <a:rPr lang="en-US" sz="2400" dirty="0"/>
+              <a:t>100 um at K=14??</a:t>
+            </a:r>
+          </a:p>
+        </p:txBody>
+      </p:sp>
+      <p:sp>
+        <p:nvSpPr>
+          <p:cNvPr id="9" name="TextBox 8">
+            <a:extLst>
+              <a:ext uri="{FF2B5EF4-FFF2-40B4-BE49-F238E27FC236}">
+                <a16:creationId xmlns:a16="http://schemas.microsoft.com/office/drawing/2014/main" id="{8D3DB233-B171-414E-ADFC-8C7A4A5E8C13}"/>
+              </a:ext>
+            </a:extLst>
+          </p:cNvPr>
+          <p:cNvSpPr txBox="1"/>
+          <p:nvPr/>
+        </p:nvSpPr>
+        <p:spPr>
+          <a:xfrm>
+            <a:off x="4258934" y="578378"/>
+            <a:ext cx="5066041" cy="646331"/>
+          </a:xfrm>
+          <a:prstGeom prst="rect">
+            <a:avLst/>
+          </a:prstGeom>
+          <a:noFill/>
+        </p:spPr>
+        <p:txBody>
+          <a:bodyPr wrap="square" rtlCol="0">
+            <a:spAutoFit/>
+          </a:bodyPr>
+          <a:lstStyle/>
+          <a:p>
+            <a:r>
+              <a:rPr lang="en-US" sz="3600" dirty="0"/>
+              <a:t>Shifted </a:t>
+            </a:r>
+            <a:r>
+              <a:rPr lang="en-US" sz="3600" dirty="0" err="1"/>
+              <a:t>Tophat</a:t>
+            </a:r>
+            <a:r>
+              <a:rPr lang="en-US" sz="3600" dirty="0"/>
+              <a:t> at Waist</a:t>
+            </a:r>
+            <a:endParaRPr lang="en-US" sz="2400" dirty="0"/>
+          </a:p>
+        </p:txBody>
+      </p:sp>
       <p:pic>
         <p:nvPicPr>
-          <p:cNvPr id="3" name="Picture 2" descr="A close up of a map&#10;&#10;Description automatically generated">
-            <a:extLst>
-              <a:ext uri="{FF2B5EF4-FFF2-40B4-BE49-F238E27FC236}">
-                <a16:creationId xmlns:a16="http://schemas.microsoft.com/office/drawing/2014/main" id="{77C3D142-9152-411B-A6F3-BDF287A4E544}"/>
+          <p:cNvPr id="12" name="Picture 11" descr="A close up of a logo&#10;&#10;Description automatically generated">
+            <a:extLst>
+              <a:ext uri="{FF2B5EF4-FFF2-40B4-BE49-F238E27FC236}">
+                <a16:creationId xmlns:a16="http://schemas.microsoft.com/office/drawing/2014/main" id="{5D1B6F38-1063-44B2-A03F-E9708226D58C}"/>
               </a:ext>
             </a:extLst>
           </p:cNvPr>
@@ -4615,8 +7477,8 @@
         </p:blipFill>
         <p:spPr>
           <a:xfrm>
-            <a:off x="832282" y="1477190"/>
-            <a:ext cx="6717435" cy="4604085"/>
+            <a:off x="8145367" y="1235259"/>
+            <a:ext cx="1641561" cy="2051952"/>
           </a:xfrm>
           <a:prstGeom prst="rect">
             <a:avLst/>
@@ -4625,10 +7487,10 @@
       </p:pic>
       <p:pic>
         <p:nvPicPr>
-          <p:cNvPr id="9" name="Picture 8">
-            <a:extLst>
-              <a:ext uri="{FF2B5EF4-FFF2-40B4-BE49-F238E27FC236}">
-                <a16:creationId xmlns:a16="http://schemas.microsoft.com/office/drawing/2014/main" id="{1A8F0EE1-FFA4-4538-8305-AA78BAF2BC2A}"/>
+          <p:cNvPr id="15" name="Picture 14" descr="A close up of a logo&#10;&#10;Description automatically generated">
+            <a:extLst>
+              <a:ext uri="{FF2B5EF4-FFF2-40B4-BE49-F238E27FC236}">
+                <a16:creationId xmlns:a16="http://schemas.microsoft.com/office/drawing/2014/main" id="{AD8C04BC-FC6B-4B08-976A-3F803174D008}"/>
               </a:ext>
             </a:extLst>
           </p:cNvPr>
@@ -4651,8 +7513,8 @@
         </p:blipFill>
         <p:spPr>
           <a:xfrm>
-            <a:off x="2644561" y="6081275"/>
-            <a:ext cx="6500423" cy="647756"/>
+            <a:off x="7588145" y="3255316"/>
+            <a:ext cx="2756006" cy="3425809"/>
           </a:xfrm>
           <a:prstGeom prst="rect">
             <a:avLst/>
@@ -4661,129 +7523,37 @@
       </p:pic>
       <p:sp>
         <p:nvSpPr>
-          <p:cNvPr id="11" name="TextBox 10">
-            <a:extLst>
-              <a:ext uri="{FF2B5EF4-FFF2-40B4-BE49-F238E27FC236}">
-                <a16:creationId xmlns:a16="http://schemas.microsoft.com/office/drawing/2014/main" id="{1351C1D3-4A58-423F-B9C0-1B67513BF780}"/>
-              </a:ext>
-            </a:extLst>
-          </p:cNvPr>
-          <p:cNvSpPr txBox="1"/>
-          <p:nvPr/>
-        </p:nvSpPr>
-        <p:spPr>
-          <a:xfrm>
-            <a:off x="541538" y="878889"/>
-            <a:ext cx="10706470" cy="646331"/>
-          </a:xfrm>
-          <a:prstGeom prst="rect">
-            <a:avLst/>
-          </a:prstGeom>
-          <a:noFill/>
-        </p:spPr>
-        <p:txBody>
-          <a:bodyPr wrap="square" rtlCol="0">
-            <a:spAutoFit/>
-          </a:bodyPr>
-          <a:lstStyle/>
-          <a:p>
-            <a:r>
-              <a:rPr lang="en-US" sz="3600" dirty="0"/>
-              <a:t>Computation Times: Varying </a:t>
-            </a:r>
-            <a:r>
-              <a:rPr lang="en-US" sz="3600" dirty="0" err="1"/>
-              <a:t>Tophat</a:t>
-            </a:r>
-            <a:r>
-              <a:rPr lang="en-US" sz="3600" dirty="0"/>
-              <a:t> Max Mode Order</a:t>
-            </a:r>
-            <a:endParaRPr lang="en-US" sz="2400" dirty="0"/>
-          </a:p>
-        </p:txBody>
-      </p:sp>
-      <p:sp>
-        <p:nvSpPr>
-          <p:cNvPr id="12" name="TextBox 11">
-            <a:extLst>
-              <a:ext uri="{FF2B5EF4-FFF2-40B4-BE49-F238E27FC236}">
-                <a16:creationId xmlns:a16="http://schemas.microsoft.com/office/drawing/2014/main" id="{40488C90-F920-4ED3-910C-8D94ABA1A34F}"/>
-              </a:ext>
-            </a:extLst>
-          </p:cNvPr>
-          <p:cNvSpPr txBox="1"/>
-          <p:nvPr/>
-        </p:nvSpPr>
-        <p:spPr>
-          <a:xfrm>
-            <a:off x="7710066" y="1880325"/>
-            <a:ext cx="4381320" cy="1323439"/>
-          </a:xfrm>
-          <a:prstGeom prst="rect">
-            <a:avLst/>
-          </a:prstGeom>
-          <a:noFill/>
-        </p:spPr>
-        <p:txBody>
-          <a:bodyPr wrap="square" rtlCol="0">
-            <a:spAutoFit/>
-          </a:bodyPr>
-          <a:lstStyle/>
-          <a:p>
-            <a:pPr marL="285750" indent="-285750">
-              <a:buFont typeface="Arial" panose="020B0604020202020204" pitchFamily="34" charset="0"/>
-              <a:buChar char="•"/>
-            </a:pPr>
-            <a:r>
-              <a:rPr lang="en-US" sz="2000" dirty="0"/>
-              <a:t>Same scenario as previous slide</a:t>
-            </a:r>
-          </a:p>
-          <a:p>
-            <a:pPr marL="285750" indent="-285750">
-              <a:buFont typeface="Arial" panose="020B0604020202020204" pitchFamily="34" charset="0"/>
-              <a:buChar char="•"/>
-            </a:pPr>
-            <a:r>
-              <a:rPr lang="en-US" sz="2000" dirty="0"/>
-              <a:t>Times shown below</a:t>
-            </a:r>
-          </a:p>
-          <a:p>
-            <a:pPr marL="285750" indent="-285750">
-              <a:buFont typeface="Arial" panose="020B0604020202020204" pitchFamily="34" charset="0"/>
-              <a:buChar char="•"/>
-            </a:pPr>
-            <a:r>
-              <a:rPr lang="en-US" sz="2000" dirty="0"/>
-              <a:t>Time ~double from mode 18 to 26</a:t>
-            </a:r>
-          </a:p>
-          <a:p>
-            <a:pPr marL="742950" lvl="1" indent="-285750">
-              <a:buFont typeface="Arial" panose="020B0604020202020204" pitchFamily="34" charset="0"/>
-              <a:buChar char="•"/>
-            </a:pPr>
-            <a:r>
-              <a:rPr lang="en-US" sz="2000" dirty="0"/>
-              <a:t>~O(n</a:t>
-            </a:r>
-            <a:r>
-              <a:rPr lang="en-US" sz="2000" baseline="30000" dirty="0"/>
-              <a:t>2</a:t>
-            </a:r>
-            <a:r>
-              <a:rPr lang="en-US" sz="2000" dirty="0"/>
-              <a:t>) …</a:t>
-            </a:r>
+          <p:cNvPr id="16" name="Slide Number Placeholder 15">
+            <a:extLst>
+              <a:ext uri="{FF2B5EF4-FFF2-40B4-BE49-F238E27FC236}">
+                <a16:creationId xmlns:a16="http://schemas.microsoft.com/office/drawing/2014/main" id="{F4E48EDA-1E1D-4E8B-B7EE-ABB13B101881}"/>
+              </a:ext>
+            </a:extLst>
+          </p:cNvPr>
+          <p:cNvSpPr>
+            <a:spLocks noGrp="1"/>
+          </p:cNvSpPr>
+          <p:nvPr>
+            <p:ph type="sldNum" sz="quarter" idx="12"/>
+          </p:nvPr>
+        </p:nvSpPr>
+        <p:spPr/>
+        <p:txBody>
+          <a:bodyPr/>
+          <a:lstStyle/>
+          <a:p>
+            <a:fld id="{01DD9B2E-0F68-4E36-8E5A-BCFDBE11C298}" type="slidenum">
+              <a:rPr lang="en-US" smtClean="0"/>
+              <a:t>3</a:t>
+            </a:fld>
+            <a:endParaRPr lang="en-US"/>
           </a:p>
         </p:txBody>
       </p:sp>
     </p:spTree>
     <p:extLst>
       <p:ext uri="{BB962C8B-B14F-4D97-AF65-F5344CB8AC3E}">
-        <p14:creationId xmlns:p14="http://schemas.microsoft.com/office/powerpoint/2010/main" val="803375824"/>
+        <p14:creationId xmlns:p14="http://schemas.microsoft.com/office/powerpoint/2010/main" val="339772842"/>
       </p:ext>
     </p:extLst>
   </p:cSld>
@@ -4810,42 +7580,6 @@
           <a:chExt cx="0" cy="0"/>
         </a:xfrm>
       </p:grpSpPr>
-      <p:pic>
-        <p:nvPicPr>
-          <p:cNvPr id="39" name="Picture 38" descr="A close up of a map&#10;&#10;Description automatically generated">
-            <a:extLst>
-              <a:ext uri="{FF2B5EF4-FFF2-40B4-BE49-F238E27FC236}">
-                <a16:creationId xmlns:a16="http://schemas.microsoft.com/office/drawing/2014/main" id="{50DF2506-4CFA-4FAA-BCB9-7EEB5E4E5933}"/>
-              </a:ext>
-            </a:extLst>
-          </p:cNvPr>
-          <p:cNvPicPr>
-            <a:picLocks noChangeAspect="1"/>
-          </p:cNvPicPr>
-          <p:nvPr/>
-        </p:nvPicPr>
-        <p:blipFill>
-          <a:blip r:embed="rId2">
-            <a:extLst>
-              <a:ext uri="{28A0092B-C50C-407E-A947-70E740481C1C}">
-                <a14:useLocalDpi xmlns:a14="http://schemas.microsoft.com/office/drawing/2010/main" val="0"/>
-              </a:ext>
-            </a:extLst>
-          </a:blip>
-          <a:stretch>
-            <a:fillRect/>
-          </a:stretch>
-        </p:blipFill>
-        <p:spPr>
-          <a:xfrm>
-            <a:off x="4016103" y="1764730"/>
-            <a:ext cx="2514038" cy="2468420"/>
-          </a:xfrm>
-          <a:prstGeom prst="rect">
-            <a:avLst/>
-          </a:prstGeom>
-        </p:spPr>
-      </p:pic>
       <p:cxnSp>
         <p:nvCxnSpPr>
           <p:cNvPr id="5" name="Straight Connector 4">
@@ -4860,7 +7594,7 @@
         </p:nvCxnSpPr>
         <p:spPr>
           <a:xfrm>
-            <a:off x="0" y="6737758"/>
+            <a:off x="0" y="6794908"/>
             <a:ext cx="12192000" cy="0"/>
           </a:xfrm>
           <a:prstGeom prst="line">
@@ -4957,8 +7691,8 @@
         </p:nvCxnSpPr>
         <p:spPr>
           <a:xfrm>
-            <a:off x="442912" y="1151320"/>
-            <a:ext cx="3169964" cy="0"/>
+            <a:off x="244598" y="1010019"/>
+            <a:ext cx="11306175" cy="0"/>
           </a:xfrm>
           <a:prstGeom prst="line">
             <a:avLst/>
@@ -5063,12 +7797,188 @@
           </a:p>
         </p:txBody>
       </p:sp>
+      <p:sp>
+        <p:nvSpPr>
+          <p:cNvPr id="9" name="TextBox 8">
+            <a:extLst>
+              <a:ext uri="{FF2B5EF4-FFF2-40B4-BE49-F238E27FC236}">
+                <a16:creationId xmlns:a16="http://schemas.microsoft.com/office/drawing/2014/main" id="{8D3DB233-B171-414E-ADFC-8C7A4A5E8C13}"/>
+              </a:ext>
+            </a:extLst>
+          </p:cNvPr>
+          <p:cNvSpPr txBox="1"/>
+          <p:nvPr/>
+        </p:nvSpPr>
+        <p:spPr>
+          <a:xfrm>
+            <a:off x="4258934" y="425978"/>
+            <a:ext cx="5599441" cy="646331"/>
+          </a:xfrm>
+          <a:prstGeom prst="rect">
+            <a:avLst/>
+          </a:prstGeom>
+          <a:noFill/>
+        </p:spPr>
+        <p:txBody>
+          <a:bodyPr wrap="square" rtlCol="0">
+            <a:spAutoFit/>
+          </a:bodyPr>
+          <a:lstStyle/>
+          <a:p>
+            <a:r>
+              <a:rPr lang="en-US" sz="3600" dirty="0"/>
+              <a:t>25 micron</a:t>
+            </a:r>
+            <a:endParaRPr lang="en-US" sz="2400" dirty="0"/>
+          </a:p>
+        </p:txBody>
+      </p:sp>
+      <p:sp>
+        <p:nvSpPr>
+          <p:cNvPr id="19" name="TextBox 18">
+            <a:extLst>
+              <a:ext uri="{FF2B5EF4-FFF2-40B4-BE49-F238E27FC236}">
+                <a16:creationId xmlns:a16="http://schemas.microsoft.com/office/drawing/2014/main" id="{F68109A4-0F15-42B9-A721-873CA127C3E2}"/>
+              </a:ext>
+            </a:extLst>
+          </p:cNvPr>
+          <p:cNvSpPr txBox="1"/>
+          <p:nvPr/>
+        </p:nvSpPr>
+        <p:spPr>
+          <a:xfrm>
+            <a:off x="1476374" y="1010019"/>
+            <a:ext cx="809625" cy="369332"/>
+          </a:xfrm>
+          <a:prstGeom prst="rect">
+            <a:avLst/>
+          </a:prstGeom>
+          <a:noFill/>
+        </p:spPr>
+        <p:txBody>
+          <a:bodyPr wrap="square" rtlCol="0">
+            <a:spAutoFit/>
+          </a:bodyPr>
+          <a:lstStyle/>
+          <a:p>
+            <a:r>
+              <a:rPr lang="en-US" dirty="0"/>
+              <a:t>K=2</a:t>
+            </a:r>
+          </a:p>
+        </p:txBody>
+      </p:sp>
+      <p:sp>
+        <p:nvSpPr>
+          <p:cNvPr id="20" name="TextBox 19">
+            <a:extLst>
+              <a:ext uri="{FF2B5EF4-FFF2-40B4-BE49-F238E27FC236}">
+                <a16:creationId xmlns:a16="http://schemas.microsoft.com/office/drawing/2014/main" id="{CDAE91A2-7738-48DA-8D2D-E7A43C75AFF4}"/>
+              </a:ext>
+            </a:extLst>
+          </p:cNvPr>
+          <p:cNvSpPr txBox="1"/>
+          <p:nvPr/>
+        </p:nvSpPr>
+        <p:spPr>
+          <a:xfrm>
+            <a:off x="4306558" y="1010019"/>
+            <a:ext cx="809625" cy="369332"/>
+          </a:xfrm>
+          <a:prstGeom prst="rect">
+            <a:avLst/>
+          </a:prstGeom>
+          <a:noFill/>
+        </p:spPr>
+        <p:txBody>
+          <a:bodyPr wrap="square" rtlCol="0">
+            <a:spAutoFit/>
+          </a:bodyPr>
+          <a:lstStyle/>
+          <a:p>
+            <a:r>
+              <a:rPr lang="en-US" dirty="0"/>
+              <a:t>K=4</a:t>
+            </a:r>
+          </a:p>
+        </p:txBody>
+      </p:sp>
+      <p:sp>
+        <p:nvSpPr>
+          <p:cNvPr id="21" name="TextBox 20">
+            <a:extLst>
+              <a:ext uri="{FF2B5EF4-FFF2-40B4-BE49-F238E27FC236}">
+                <a16:creationId xmlns:a16="http://schemas.microsoft.com/office/drawing/2014/main" id="{4E1FEBA1-8EFB-4E3F-9335-CE5C410DF67F}"/>
+              </a:ext>
+            </a:extLst>
+          </p:cNvPr>
+          <p:cNvSpPr txBox="1"/>
+          <p:nvPr/>
+        </p:nvSpPr>
+        <p:spPr>
+          <a:xfrm>
+            <a:off x="7211683" y="1015899"/>
+            <a:ext cx="809625" cy="369332"/>
+          </a:xfrm>
+          <a:prstGeom prst="rect">
+            <a:avLst/>
+          </a:prstGeom>
+          <a:noFill/>
+        </p:spPr>
+        <p:txBody>
+          <a:bodyPr wrap="square" rtlCol="0">
+            <a:spAutoFit/>
+          </a:bodyPr>
+          <a:lstStyle/>
+          <a:p>
+            <a:r>
+              <a:rPr lang="en-US" dirty="0"/>
+              <a:t>K=6</a:t>
+            </a:r>
+          </a:p>
+        </p:txBody>
+      </p:sp>
+      <p:sp>
+        <p:nvSpPr>
+          <p:cNvPr id="22" name="TextBox 21">
+            <a:extLst>
+              <a:ext uri="{FF2B5EF4-FFF2-40B4-BE49-F238E27FC236}">
+                <a16:creationId xmlns:a16="http://schemas.microsoft.com/office/drawing/2014/main" id="{B62E3CFA-B0DC-432B-9238-883FABD4FE20}"/>
+              </a:ext>
+            </a:extLst>
+          </p:cNvPr>
+          <p:cNvSpPr txBox="1"/>
+          <p:nvPr/>
+        </p:nvSpPr>
+        <p:spPr>
+          <a:xfrm>
+            <a:off x="9879941" y="1038315"/>
+            <a:ext cx="809625" cy="369332"/>
+          </a:xfrm>
+          <a:prstGeom prst="rect">
+            <a:avLst/>
+          </a:prstGeom>
+          <a:noFill/>
+        </p:spPr>
+        <p:txBody>
+          <a:bodyPr wrap="square" rtlCol="0">
+            <a:spAutoFit/>
+          </a:bodyPr>
+          <a:lstStyle/>
+          <a:p>
+            <a:r>
+              <a:rPr lang="en-US" dirty="0"/>
+              <a:t>K=8</a:t>
+            </a:r>
+          </a:p>
+        </p:txBody>
+      </p:sp>
       <p:pic>
         <p:nvPicPr>
-          <p:cNvPr id="11" name="Picture 10" descr="A picture containing sitting, green, light, white&#10;&#10;Description automatically generated">
-            <a:extLst>
-              <a:ext uri="{FF2B5EF4-FFF2-40B4-BE49-F238E27FC236}">
-                <a16:creationId xmlns:a16="http://schemas.microsoft.com/office/drawing/2014/main" id="{1CC85005-CAD9-4324-85FB-8DF9F6032C12}"/>
+          <p:cNvPr id="28" name="Picture 27" descr="A close up of a logo&#10;&#10;Description automatically generated">
+            <a:extLst>
+              <a:ext uri="{FF2B5EF4-FFF2-40B4-BE49-F238E27FC236}">
+                <a16:creationId xmlns:a16="http://schemas.microsoft.com/office/drawing/2014/main" id="{BE1201E9-D0E1-4509-A06E-0DD1B3052405}"/>
               </a:ext>
             </a:extLst>
           </p:cNvPr>
@@ -5078,7 +7988,7 @@
           <p:nvPr/>
         </p:nvPicPr>
         <p:blipFill>
-          <a:blip r:embed="rId3">
+          <a:blip r:embed="rId2">
             <a:extLst>
               <a:ext uri="{28A0092B-C50C-407E-A947-70E740481C1C}">
                 <a14:useLocalDpi xmlns:a14="http://schemas.microsoft.com/office/drawing/2010/main" val="0"/>
@@ -5091,168 +8001,20 @@
         </p:blipFill>
         <p:spPr>
           <a:xfrm>
-            <a:off x="7131864" y="2273054"/>
-            <a:ext cx="4865261" cy="4468786"/>
+            <a:off x="3834032" y="1401677"/>
+            <a:ext cx="1827669" cy="2249438"/>
           </a:xfrm>
           <a:prstGeom prst="rect">
             <a:avLst/>
           </a:prstGeom>
         </p:spPr>
       </p:pic>
-      <p:sp>
-        <p:nvSpPr>
-          <p:cNvPr id="14" name="TextBox 13">
-            <a:extLst>
-              <a:ext uri="{FF2B5EF4-FFF2-40B4-BE49-F238E27FC236}">
-                <a16:creationId xmlns:a16="http://schemas.microsoft.com/office/drawing/2014/main" id="{DA93B29A-A862-47AB-9841-149B0FD6CCF0}"/>
-              </a:ext>
-            </a:extLst>
-          </p:cNvPr>
-          <p:cNvSpPr txBox="1"/>
-          <p:nvPr/>
-        </p:nvSpPr>
-        <p:spPr>
-          <a:xfrm>
-            <a:off x="408374" y="576011"/>
-            <a:ext cx="3959441" cy="646331"/>
-          </a:xfrm>
-          <a:prstGeom prst="rect">
-            <a:avLst/>
-          </a:prstGeom>
-          <a:noFill/>
-        </p:spPr>
-        <p:txBody>
-          <a:bodyPr wrap="square" rtlCol="0">
-            <a:spAutoFit/>
-          </a:bodyPr>
-          <a:lstStyle/>
-          <a:p>
-            <a:r>
-              <a:rPr lang="en-US" sz="3600" dirty="0"/>
-              <a:t>Shifted Gaussian</a:t>
-            </a:r>
-            <a:endParaRPr lang="en-US" sz="2400" dirty="0"/>
-          </a:p>
-        </p:txBody>
-      </p:sp>
-      <p:cxnSp>
-        <p:nvCxnSpPr>
-          <p:cNvPr id="15" name="Straight Connector 14">
-            <a:extLst>
-              <a:ext uri="{FF2B5EF4-FFF2-40B4-BE49-F238E27FC236}">
-                <a16:creationId xmlns:a16="http://schemas.microsoft.com/office/drawing/2014/main" id="{5353787B-4113-4906-A861-AFC522BBF2B1}"/>
-              </a:ext>
-            </a:extLst>
-          </p:cNvPr>
-          <p:cNvCxnSpPr>
-            <a:cxnSpLocks/>
-          </p:cNvCxnSpPr>
-          <p:nvPr/>
-        </p:nvCxnSpPr>
-        <p:spPr>
-          <a:xfrm>
-            <a:off x="9181112" y="2237726"/>
-            <a:ext cx="0" cy="4240336"/>
-          </a:xfrm>
-          <a:prstGeom prst="line">
-            <a:avLst/>
-          </a:prstGeom>
-          <a:ln w="19050">
-            <a:solidFill>
-              <a:srgbClr val="FA4616"/>
-            </a:solidFill>
-          </a:ln>
-        </p:spPr>
-        <p:style>
-          <a:lnRef idx="1">
-            <a:schemeClr val="accent1"/>
-          </a:lnRef>
-          <a:fillRef idx="0">
-            <a:schemeClr val="accent1"/>
-          </a:fillRef>
-          <a:effectRef idx="0">
-            <a:schemeClr val="accent1"/>
-          </a:effectRef>
-          <a:fontRef idx="minor">
-            <a:schemeClr val="tx1"/>
-          </a:fontRef>
-        </p:style>
-      </p:cxnSp>
-      <p:sp>
-        <p:nvSpPr>
-          <p:cNvPr id="19" name="TextBox 18">
-            <a:extLst>
-              <a:ext uri="{FF2B5EF4-FFF2-40B4-BE49-F238E27FC236}">
-                <a16:creationId xmlns:a16="http://schemas.microsoft.com/office/drawing/2014/main" id="{D8FF1F51-A7C3-483C-8661-EDDDCF12C25C}"/>
-              </a:ext>
-            </a:extLst>
-          </p:cNvPr>
-          <p:cNvSpPr txBox="1"/>
-          <p:nvPr/>
-        </p:nvSpPr>
-        <p:spPr>
-          <a:xfrm>
-            <a:off x="3740402" y="551411"/>
-            <a:ext cx="5623660" cy="1323439"/>
-          </a:xfrm>
-          <a:prstGeom prst="rect">
-            <a:avLst/>
-          </a:prstGeom>
-          <a:noFill/>
-        </p:spPr>
-        <p:txBody>
-          <a:bodyPr wrap="square" rtlCol="0">
-            <a:spAutoFit/>
-          </a:bodyPr>
-          <a:lstStyle/>
-          <a:p>
-            <a:pPr marL="285750" indent="-285750">
-              <a:buFont typeface="Arial" panose="020B0604020202020204" pitchFamily="34" charset="0"/>
-              <a:buChar char="•"/>
-            </a:pPr>
-            <a:r>
-              <a:rPr lang="en-US" sz="2000" dirty="0"/>
-              <a:t>Intensity contour (100 micron) right</a:t>
-            </a:r>
-          </a:p>
-          <a:p>
-            <a:pPr marL="285750" indent="-285750">
-              <a:buFont typeface="Arial" panose="020B0604020202020204" pitchFamily="34" charset="0"/>
-              <a:buChar char="•"/>
-            </a:pPr>
-            <a:r>
-              <a:rPr lang="en-US" sz="2000" dirty="0"/>
-              <a:t>Intensity at y=0 below</a:t>
-            </a:r>
-          </a:p>
-          <a:p>
-            <a:pPr marL="285750" indent="-285750">
-              <a:buFont typeface="Arial" panose="020B0604020202020204" pitchFamily="34" charset="0"/>
-              <a:buChar char="•"/>
-            </a:pPr>
-            <a:r>
-              <a:rPr lang="en-US" sz="2000" dirty="0"/>
-              <a:t>Vertical lines show expected shift </a:t>
-            </a:r>
-          </a:p>
-          <a:p>
-            <a:pPr marL="742950" lvl="1" indent="-285750">
-              <a:buFont typeface="Arial" panose="020B0604020202020204" pitchFamily="34" charset="0"/>
-              <a:buChar char="•"/>
-            </a:pPr>
-            <a:r>
-              <a:rPr lang="en-US" sz="2000" dirty="0"/>
-              <a:t>(L to R: 25,50,75,100um)</a:t>
-            </a:r>
-          </a:p>
-        </p:txBody>
-      </p:sp>
       <p:pic>
         <p:nvPicPr>
-          <p:cNvPr id="37" name="Picture 36" descr="A close up of a map&#10;&#10;Description automatically generated">
-            <a:extLst>
-              <a:ext uri="{FF2B5EF4-FFF2-40B4-BE49-F238E27FC236}">
-                <a16:creationId xmlns:a16="http://schemas.microsoft.com/office/drawing/2014/main" id="{78A676B0-F1DB-439C-BB3E-A2FD2E2FD498}"/>
+          <p:cNvPr id="30" name="Picture 29" descr="A picture containing room&#10;&#10;Description automatically generated">
+            <a:extLst>
+              <a:ext uri="{FF2B5EF4-FFF2-40B4-BE49-F238E27FC236}">
+                <a16:creationId xmlns:a16="http://schemas.microsoft.com/office/drawing/2014/main" id="{F7C346F1-0617-49F9-8D42-63F30C509087}"/>
               </a:ext>
             </a:extLst>
           </p:cNvPr>
@@ -5262,7 +8024,7 @@
           <p:nvPr/>
         </p:nvPicPr>
         <p:blipFill>
-          <a:blip r:embed="rId4">
+          <a:blip r:embed="rId3">
             <a:extLst>
               <a:ext uri="{28A0092B-C50C-407E-A947-70E740481C1C}">
                 <a14:useLocalDpi xmlns:a14="http://schemas.microsoft.com/office/drawing/2010/main" val="0"/>
@@ -5275,106 +8037,20 @@
         </p:blipFill>
         <p:spPr>
           <a:xfrm>
-            <a:off x="1121381" y="4324156"/>
-            <a:ext cx="2447314" cy="2387745"/>
+            <a:off x="3401030" y="3638424"/>
+            <a:ext cx="2499967" cy="3071278"/>
           </a:xfrm>
           <a:prstGeom prst="rect">
             <a:avLst/>
           </a:prstGeom>
         </p:spPr>
       </p:pic>
-      <p:cxnSp>
-        <p:nvCxnSpPr>
-          <p:cNvPr id="31" name="Straight Connector 30">
-            <a:extLst>
-              <a:ext uri="{FF2B5EF4-FFF2-40B4-BE49-F238E27FC236}">
-                <a16:creationId xmlns:a16="http://schemas.microsoft.com/office/drawing/2014/main" id="{9628D23F-AC6C-447D-A6F8-ED064EFA456C}"/>
-              </a:ext>
-            </a:extLst>
-          </p:cNvPr>
-          <p:cNvCxnSpPr>
-            <a:cxnSpLocks/>
-          </p:cNvCxnSpPr>
-          <p:nvPr/>
-        </p:nvCxnSpPr>
-        <p:spPr>
-          <a:xfrm>
-            <a:off x="2458992" y="4243528"/>
-            <a:ext cx="0" cy="2333086"/>
-          </a:xfrm>
-          <a:prstGeom prst="line">
-            <a:avLst/>
-          </a:prstGeom>
-          <a:ln w="19050">
-            <a:solidFill>
-              <a:srgbClr val="FA4616"/>
-            </a:solidFill>
-          </a:ln>
-        </p:spPr>
-        <p:style>
-          <a:lnRef idx="1">
-            <a:schemeClr val="accent1"/>
-          </a:lnRef>
-          <a:fillRef idx="0">
-            <a:schemeClr val="accent1"/>
-          </a:fillRef>
-          <a:effectRef idx="0">
-            <a:schemeClr val="accent1"/>
-          </a:effectRef>
-          <a:fontRef idx="minor">
-            <a:schemeClr val="tx1"/>
-          </a:fontRef>
-        </p:style>
-      </p:cxnSp>
-      <p:cxnSp>
-        <p:nvCxnSpPr>
-          <p:cNvPr id="34" name="Straight Connector 33">
-            <a:extLst>
-              <a:ext uri="{FF2B5EF4-FFF2-40B4-BE49-F238E27FC236}">
-                <a16:creationId xmlns:a16="http://schemas.microsoft.com/office/drawing/2014/main" id="{B078ED65-F001-479D-9DE1-7CC380E1471F}"/>
-              </a:ext>
-            </a:extLst>
-          </p:cNvPr>
-          <p:cNvCxnSpPr>
-            <a:cxnSpLocks/>
-          </p:cNvCxnSpPr>
-          <p:nvPr/>
-        </p:nvCxnSpPr>
-        <p:spPr>
-          <a:xfrm>
-            <a:off x="5573983" y="1900675"/>
-            <a:ext cx="0" cy="2075022"/>
-          </a:xfrm>
-          <a:prstGeom prst="line">
-            <a:avLst/>
-          </a:prstGeom>
-          <a:ln w="19050">
-            <a:solidFill>
-              <a:srgbClr val="FA4616"/>
-            </a:solidFill>
-          </a:ln>
-        </p:spPr>
-        <p:style>
-          <a:lnRef idx="1">
-            <a:schemeClr val="accent1"/>
-          </a:lnRef>
-          <a:fillRef idx="0">
-            <a:schemeClr val="accent1"/>
-          </a:fillRef>
-          <a:effectRef idx="0">
-            <a:schemeClr val="accent1"/>
-          </a:effectRef>
-          <a:fontRef idx="minor">
-            <a:schemeClr val="tx1"/>
-          </a:fontRef>
-        </p:style>
-      </p:cxnSp>
       <p:pic>
         <p:nvPicPr>
-          <p:cNvPr id="44" name="Picture 43" descr="A close up of a map&#10;&#10;Description automatically generated">
-            <a:extLst>
-              <a:ext uri="{FF2B5EF4-FFF2-40B4-BE49-F238E27FC236}">
-                <a16:creationId xmlns:a16="http://schemas.microsoft.com/office/drawing/2014/main" id="{A4BF56A9-8A59-4152-9E92-84BF17D95A8D}"/>
+          <p:cNvPr id="32" name="Picture 31" descr="A close up of a logo&#10;&#10;Description automatically generated">
+            <a:extLst>
+              <a:ext uri="{FF2B5EF4-FFF2-40B4-BE49-F238E27FC236}">
+                <a16:creationId xmlns:a16="http://schemas.microsoft.com/office/drawing/2014/main" id="{7C10CB81-4958-4CAB-AF04-77D6F6AB01F4}"/>
               </a:ext>
             </a:extLst>
           </p:cNvPr>
@@ -5384,7 +8060,7 @@
           <p:nvPr/>
         </p:nvPicPr>
         <p:blipFill>
-          <a:blip r:embed="rId5">
+          <a:blip r:embed="rId4">
             <a:extLst>
               <a:ext uri="{28A0092B-C50C-407E-A947-70E740481C1C}">
                 <a14:useLocalDpi xmlns:a14="http://schemas.microsoft.com/office/drawing/2010/main" val="0"/>
@@ -5397,63 +8073,20 @@
         </p:blipFill>
         <p:spPr>
           <a:xfrm>
-            <a:off x="1247234" y="1900675"/>
-            <a:ext cx="2365642" cy="2319954"/>
+            <a:off x="6606499" y="1408747"/>
+            <a:ext cx="1827670" cy="2277515"/>
           </a:xfrm>
           <a:prstGeom prst="rect">
             <a:avLst/>
           </a:prstGeom>
         </p:spPr>
       </p:pic>
-      <p:cxnSp>
-        <p:nvCxnSpPr>
-          <p:cNvPr id="33" name="Straight Connector 32">
-            <a:extLst>
-              <a:ext uri="{FF2B5EF4-FFF2-40B4-BE49-F238E27FC236}">
-                <a16:creationId xmlns:a16="http://schemas.microsoft.com/office/drawing/2014/main" id="{E477E138-DFA7-4313-B1F0-711A62E10CB0}"/>
-              </a:ext>
-            </a:extLst>
-          </p:cNvPr>
-          <p:cNvCxnSpPr>
-            <a:cxnSpLocks/>
-          </p:cNvCxnSpPr>
-          <p:nvPr/>
-        </p:nvCxnSpPr>
-        <p:spPr>
-          <a:xfrm>
-            <a:off x="2904355" y="1900675"/>
-            <a:ext cx="0" cy="2161018"/>
-          </a:xfrm>
-          <a:prstGeom prst="line">
-            <a:avLst/>
-          </a:prstGeom>
-          <a:ln w="19050">
-            <a:solidFill>
-              <a:srgbClr val="FA4616"/>
-            </a:solidFill>
-          </a:ln>
-        </p:spPr>
-        <p:style>
-          <a:lnRef idx="1">
-            <a:schemeClr val="accent1"/>
-          </a:lnRef>
-          <a:fillRef idx="0">
-            <a:schemeClr val="accent1"/>
-          </a:fillRef>
-          <a:effectRef idx="0">
-            <a:schemeClr val="accent1"/>
-          </a:effectRef>
-          <a:fontRef idx="minor">
-            <a:schemeClr val="tx1"/>
-          </a:fontRef>
-        </p:style>
-      </p:cxnSp>
       <p:pic>
         <p:nvPicPr>
-          <p:cNvPr id="50" name="Picture 49" descr="A close up of a map&#10;&#10;Description automatically generated">
-            <a:extLst>
-              <a:ext uri="{FF2B5EF4-FFF2-40B4-BE49-F238E27FC236}">
-                <a16:creationId xmlns:a16="http://schemas.microsoft.com/office/drawing/2014/main" id="{B044DE15-5849-46D0-9260-4E29E88CDD98}"/>
+          <p:cNvPr id="34" name="Picture 33" descr="A close up of a logo&#10;&#10;Description automatically generated">
+            <a:extLst>
+              <a:ext uri="{FF2B5EF4-FFF2-40B4-BE49-F238E27FC236}">
+                <a16:creationId xmlns:a16="http://schemas.microsoft.com/office/drawing/2014/main" id="{C4D49DE7-0225-4F31-8B3F-4A80FE6A4158}"/>
               </a:ext>
             </a:extLst>
           </p:cNvPr>
@@ -5463,7 +8096,7 @@
           <p:nvPr/>
         </p:nvPicPr>
         <p:blipFill>
-          <a:blip r:embed="rId6">
+          <a:blip r:embed="rId5">
             <a:extLst>
               <a:ext uri="{28A0092B-C50C-407E-A947-70E740481C1C}">
                 <a14:useLocalDpi xmlns:a14="http://schemas.microsoft.com/office/drawing/2010/main" val="0"/>
@@ -5476,147 +8109,251 @@
         </p:blipFill>
         <p:spPr>
           <a:xfrm>
-            <a:off x="4016103" y="4334400"/>
-            <a:ext cx="2441493" cy="2377502"/>
+            <a:off x="6188793" y="3686262"/>
+            <a:ext cx="2453060" cy="3046357"/>
           </a:xfrm>
           <a:prstGeom prst="rect">
             <a:avLst/>
           </a:prstGeom>
         </p:spPr>
       </p:pic>
-      <p:cxnSp>
-        <p:nvCxnSpPr>
-          <p:cNvPr id="51" name="Straight Connector 50">
-            <a:extLst>
-              <a:ext uri="{FF2B5EF4-FFF2-40B4-BE49-F238E27FC236}">
-                <a16:creationId xmlns:a16="http://schemas.microsoft.com/office/drawing/2014/main" id="{1BBE518C-9FC5-4CAD-98C9-D12C3F690FF8}"/>
-              </a:ext>
-            </a:extLst>
-          </p:cNvPr>
-          <p:cNvCxnSpPr>
-            <a:cxnSpLocks/>
-          </p:cNvCxnSpPr>
-          <p:nvPr/>
-        </p:nvCxnSpPr>
-        <p:spPr>
-          <a:xfrm>
-            <a:off x="5131007" y="4403040"/>
-            <a:ext cx="0" cy="2075022"/>
-          </a:xfrm>
-          <a:prstGeom prst="line">
-            <a:avLst/>
-          </a:prstGeom>
-          <a:ln w="19050">
-            <a:solidFill>
-              <a:srgbClr val="FA4616"/>
-            </a:solidFill>
-          </a:ln>
+      <p:pic>
+        <p:nvPicPr>
+          <p:cNvPr id="36" name="Picture 35" descr="A close up of a logo&#10;&#10;Description automatically generated">
+            <a:extLst>
+              <a:ext uri="{FF2B5EF4-FFF2-40B4-BE49-F238E27FC236}">
+                <a16:creationId xmlns:a16="http://schemas.microsoft.com/office/drawing/2014/main" id="{D767467E-6976-46E6-88AB-22A27CBE210A}"/>
+              </a:ext>
+            </a:extLst>
+          </p:cNvPr>
+          <p:cNvPicPr>
+            <a:picLocks noChangeAspect="1"/>
+          </p:cNvPicPr>
+          <p:nvPr/>
+        </p:nvPicPr>
+        <p:blipFill>
+          <a:blip r:embed="rId6">
+            <a:extLst>
+              <a:ext uri="{28A0092B-C50C-407E-A947-70E740481C1C}">
+                <a14:useLocalDpi xmlns:a14="http://schemas.microsoft.com/office/drawing/2010/main" val="0"/>
+              </a:ext>
+            </a:extLst>
+          </a:blip>
+          <a:stretch>
+            <a:fillRect/>
+          </a:stretch>
+        </p:blipFill>
+        <p:spPr>
+          <a:xfrm>
+            <a:off x="9274457" y="1408747"/>
+            <a:ext cx="1849411" cy="2277515"/>
+          </a:xfrm>
+          <a:prstGeom prst="rect">
+            <a:avLst/>
+          </a:prstGeom>
+        </p:spPr>
+      </p:pic>
+      <p:pic>
+        <p:nvPicPr>
+          <p:cNvPr id="38" name="Picture 37" descr="A close up of a logo&#10;&#10;Description automatically generated">
+            <a:extLst>
+              <a:ext uri="{FF2B5EF4-FFF2-40B4-BE49-F238E27FC236}">
+                <a16:creationId xmlns:a16="http://schemas.microsoft.com/office/drawing/2014/main" id="{7ECACEDA-64E9-4AD6-BF35-7B0B664A50F2}"/>
+              </a:ext>
+            </a:extLst>
+          </p:cNvPr>
+          <p:cNvPicPr>
+            <a:picLocks noChangeAspect="1"/>
+          </p:cNvPicPr>
+          <p:nvPr/>
+        </p:nvPicPr>
+        <p:blipFill>
+          <a:blip r:embed="rId7">
+            <a:extLst>
+              <a:ext uri="{28A0092B-C50C-407E-A947-70E740481C1C}">
+                <a14:useLocalDpi xmlns:a14="http://schemas.microsoft.com/office/drawing/2010/main" val="0"/>
+              </a:ext>
+            </a:extLst>
+          </a:blip>
+          <a:stretch>
+            <a:fillRect/>
+          </a:stretch>
+        </p:blipFill>
+        <p:spPr>
+          <a:xfrm>
+            <a:off x="8929649" y="3743412"/>
+            <a:ext cx="2429669" cy="2989207"/>
+          </a:xfrm>
+          <a:prstGeom prst="rect">
+            <a:avLst/>
+          </a:prstGeom>
+        </p:spPr>
+      </p:pic>
+      <p:pic>
+        <p:nvPicPr>
+          <p:cNvPr id="40" name="Picture 39" descr="A close up of a logo&#10;&#10;Description automatically generated">
+            <a:extLst>
+              <a:ext uri="{FF2B5EF4-FFF2-40B4-BE49-F238E27FC236}">
+                <a16:creationId xmlns:a16="http://schemas.microsoft.com/office/drawing/2014/main" id="{0BEB03C3-5C96-4308-98F9-2C034A692E12}"/>
+              </a:ext>
+            </a:extLst>
+          </p:cNvPr>
+          <p:cNvPicPr>
+            <a:picLocks noChangeAspect="1"/>
+          </p:cNvPicPr>
+          <p:nvPr/>
+        </p:nvPicPr>
+        <p:blipFill>
+          <a:blip r:embed="rId8">
+            <a:extLst>
+              <a:ext uri="{28A0092B-C50C-407E-A947-70E740481C1C}">
+                <a14:useLocalDpi xmlns:a14="http://schemas.microsoft.com/office/drawing/2010/main" val="0"/>
+              </a:ext>
+            </a:extLst>
+          </a:blip>
+          <a:stretch>
+            <a:fillRect/>
+          </a:stretch>
+        </p:blipFill>
+        <p:spPr>
+          <a:xfrm>
+            <a:off x="993275" y="1418127"/>
+            <a:ext cx="1786275" cy="2201241"/>
+          </a:xfrm>
+          <a:prstGeom prst="rect">
+            <a:avLst/>
+          </a:prstGeom>
+        </p:spPr>
+      </p:pic>
+      <p:pic>
+        <p:nvPicPr>
+          <p:cNvPr id="42" name="Picture 41" descr="A picture containing drawing, room&#10;&#10;Description automatically generated">
+            <a:extLst>
+              <a:ext uri="{FF2B5EF4-FFF2-40B4-BE49-F238E27FC236}">
+                <a16:creationId xmlns:a16="http://schemas.microsoft.com/office/drawing/2014/main" id="{4B67599B-DB45-49D2-B626-6E786A4597F7}"/>
+              </a:ext>
+            </a:extLst>
+          </p:cNvPr>
+          <p:cNvPicPr>
+            <a:picLocks noChangeAspect="1"/>
+          </p:cNvPicPr>
+          <p:nvPr/>
+        </p:nvPicPr>
+        <p:blipFill>
+          <a:blip r:embed="rId9">
+            <a:extLst>
+              <a:ext uri="{28A0092B-C50C-407E-A947-70E740481C1C}">
+                <a14:useLocalDpi xmlns:a14="http://schemas.microsoft.com/office/drawing/2010/main" val="0"/>
+              </a:ext>
+            </a:extLst>
+          </a:blip>
+          <a:stretch>
+            <a:fillRect/>
+          </a:stretch>
+        </p:blipFill>
+        <p:spPr>
+          <a:xfrm>
+            <a:off x="622797" y="3679092"/>
+            <a:ext cx="2499967" cy="3071830"/>
+          </a:xfrm>
+          <a:prstGeom prst="rect">
+            <a:avLst/>
+          </a:prstGeom>
+        </p:spPr>
+      </p:pic>
+      <p:sp>
+        <p:nvSpPr>
+          <p:cNvPr id="43" name="Oval 42">
+            <a:extLst>
+              <a:ext uri="{FF2B5EF4-FFF2-40B4-BE49-F238E27FC236}">
+                <a16:creationId xmlns:a16="http://schemas.microsoft.com/office/drawing/2014/main" id="{E34CE91E-995A-4DDD-920E-58F8311C1038}"/>
+              </a:ext>
+            </a:extLst>
+          </p:cNvPr>
+          <p:cNvSpPr/>
+          <p:nvPr/>
+        </p:nvSpPr>
+        <p:spPr>
+          <a:xfrm>
+            <a:off x="1268690" y="976977"/>
+            <a:ext cx="963283" cy="474193"/>
+          </a:xfrm>
+          <a:prstGeom prst="ellipse">
+            <a:avLst/>
+          </a:prstGeom>
+          <a:noFill/>
         </p:spPr>
         <p:style>
-          <a:lnRef idx="1">
-            <a:schemeClr val="accent1"/>
+          <a:lnRef idx="2">
+            <a:schemeClr val="accent1">
+              <a:shade val="50000"/>
+            </a:schemeClr>
           </a:lnRef>
-          <a:fillRef idx="0">
+          <a:fillRef idx="1">
             <a:schemeClr val="accent1"/>
           </a:fillRef>
           <a:effectRef idx="0">
             <a:schemeClr val="accent1"/>
           </a:effectRef>
           <a:fontRef idx="minor">
-            <a:schemeClr val="tx1"/>
+            <a:schemeClr val="lt1"/>
           </a:fontRef>
         </p:style>
-      </p:cxnSp>
-      <p:sp>
-        <p:nvSpPr>
-          <p:cNvPr id="53" name="TextBox 52">
-            <a:extLst>
-              <a:ext uri="{FF2B5EF4-FFF2-40B4-BE49-F238E27FC236}">
-                <a16:creationId xmlns:a16="http://schemas.microsoft.com/office/drawing/2014/main" id="{589503F0-7AF3-4E2B-A7DF-5E423102F401}"/>
-              </a:ext>
-            </a:extLst>
-          </p:cNvPr>
-          <p:cNvSpPr txBox="1"/>
-          <p:nvPr/>
-        </p:nvSpPr>
-        <p:spPr>
-          <a:xfrm>
-            <a:off x="8267669" y="1437152"/>
-            <a:ext cx="2192785" cy="646331"/>
-          </a:xfrm>
-          <a:prstGeom prst="rect">
-            <a:avLst/>
-          </a:prstGeom>
-          <a:noFill/>
-        </p:spPr>
-        <p:txBody>
-          <a:bodyPr wrap="square" rtlCol="0">
-            <a:spAutoFit/>
-          </a:bodyPr>
-          <a:lstStyle/>
-          <a:p>
-            <a:r>
-              <a:rPr lang="en-US" dirty="0"/>
-              <a:t>Intensity (a=100um,5</a:t>
-            </a:r>
-            <a:r>
-              <a:rPr lang="en-US" baseline="30000" dirty="0"/>
-              <a:t>th</a:t>
-            </a:r>
-            <a:r>
-              <a:rPr lang="en-US" dirty="0"/>
-              <a:t> order)</a:t>
-            </a:r>
-          </a:p>
-        </p:txBody>
-      </p:sp>
-      <p:cxnSp>
-        <p:nvCxnSpPr>
-          <p:cNvPr id="55" name="Straight Connector 54">
-            <a:extLst>
-              <a:ext uri="{FF2B5EF4-FFF2-40B4-BE49-F238E27FC236}">
-                <a16:creationId xmlns:a16="http://schemas.microsoft.com/office/drawing/2014/main" id="{5F37C34E-6E4E-4A54-8B62-BD0CA2B98278}"/>
-              </a:ext>
-            </a:extLst>
-          </p:cNvPr>
-          <p:cNvCxnSpPr>
-            <a:cxnSpLocks/>
-          </p:cNvCxnSpPr>
-          <p:nvPr/>
-        </p:nvCxnSpPr>
-        <p:spPr>
-          <a:xfrm>
-            <a:off x="4016103" y="1252605"/>
-            <a:ext cx="0" cy="501222"/>
-          </a:xfrm>
-          <a:prstGeom prst="line">
-            <a:avLst/>
-          </a:prstGeom>
-          <a:ln w="19050">
-            <a:solidFill>
-              <a:srgbClr val="FA4616"/>
-            </a:solidFill>
-          </a:ln>
-        </p:spPr>
-        <p:style>
-          <a:lnRef idx="1">
-            <a:schemeClr val="accent1"/>
-          </a:lnRef>
-          <a:fillRef idx="0">
-            <a:schemeClr val="accent1"/>
-          </a:fillRef>
-          <a:effectRef idx="0">
-            <a:schemeClr val="accent1"/>
-          </a:effectRef>
-          <a:fontRef idx="minor">
-            <a:schemeClr val="tx1"/>
-          </a:fontRef>
-        </p:style>
-      </p:cxnSp>
+        <p:txBody>
+          <a:bodyPr rtlCol="0" anchor="ctr"/>
+          <a:lstStyle/>
+          <a:p>
+            <a:pPr algn="ctr"/>
+            <a:endParaRPr lang="en-US" b="1">
+              <a:ln w="22225">
+                <a:solidFill>
+                  <a:schemeClr val="accent2"/>
+                </a:solidFill>
+                <a:prstDash val="solid"/>
+              </a:ln>
+              <a:solidFill>
+                <a:schemeClr val="accent2">
+                  <a:lumMod val="40000"/>
+                  <a:lumOff val="60000"/>
+                </a:schemeClr>
+              </a:solidFill>
+            </a:endParaRPr>
+          </a:p>
+        </p:txBody>
+      </p:sp>
+      <p:sp>
+        <p:nvSpPr>
+          <p:cNvPr id="44" name="Slide Number Placeholder 43">
+            <a:extLst>
+              <a:ext uri="{FF2B5EF4-FFF2-40B4-BE49-F238E27FC236}">
+                <a16:creationId xmlns:a16="http://schemas.microsoft.com/office/drawing/2014/main" id="{38032519-A12D-43BA-8403-E210B5ED9F73}"/>
+              </a:ext>
+            </a:extLst>
+          </p:cNvPr>
+          <p:cNvSpPr>
+            <a:spLocks noGrp="1"/>
+          </p:cNvSpPr>
+          <p:nvPr>
+            <p:ph type="sldNum" sz="quarter" idx="12"/>
+          </p:nvPr>
+        </p:nvSpPr>
+        <p:spPr/>
+        <p:txBody>
+          <a:bodyPr/>
+          <a:lstStyle/>
+          <a:p>
+            <a:fld id="{01DD9B2E-0F68-4E36-8E5A-BCFDBE11C298}" type="slidenum">
+              <a:rPr lang="en-US" smtClean="0"/>
+              <a:t>4</a:t>
+            </a:fld>
+            <a:endParaRPr lang="en-US"/>
+          </a:p>
+        </p:txBody>
+      </p:sp>
     </p:spTree>
     <p:extLst>
       <p:ext uri="{BB962C8B-B14F-4D97-AF65-F5344CB8AC3E}">
-        <p14:creationId xmlns:p14="http://schemas.microsoft.com/office/powerpoint/2010/main" val="2880560830"/>
+        <p14:creationId xmlns:p14="http://schemas.microsoft.com/office/powerpoint/2010/main" val="260947523"/>
       </p:ext>
     </p:extLst>
   </p:cSld>
@@ -5657,7 +8394,7 @@
         </p:nvCxnSpPr>
         <p:spPr>
           <a:xfrm>
-            <a:off x="0" y="6737758"/>
+            <a:off x="0" y="6785383"/>
             <a:ext cx="12192000" cy="0"/>
           </a:xfrm>
           <a:prstGeom prst="line">
@@ -5754,7 +8491,7 @@
         </p:nvCxnSpPr>
         <p:spPr>
           <a:xfrm>
-            <a:off x="360008" y="3086654"/>
+            <a:off x="244598" y="1010019"/>
             <a:ext cx="11306175" cy="0"/>
           </a:xfrm>
           <a:prstGeom prst="line">
@@ -5860,10 +8597,3554 @@
           </a:p>
         </p:txBody>
       </p:sp>
+      <p:sp>
+        <p:nvSpPr>
+          <p:cNvPr id="9" name="TextBox 8">
+            <a:extLst>
+              <a:ext uri="{FF2B5EF4-FFF2-40B4-BE49-F238E27FC236}">
+                <a16:creationId xmlns:a16="http://schemas.microsoft.com/office/drawing/2014/main" id="{8D3DB233-B171-414E-ADFC-8C7A4A5E8C13}"/>
+              </a:ext>
+            </a:extLst>
+          </p:cNvPr>
+          <p:cNvSpPr txBox="1"/>
+          <p:nvPr/>
+        </p:nvSpPr>
+        <p:spPr>
+          <a:xfrm>
+            <a:off x="4258934" y="425978"/>
+            <a:ext cx="5599441" cy="646331"/>
+          </a:xfrm>
+          <a:prstGeom prst="rect">
+            <a:avLst/>
+          </a:prstGeom>
+          <a:noFill/>
+        </p:spPr>
+        <p:txBody>
+          <a:bodyPr wrap="square" rtlCol="0">
+            <a:spAutoFit/>
+          </a:bodyPr>
+          <a:lstStyle/>
+          <a:p>
+            <a:r>
+              <a:rPr lang="en-US" sz="3600" dirty="0"/>
+              <a:t>50 micron</a:t>
+            </a:r>
+            <a:endParaRPr lang="en-US" sz="2400" dirty="0"/>
+          </a:p>
+        </p:txBody>
+      </p:sp>
+      <p:sp>
+        <p:nvSpPr>
+          <p:cNvPr id="19" name="TextBox 18">
+            <a:extLst>
+              <a:ext uri="{FF2B5EF4-FFF2-40B4-BE49-F238E27FC236}">
+                <a16:creationId xmlns:a16="http://schemas.microsoft.com/office/drawing/2014/main" id="{F68109A4-0F15-42B9-A721-873CA127C3E2}"/>
+              </a:ext>
+            </a:extLst>
+          </p:cNvPr>
+          <p:cNvSpPr txBox="1"/>
+          <p:nvPr/>
+        </p:nvSpPr>
+        <p:spPr>
+          <a:xfrm>
+            <a:off x="1476374" y="1010019"/>
+            <a:ext cx="809625" cy="369332"/>
+          </a:xfrm>
+          <a:prstGeom prst="rect">
+            <a:avLst/>
+          </a:prstGeom>
+          <a:noFill/>
+        </p:spPr>
+        <p:txBody>
+          <a:bodyPr wrap="square" rtlCol="0">
+            <a:spAutoFit/>
+          </a:bodyPr>
+          <a:lstStyle/>
+          <a:p>
+            <a:r>
+              <a:rPr lang="en-US" dirty="0"/>
+              <a:t>K=2</a:t>
+            </a:r>
+          </a:p>
+        </p:txBody>
+      </p:sp>
+      <p:sp>
+        <p:nvSpPr>
+          <p:cNvPr id="20" name="TextBox 19">
+            <a:extLst>
+              <a:ext uri="{FF2B5EF4-FFF2-40B4-BE49-F238E27FC236}">
+                <a16:creationId xmlns:a16="http://schemas.microsoft.com/office/drawing/2014/main" id="{CDAE91A2-7738-48DA-8D2D-E7A43C75AFF4}"/>
+              </a:ext>
+            </a:extLst>
+          </p:cNvPr>
+          <p:cNvSpPr txBox="1"/>
+          <p:nvPr/>
+        </p:nvSpPr>
+        <p:spPr>
+          <a:xfrm>
+            <a:off x="4306558" y="1010019"/>
+            <a:ext cx="809625" cy="369332"/>
+          </a:xfrm>
+          <a:prstGeom prst="rect">
+            <a:avLst/>
+          </a:prstGeom>
+          <a:noFill/>
+        </p:spPr>
+        <p:txBody>
+          <a:bodyPr wrap="square" rtlCol="0">
+            <a:spAutoFit/>
+          </a:bodyPr>
+          <a:lstStyle/>
+          <a:p>
+            <a:r>
+              <a:rPr lang="en-US" dirty="0"/>
+              <a:t>K=4</a:t>
+            </a:r>
+          </a:p>
+        </p:txBody>
+      </p:sp>
+      <p:sp>
+        <p:nvSpPr>
+          <p:cNvPr id="21" name="TextBox 20">
+            <a:extLst>
+              <a:ext uri="{FF2B5EF4-FFF2-40B4-BE49-F238E27FC236}">
+                <a16:creationId xmlns:a16="http://schemas.microsoft.com/office/drawing/2014/main" id="{4E1FEBA1-8EFB-4E3F-9335-CE5C410DF67F}"/>
+              </a:ext>
+            </a:extLst>
+          </p:cNvPr>
+          <p:cNvSpPr txBox="1"/>
+          <p:nvPr/>
+        </p:nvSpPr>
+        <p:spPr>
+          <a:xfrm>
+            <a:off x="7211683" y="1015899"/>
+            <a:ext cx="809625" cy="369332"/>
+          </a:xfrm>
+          <a:prstGeom prst="rect">
+            <a:avLst/>
+          </a:prstGeom>
+          <a:noFill/>
+        </p:spPr>
+        <p:txBody>
+          <a:bodyPr wrap="square" rtlCol="0">
+            <a:spAutoFit/>
+          </a:bodyPr>
+          <a:lstStyle/>
+          <a:p>
+            <a:r>
+              <a:rPr lang="en-US" dirty="0"/>
+              <a:t>K=6</a:t>
+            </a:r>
+          </a:p>
+        </p:txBody>
+      </p:sp>
+      <p:sp>
+        <p:nvSpPr>
+          <p:cNvPr id="22" name="TextBox 21">
+            <a:extLst>
+              <a:ext uri="{FF2B5EF4-FFF2-40B4-BE49-F238E27FC236}">
+                <a16:creationId xmlns:a16="http://schemas.microsoft.com/office/drawing/2014/main" id="{B62E3CFA-B0DC-432B-9238-883FABD4FE20}"/>
+              </a:ext>
+            </a:extLst>
+          </p:cNvPr>
+          <p:cNvSpPr txBox="1"/>
+          <p:nvPr/>
+        </p:nvSpPr>
+        <p:spPr>
+          <a:xfrm>
+            <a:off x="9879941" y="1038315"/>
+            <a:ext cx="809625" cy="369332"/>
+          </a:xfrm>
+          <a:prstGeom prst="rect">
+            <a:avLst/>
+          </a:prstGeom>
+          <a:noFill/>
+        </p:spPr>
+        <p:txBody>
+          <a:bodyPr wrap="square" rtlCol="0">
+            <a:spAutoFit/>
+          </a:bodyPr>
+          <a:lstStyle/>
+          <a:p>
+            <a:r>
+              <a:rPr lang="en-US" dirty="0"/>
+              <a:t>K=8</a:t>
+            </a:r>
+          </a:p>
+        </p:txBody>
+      </p:sp>
+      <p:pic>
+        <p:nvPicPr>
+          <p:cNvPr id="12" name="Picture 11" descr="A picture containing transport, balloon, tiled&#10;&#10;Description automatically generated">
+            <a:extLst>
+              <a:ext uri="{FF2B5EF4-FFF2-40B4-BE49-F238E27FC236}">
+                <a16:creationId xmlns:a16="http://schemas.microsoft.com/office/drawing/2014/main" id="{0807BDA4-CFF2-4328-82F4-D192DEE3DE30}"/>
+              </a:ext>
+            </a:extLst>
+          </p:cNvPr>
+          <p:cNvPicPr>
+            <a:picLocks noChangeAspect="1"/>
+          </p:cNvPicPr>
+          <p:nvPr/>
+        </p:nvPicPr>
+        <p:blipFill>
+          <a:blip r:embed="rId2">
+            <a:extLst>
+              <a:ext uri="{28A0092B-C50C-407E-A947-70E740481C1C}">
+                <a14:useLocalDpi xmlns:a14="http://schemas.microsoft.com/office/drawing/2010/main" val="0"/>
+              </a:ext>
+            </a:extLst>
+          </a:blip>
+          <a:stretch>
+            <a:fillRect/>
+          </a:stretch>
+        </p:blipFill>
+        <p:spPr>
+          <a:xfrm>
+            <a:off x="3868863" y="1379351"/>
+            <a:ext cx="1769937" cy="2213817"/>
+          </a:xfrm>
+          <a:prstGeom prst="rect">
+            <a:avLst/>
+          </a:prstGeom>
+        </p:spPr>
+      </p:pic>
+      <p:pic>
+        <p:nvPicPr>
+          <p:cNvPr id="15" name="Picture 14" descr="A picture containing room&#10;&#10;Description automatically generated">
+            <a:extLst>
+              <a:ext uri="{FF2B5EF4-FFF2-40B4-BE49-F238E27FC236}">
+                <a16:creationId xmlns:a16="http://schemas.microsoft.com/office/drawing/2014/main" id="{C081E291-3793-4834-A9B3-A9A1EC27F444}"/>
+              </a:ext>
+            </a:extLst>
+          </p:cNvPr>
+          <p:cNvPicPr>
+            <a:picLocks noChangeAspect="1"/>
+          </p:cNvPicPr>
+          <p:nvPr/>
+        </p:nvPicPr>
+        <p:blipFill>
+          <a:blip r:embed="rId3">
+            <a:extLst>
+              <a:ext uri="{28A0092B-C50C-407E-A947-70E740481C1C}">
+                <a14:useLocalDpi xmlns:a14="http://schemas.microsoft.com/office/drawing/2010/main" val="0"/>
+              </a:ext>
+            </a:extLst>
+          </a:blip>
+          <a:stretch>
+            <a:fillRect/>
+          </a:stretch>
+        </p:blipFill>
+        <p:spPr>
+          <a:xfrm>
+            <a:off x="3465639" y="3583450"/>
+            <a:ext cx="2519198" cy="3173637"/>
+          </a:xfrm>
+          <a:prstGeom prst="rect">
+            <a:avLst/>
+          </a:prstGeom>
+        </p:spPr>
+      </p:pic>
+      <p:pic>
+        <p:nvPicPr>
+          <p:cNvPr id="17" name="Picture 16" descr="A picture containing transport, balloon, aircraft&#10;&#10;Description automatically generated">
+            <a:extLst>
+              <a:ext uri="{FF2B5EF4-FFF2-40B4-BE49-F238E27FC236}">
+                <a16:creationId xmlns:a16="http://schemas.microsoft.com/office/drawing/2014/main" id="{8BB40D68-06B5-4862-B608-4F174A8B767F}"/>
+              </a:ext>
+            </a:extLst>
+          </p:cNvPr>
+          <p:cNvPicPr>
+            <a:picLocks noChangeAspect="1"/>
+          </p:cNvPicPr>
+          <p:nvPr/>
+        </p:nvPicPr>
+        <p:blipFill>
+          <a:blip r:embed="rId4">
+            <a:extLst>
+              <a:ext uri="{28A0092B-C50C-407E-A947-70E740481C1C}">
+                <a14:useLocalDpi xmlns:a14="http://schemas.microsoft.com/office/drawing/2010/main" val="0"/>
+              </a:ext>
+            </a:extLst>
+          </a:blip>
+          <a:stretch>
+            <a:fillRect/>
+          </a:stretch>
+        </p:blipFill>
+        <p:spPr>
+          <a:xfrm>
+            <a:off x="904270" y="1453044"/>
+            <a:ext cx="1769937" cy="2187037"/>
+          </a:xfrm>
+          <a:prstGeom prst="rect">
+            <a:avLst/>
+          </a:prstGeom>
+        </p:spPr>
+      </p:pic>
+      <p:pic>
+        <p:nvPicPr>
+          <p:cNvPr id="23" name="Picture 22" descr="A close up of a logo&#10;&#10;Description automatically generated">
+            <a:extLst>
+              <a:ext uri="{FF2B5EF4-FFF2-40B4-BE49-F238E27FC236}">
+                <a16:creationId xmlns:a16="http://schemas.microsoft.com/office/drawing/2014/main" id="{F96B8402-F2C5-4A95-B25E-815B0DFD6274}"/>
+              </a:ext>
+            </a:extLst>
+          </p:cNvPr>
+          <p:cNvPicPr>
+            <a:picLocks noChangeAspect="1"/>
+          </p:cNvPicPr>
+          <p:nvPr/>
+        </p:nvPicPr>
+        <p:blipFill>
+          <a:blip r:embed="rId5">
+            <a:extLst>
+              <a:ext uri="{28A0092B-C50C-407E-A947-70E740481C1C}">
+                <a14:useLocalDpi xmlns:a14="http://schemas.microsoft.com/office/drawing/2010/main" val="0"/>
+              </a:ext>
+            </a:extLst>
+          </a:blip>
+          <a:stretch>
+            <a:fillRect/>
+          </a:stretch>
+        </p:blipFill>
+        <p:spPr>
+          <a:xfrm>
+            <a:off x="562061" y="3583450"/>
+            <a:ext cx="2583285" cy="3173637"/>
+          </a:xfrm>
+          <a:prstGeom prst="rect">
+            <a:avLst/>
+          </a:prstGeom>
+        </p:spPr>
+      </p:pic>
+      <p:pic>
+        <p:nvPicPr>
+          <p:cNvPr id="25" name="Picture 24" descr="A close up of a logo&#10;&#10;Description automatically generated">
+            <a:extLst>
+              <a:ext uri="{FF2B5EF4-FFF2-40B4-BE49-F238E27FC236}">
+                <a16:creationId xmlns:a16="http://schemas.microsoft.com/office/drawing/2014/main" id="{92FEF06E-A9C5-4614-877A-FD074DC7C248}"/>
+              </a:ext>
+            </a:extLst>
+          </p:cNvPr>
+          <p:cNvPicPr>
+            <a:picLocks noChangeAspect="1"/>
+          </p:cNvPicPr>
+          <p:nvPr/>
+        </p:nvPicPr>
+        <p:blipFill>
+          <a:blip r:embed="rId6">
+            <a:extLst>
+              <a:ext uri="{28A0092B-C50C-407E-A947-70E740481C1C}">
+                <a14:useLocalDpi xmlns:a14="http://schemas.microsoft.com/office/drawing/2010/main" val="0"/>
+              </a:ext>
+            </a:extLst>
+          </a:blip>
+          <a:stretch>
+            <a:fillRect/>
+          </a:stretch>
+        </p:blipFill>
+        <p:spPr>
+          <a:xfrm>
+            <a:off x="6657592" y="1385231"/>
+            <a:ext cx="1769937" cy="2206247"/>
+          </a:xfrm>
+          <a:prstGeom prst="rect">
+            <a:avLst/>
+          </a:prstGeom>
+        </p:spPr>
+      </p:pic>
+      <p:pic>
+        <p:nvPicPr>
+          <p:cNvPr id="27" name="Picture 26" descr="A picture containing room&#10;&#10;Description automatically generated">
+            <a:extLst>
+              <a:ext uri="{FF2B5EF4-FFF2-40B4-BE49-F238E27FC236}">
+                <a16:creationId xmlns:a16="http://schemas.microsoft.com/office/drawing/2014/main" id="{707CDEFE-5603-4772-99E8-8D0FB9FC4A34}"/>
+              </a:ext>
+            </a:extLst>
+          </p:cNvPr>
+          <p:cNvPicPr>
+            <a:picLocks noChangeAspect="1"/>
+          </p:cNvPicPr>
+          <p:nvPr/>
+        </p:nvPicPr>
+        <p:blipFill>
+          <a:blip r:embed="rId7">
+            <a:extLst>
+              <a:ext uri="{28A0092B-C50C-407E-A947-70E740481C1C}">
+                <a14:useLocalDpi xmlns:a14="http://schemas.microsoft.com/office/drawing/2010/main" val="0"/>
+              </a:ext>
+            </a:extLst>
+          </a:blip>
+          <a:stretch>
+            <a:fillRect/>
+          </a:stretch>
+        </p:blipFill>
+        <p:spPr>
+          <a:xfrm>
+            <a:off x="6207165" y="3568507"/>
+            <a:ext cx="2590885" cy="3173637"/>
+          </a:xfrm>
+          <a:prstGeom prst="rect">
+            <a:avLst/>
+          </a:prstGeom>
+        </p:spPr>
+      </p:pic>
+      <p:pic>
+        <p:nvPicPr>
+          <p:cNvPr id="29" name="Picture 28" descr="A picture containing transport, balloon&#10;&#10;Description automatically generated">
+            <a:extLst>
+              <a:ext uri="{FF2B5EF4-FFF2-40B4-BE49-F238E27FC236}">
+                <a16:creationId xmlns:a16="http://schemas.microsoft.com/office/drawing/2014/main" id="{867C5040-1642-4397-8B09-623AE1277438}"/>
+              </a:ext>
+            </a:extLst>
+          </p:cNvPr>
+          <p:cNvPicPr>
+            <a:picLocks noChangeAspect="1"/>
+          </p:cNvPicPr>
+          <p:nvPr/>
+        </p:nvPicPr>
+        <p:blipFill>
+          <a:blip r:embed="rId8">
+            <a:extLst>
+              <a:ext uri="{28A0092B-C50C-407E-A947-70E740481C1C}">
+                <a14:useLocalDpi xmlns:a14="http://schemas.microsoft.com/office/drawing/2010/main" val="0"/>
+              </a:ext>
+            </a:extLst>
+          </a:blip>
+          <a:stretch>
+            <a:fillRect/>
+          </a:stretch>
+        </p:blipFill>
+        <p:spPr>
+          <a:xfrm>
+            <a:off x="9446321" y="1379351"/>
+            <a:ext cx="1780497" cy="2260725"/>
+          </a:xfrm>
+          <a:prstGeom prst="rect">
+            <a:avLst/>
+          </a:prstGeom>
+        </p:spPr>
+      </p:pic>
+      <p:pic>
+        <p:nvPicPr>
+          <p:cNvPr id="31" name="Picture 30" descr="A close up of a logo&#10;&#10;Description automatically generated">
+            <a:extLst>
+              <a:ext uri="{FF2B5EF4-FFF2-40B4-BE49-F238E27FC236}">
+                <a16:creationId xmlns:a16="http://schemas.microsoft.com/office/drawing/2014/main" id="{76D63410-262A-4CC4-A4AC-F2A4969667C6}"/>
+              </a:ext>
+            </a:extLst>
+          </p:cNvPr>
+          <p:cNvPicPr>
+            <a:picLocks noChangeAspect="1"/>
+          </p:cNvPicPr>
+          <p:nvPr/>
+        </p:nvPicPr>
+        <p:blipFill>
+          <a:blip r:embed="rId9">
+            <a:extLst>
+              <a:ext uri="{28A0092B-C50C-407E-A947-70E740481C1C}">
+                <a14:useLocalDpi xmlns:a14="http://schemas.microsoft.com/office/drawing/2010/main" val="0"/>
+              </a:ext>
+            </a:extLst>
+          </a:blip>
+          <a:stretch>
+            <a:fillRect/>
+          </a:stretch>
+        </p:blipFill>
+        <p:spPr>
+          <a:xfrm>
+            <a:off x="9068134" y="3590126"/>
+            <a:ext cx="2561805" cy="3173638"/>
+          </a:xfrm>
+          <a:prstGeom prst="rect">
+            <a:avLst/>
+          </a:prstGeom>
+        </p:spPr>
+      </p:pic>
+      <p:sp>
+        <p:nvSpPr>
+          <p:cNvPr id="32" name="Oval 31">
+            <a:extLst>
+              <a:ext uri="{FF2B5EF4-FFF2-40B4-BE49-F238E27FC236}">
+                <a16:creationId xmlns:a16="http://schemas.microsoft.com/office/drawing/2014/main" id="{6BEB5521-3110-4D19-AC61-7559B88A7271}"/>
+              </a:ext>
+            </a:extLst>
+          </p:cNvPr>
+          <p:cNvSpPr/>
+          <p:nvPr/>
+        </p:nvSpPr>
+        <p:spPr>
+          <a:xfrm>
+            <a:off x="7036459" y="933450"/>
+            <a:ext cx="963283" cy="474193"/>
+          </a:xfrm>
+          <a:prstGeom prst="ellipse">
+            <a:avLst/>
+          </a:prstGeom>
+          <a:noFill/>
+        </p:spPr>
+        <p:style>
+          <a:lnRef idx="2">
+            <a:schemeClr val="accent1">
+              <a:shade val="50000"/>
+            </a:schemeClr>
+          </a:lnRef>
+          <a:fillRef idx="1">
+            <a:schemeClr val="accent1"/>
+          </a:fillRef>
+          <a:effectRef idx="0">
+            <a:schemeClr val="accent1"/>
+          </a:effectRef>
+          <a:fontRef idx="minor">
+            <a:schemeClr val="lt1"/>
+          </a:fontRef>
+        </p:style>
+        <p:txBody>
+          <a:bodyPr rtlCol="0" anchor="ctr"/>
+          <a:lstStyle/>
+          <a:p>
+            <a:pPr algn="ctr"/>
+            <a:endParaRPr lang="en-US" b="1">
+              <a:ln w="22225">
+                <a:solidFill>
+                  <a:schemeClr val="accent2"/>
+                </a:solidFill>
+                <a:prstDash val="solid"/>
+              </a:ln>
+              <a:solidFill>
+                <a:schemeClr val="accent2">
+                  <a:lumMod val="40000"/>
+                  <a:lumOff val="60000"/>
+                </a:schemeClr>
+              </a:solidFill>
+            </a:endParaRPr>
+          </a:p>
+        </p:txBody>
+      </p:sp>
+      <p:sp>
+        <p:nvSpPr>
+          <p:cNvPr id="33" name="Slide Number Placeholder 32">
+            <a:extLst>
+              <a:ext uri="{FF2B5EF4-FFF2-40B4-BE49-F238E27FC236}">
+                <a16:creationId xmlns:a16="http://schemas.microsoft.com/office/drawing/2014/main" id="{7E05CFD4-D164-4BA6-B892-1E3174FB7E7D}"/>
+              </a:ext>
+            </a:extLst>
+          </p:cNvPr>
+          <p:cNvSpPr>
+            <a:spLocks noGrp="1"/>
+          </p:cNvSpPr>
+          <p:nvPr>
+            <p:ph type="sldNum" sz="quarter" idx="12"/>
+          </p:nvPr>
+        </p:nvSpPr>
+        <p:spPr/>
+        <p:txBody>
+          <a:bodyPr/>
+          <a:lstStyle/>
+          <a:p>
+            <a:fld id="{01DD9B2E-0F68-4E36-8E5A-BCFDBE11C298}" type="slidenum">
+              <a:rPr lang="en-US" smtClean="0"/>
+              <a:t>5</a:t>
+            </a:fld>
+            <a:endParaRPr lang="en-US"/>
+          </a:p>
+        </p:txBody>
+      </p:sp>
     </p:spTree>
     <p:extLst>
       <p:ext uri="{BB962C8B-B14F-4D97-AF65-F5344CB8AC3E}">
-        <p14:creationId xmlns:p14="http://schemas.microsoft.com/office/powerpoint/2010/main" val="339772842"/>
+        <p14:creationId xmlns:p14="http://schemas.microsoft.com/office/powerpoint/2010/main" val="100225704"/>
+      </p:ext>
+    </p:extLst>
+  </p:cSld>
+  <p:clrMapOvr>
+    <a:masterClrMapping/>
+  </p:clrMapOvr>
+</p:sld>
+</file>
+
+<file path=ppt/slides/slide6.xml><?xml version="1.0" encoding="utf-8"?>
+<p:sld xmlns:a="http://schemas.openxmlformats.org/drawingml/2006/main" xmlns:r="http://schemas.openxmlformats.org/officeDocument/2006/relationships" xmlns:p="http://schemas.openxmlformats.org/presentationml/2006/main">
+  <p:cSld>
+    <p:spTree>
+      <p:nvGrpSpPr>
+        <p:cNvPr id="1" name=""/>
+        <p:cNvGrpSpPr/>
+        <p:nvPr/>
+      </p:nvGrpSpPr>
+      <p:grpSpPr>
+        <a:xfrm>
+          <a:off x="0" y="0"/>
+          <a:ext cx="0" cy="0"/>
+          <a:chOff x="0" y="0"/>
+          <a:chExt cx="0" cy="0"/>
+        </a:xfrm>
+      </p:grpSpPr>
+      <p:cxnSp>
+        <p:nvCxnSpPr>
+          <p:cNvPr id="5" name="Straight Connector 4">
+            <a:extLst>
+              <a:ext uri="{FF2B5EF4-FFF2-40B4-BE49-F238E27FC236}">
+                <a16:creationId xmlns:a16="http://schemas.microsoft.com/office/drawing/2014/main" id="{DD3444E0-C95B-418B-9590-457C7FF29DF0}"/>
+              </a:ext>
+            </a:extLst>
+          </p:cNvPr>
+          <p:cNvCxnSpPr/>
+          <p:nvPr/>
+        </p:nvCxnSpPr>
+        <p:spPr>
+          <a:xfrm>
+            <a:off x="0" y="6785383"/>
+            <a:ext cx="12192000" cy="0"/>
+          </a:xfrm>
+          <a:prstGeom prst="line">
+            <a:avLst/>
+          </a:prstGeom>
+          <a:ln w="25400">
+            <a:solidFill>
+              <a:srgbClr val="0021A5"/>
+            </a:solidFill>
+          </a:ln>
+        </p:spPr>
+        <p:style>
+          <a:lnRef idx="1">
+            <a:schemeClr val="accent1"/>
+          </a:lnRef>
+          <a:fillRef idx="0">
+            <a:schemeClr val="accent1"/>
+          </a:fillRef>
+          <a:effectRef idx="0">
+            <a:schemeClr val="accent1"/>
+          </a:effectRef>
+          <a:fontRef idx="minor">
+            <a:schemeClr val="tx1"/>
+          </a:fontRef>
+        </p:style>
+      </p:cxnSp>
+      <p:sp>
+        <p:nvSpPr>
+          <p:cNvPr id="4" name="Rectangle 3">
+            <a:extLst>
+              <a:ext uri="{FF2B5EF4-FFF2-40B4-BE49-F238E27FC236}">
+                <a16:creationId xmlns:a16="http://schemas.microsoft.com/office/drawing/2014/main" id="{D3BD5F43-F7B8-4217-9611-5D1952165A72}"/>
+              </a:ext>
+            </a:extLst>
+          </p:cNvPr>
+          <p:cNvSpPr/>
+          <p:nvPr/>
+        </p:nvSpPr>
+        <p:spPr>
+          <a:xfrm>
+            <a:off x="0" y="0"/>
+            <a:ext cx="12192000" cy="438148"/>
+          </a:xfrm>
+          <a:prstGeom prst="rect">
+            <a:avLst/>
+          </a:prstGeom>
+          <a:solidFill>
+            <a:srgbClr val="0021A5"/>
+          </a:solidFill>
+          <a:ln>
+            <a:solidFill>
+              <a:srgbClr val="0021A5"/>
+            </a:solidFill>
+          </a:ln>
+        </p:spPr>
+        <p:style>
+          <a:lnRef idx="2">
+            <a:schemeClr val="accent1">
+              <a:shade val="50000"/>
+            </a:schemeClr>
+          </a:lnRef>
+          <a:fillRef idx="1">
+            <a:schemeClr val="accent1"/>
+          </a:fillRef>
+          <a:effectRef idx="0">
+            <a:schemeClr val="accent1"/>
+          </a:effectRef>
+          <a:fontRef idx="minor">
+            <a:schemeClr val="lt1"/>
+          </a:fontRef>
+        </p:style>
+        <p:txBody>
+          <a:bodyPr rtlCol="0" anchor="ctr"/>
+          <a:lstStyle/>
+          <a:p>
+            <a:pPr algn="ctr"/>
+            <a:endParaRPr lang="en-US"/>
+          </a:p>
+        </p:txBody>
+      </p:sp>
+      <p:cxnSp>
+        <p:nvCxnSpPr>
+          <p:cNvPr id="6" name="Straight Connector 5">
+            <a:extLst>
+              <a:ext uri="{FF2B5EF4-FFF2-40B4-BE49-F238E27FC236}">
+                <a16:creationId xmlns:a16="http://schemas.microsoft.com/office/drawing/2014/main" id="{D062F9CE-7B12-467C-AF7C-E3BAAF5FE8F8}"/>
+              </a:ext>
+            </a:extLst>
+          </p:cNvPr>
+          <p:cNvCxnSpPr>
+            <a:cxnSpLocks/>
+          </p:cNvCxnSpPr>
+          <p:nvPr/>
+        </p:nvCxnSpPr>
+        <p:spPr>
+          <a:xfrm>
+            <a:off x="244598" y="1010019"/>
+            <a:ext cx="11306175" cy="0"/>
+          </a:xfrm>
+          <a:prstGeom prst="line">
+            <a:avLst/>
+          </a:prstGeom>
+          <a:ln w="19050">
+            <a:solidFill>
+              <a:srgbClr val="FA4616"/>
+            </a:solidFill>
+          </a:ln>
+        </p:spPr>
+        <p:style>
+          <a:lnRef idx="1">
+            <a:schemeClr val="accent1"/>
+          </a:lnRef>
+          <a:fillRef idx="0">
+            <a:schemeClr val="accent1"/>
+          </a:fillRef>
+          <a:effectRef idx="0">
+            <a:schemeClr val="accent1"/>
+          </a:effectRef>
+          <a:fontRef idx="minor">
+            <a:schemeClr val="tx1"/>
+          </a:fontRef>
+        </p:style>
+      </p:cxnSp>
+      <p:cxnSp>
+        <p:nvCxnSpPr>
+          <p:cNvPr id="8" name="Straight Connector 7">
+            <a:extLst>
+              <a:ext uri="{FF2B5EF4-FFF2-40B4-BE49-F238E27FC236}">
+                <a16:creationId xmlns:a16="http://schemas.microsoft.com/office/drawing/2014/main" id="{DC5128E8-2BCE-4DD8-A8F6-550403E78BAF}"/>
+              </a:ext>
+            </a:extLst>
+          </p:cNvPr>
+          <p:cNvCxnSpPr/>
+          <p:nvPr/>
+        </p:nvCxnSpPr>
+        <p:spPr>
+          <a:xfrm>
+            <a:off x="0" y="494779"/>
+            <a:ext cx="12192000" cy="0"/>
+          </a:xfrm>
+          <a:prstGeom prst="line">
+            <a:avLst/>
+          </a:prstGeom>
+          <a:ln w="25400">
+            <a:solidFill>
+              <a:srgbClr val="0021A5"/>
+            </a:solidFill>
+          </a:ln>
+        </p:spPr>
+        <p:style>
+          <a:lnRef idx="1">
+            <a:schemeClr val="accent1"/>
+          </a:lnRef>
+          <a:fillRef idx="0">
+            <a:schemeClr val="accent1"/>
+          </a:fillRef>
+          <a:effectRef idx="0">
+            <a:schemeClr val="accent1"/>
+          </a:effectRef>
+          <a:fontRef idx="minor">
+            <a:schemeClr val="tx1"/>
+          </a:fontRef>
+        </p:style>
+      </p:cxnSp>
+      <p:sp>
+        <p:nvSpPr>
+          <p:cNvPr id="13" name="Footer Placeholder 12">
+            <a:extLst>
+              <a:ext uri="{FF2B5EF4-FFF2-40B4-BE49-F238E27FC236}">
+                <a16:creationId xmlns:a16="http://schemas.microsoft.com/office/drawing/2014/main" id="{E9C4CD01-2D2E-4956-88FB-5E609DBB2AFB}"/>
+              </a:ext>
+            </a:extLst>
+          </p:cNvPr>
+          <p:cNvSpPr>
+            <a:spLocks noGrp="1"/>
+          </p:cNvSpPr>
+          <p:nvPr>
+            <p:ph type="ftr" sz="quarter" idx="11"/>
+          </p:nvPr>
+        </p:nvSpPr>
+        <p:spPr>
+          <a:xfrm>
+            <a:off x="76200" y="44448"/>
+            <a:ext cx="4114800" cy="365125"/>
+          </a:xfrm>
+        </p:spPr>
+        <p:txBody>
+          <a:bodyPr/>
+          <a:lstStyle/>
+          <a:p>
+            <a:pPr algn="l"/>
+            <a:r>
+              <a:rPr lang="en-US" sz="1600" b="1" cap="small" dirty="0">
+                <a:solidFill>
+                  <a:schemeClr val="bg1"/>
+                </a:solidFill>
+              </a:rPr>
+              <a:t>LISA Simulations</a:t>
+            </a:r>
+          </a:p>
+        </p:txBody>
+      </p:sp>
+      <p:sp>
+        <p:nvSpPr>
+          <p:cNvPr id="9" name="TextBox 8">
+            <a:extLst>
+              <a:ext uri="{FF2B5EF4-FFF2-40B4-BE49-F238E27FC236}">
+                <a16:creationId xmlns:a16="http://schemas.microsoft.com/office/drawing/2014/main" id="{8D3DB233-B171-414E-ADFC-8C7A4A5E8C13}"/>
+              </a:ext>
+            </a:extLst>
+          </p:cNvPr>
+          <p:cNvSpPr txBox="1"/>
+          <p:nvPr/>
+        </p:nvSpPr>
+        <p:spPr>
+          <a:xfrm>
+            <a:off x="4258934" y="425978"/>
+            <a:ext cx="5599441" cy="646331"/>
+          </a:xfrm>
+          <a:prstGeom prst="rect">
+            <a:avLst/>
+          </a:prstGeom>
+          <a:noFill/>
+        </p:spPr>
+        <p:txBody>
+          <a:bodyPr wrap="square" rtlCol="0">
+            <a:spAutoFit/>
+          </a:bodyPr>
+          <a:lstStyle/>
+          <a:p>
+            <a:r>
+              <a:rPr lang="en-US" sz="3600" dirty="0"/>
+              <a:t>75 micron</a:t>
+            </a:r>
+            <a:endParaRPr lang="en-US" sz="2400" dirty="0"/>
+          </a:p>
+        </p:txBody>
+      </p:sp>
+      <p:sp>
+        <p:nvSpPr>
+          <p:cNvPr id="19" name="TextBox 18">
+            <a:extLst>
+              <a:ext uri="{FF2B5EF4-FFF2-40B4-BE49-F238E27FC236}">
+                <a16:creationId xmlns:a16="http://schemas.microsoft.com/office/drawing/2014/main" id="{F68109A4-0F15-42B9-A721-873CA127C3E2}"/>
+              </a:ext>
+            </a:extLst>
+          </p:cNvPr>
+          <p:cNvSpPr txBox="1"/>
+          <p:nvPr/>
+        </p:nvSpPr>
+        <p:spPr>
+          <a:xfrm>
+            <a:off x="1476374" y="1010019"/>
+            <a:ext cx="809625" cy="369332"/>
+          </a:xfrm>
+          <a:prstGeom prst="rect">
+            <a:avLst/>
+          </a:prstGeom>
+          <a:noFill/>
+        </p:spPr>
+        <p:txBody>
+          <a:bodyPr wrap="square" rtlCol="0">
+            <a:spAutoFit/>
+          </a:bodyPr>
+          <a:lstStyle/>
+          <a:p>
+            <a:r>
+              <a:rPr lang="en-US" dirty="0"/>
+              <a:t>K=2</a:t>
+            </a:r>
+          </a:p>
+        </p:txBody>
+      </p:sp>
+      <p:sp>
+        <p:nvSpPr>
+          <p:cNvPr id="20" name="TextBox 19">
+            <a:extLst>
+              <a:ext uri="{FF2B5EF4-FFF2-40B4-BE49-F238E27FC236}">
+                <a16:creationId xmlns:a16="http://schemas.microsoft.com/office/drawing/2014/main" id="{CDAE91A2-7738-48DA-8D2D-E7A43C75AFF4}"/>
+              </a:ext>
+            </a:extLst>
+          </p:cNvPr>
+          <p:cNvSpPr txBox="1"/>
+          <p:nvPr/>
+        </p:nvSpPr>
+        <p:spPr>
+          <a:xfrm>
+            <a:off x="4306558" y="1010019"/>
+            <a:ext cx="809625" cy="369332"/>
+          </a:xfrm>
+          <a:prstGeom prst="rect">
+            <a:avLst/>
+          </a:prstGeom>
+          <a:noFill/>
+        </p:spPr>
+        <p:txBody>
+          <a:bodyPr wrap="square" rtlCol="0">
+            <a:spAutoFit/>
+          </a:bodyPr>
+          <a:lstStyle/>
+          <a:p>
+            <a:r>
+              <a:rPr lang="en-US" dirty="0"/>
+              <a:t>K=4</a:t>
+            </a:r>
+          </a:p>
+        </p:txBody>
+      </p:sp>
+      <p:sp>
+        <p:nvSpPr>
+          <p:cNvPr id="21" name="TextBox 20">
+            <a:extLst>
+              <a:ext uri="{FF2B5EF4-FFF2-40B4-BE49-F238E27FC236}">
+                <a16:creationId xmlns:a16="http://schemas.microsoft.com/office/drawing/2014/main" id="{4E1FEBA1-8EFB-4E3F-9335-CE5C410DF67F}"/>
+              </a:ext>
+            </a:extLst>
+          </p:cNvPr>
+          <p:cNvSpPr txBox="1"/>
+          <p:nvPr/>
+        </p:nvSpPr>
+        <p:spPr>
+          <a:xfrm>
+            <a:off x="7211683" y="1015899"/>
+            <a:ext cx="809625" cy="369332"/>
+          </a:xfrm>
+          <a:prstGeom prst="rect">
+            <a:avLst/>
+          </a:prstGeom>
+          <a:noFill/>
+        </p:spPr>
+        <p:txBody>
+          <a:bodyPr wrap="square" rtlCol="0">
+            <a:spAutoFit/>
+          </a:bodyPr>
+          <a:lstStyle/>
+          <a:p>
+            <a:r>
+              <a:rPr lang="en-US" dirty="0"/>
+              <a:t>K=6</a:t>
+            </a:r>
+          </a:p>
+        </p:txBody>
+      </p:sp>
+      <p:sp>
+        <p:nvSpPr>
+          <p:cNvPr id="22" name="TextBox 21">
+            <a:extLst>
+              <a:ext uri="{FF2B5EF4-FFF2-40B4-BE49-F238E27FC236}">
+                <a16:creationId xmlns:a16="http://schemas.microsoft.com/office/drawing/2014/main" id="{B62E3CFA-B0DC-432B-9238-883FABD4FE20}"/>
+              </a:ext>
+            </a:extLst>
+          </p:cNvPr>
+          <p:cNvSpPr txBox="1"/>
+          <p:nvPr/>
+        </p:nvSpPr>
+        <p:spPr>
+          <a:xfrm>
+            <a:off x="9879941" y="1038315"/>
+            <a:ext cx="809625" cy="369332"/>
+          </a:xfrm>
+          <a:prstGeom prst="rect">
+            <a:avLst/>
+          </a:prstGeom>
+          <a:noFill/>
+        </p:spPr>
+        <p:txBody>
+          <a:bodyPr wrap="square" rtlCol="0">
+            <a:spAutoFit/>
+          </a:bodyPr>
+          <a:lstStyle/>
+          <a:p>
+            <a:r>
+              <a:rPr lang="en-US" dirty="0"/>
+              <a:t>K=8</a:t>
+            </a:r>
+          </a:p>
+        </p:txBody>
+      </p:sp>
+      <p:pic>
+        <p:nvPicPr>
+          <p:cNvPr id="3" name="Picture 2" descr="A close up of a logo&#10;&#10;Description automatically generated">
+            <a:extLst>
+              <a:ext uri="{FF2B5EF4-FFF2-40B4-BE49-F238E27FC236}">
+                <a16:creationId xmlns:a16="http://schemas.microsoft.com/office/drawing/2014/main" id="{35E99EB0-95FC-4C3D-91C7-2523C04083D8}"/>
+              </a:ext>
+            </a:extLst>
+          </p:cNvPr>
+          <p:cNvPicPr>
+            <a:picLocks noChangeAspect="1"/>
+          </p:cNvPicPr>
+          <p:nvPr/>
+        </p:nvPicPr>
+        <p:blipFill>
+          <a:blip r:embed="rId2">
+            <a:extLst>
+              <a:ext uri="{28A0092B-C50C-407E-A947-70E740481C1C}">
+                <a14:useLocalDpi xmlns:a14="http://schemas.microsoft.com/office/drawing/2010/main" val="0"/>
+              </a:ext>
+            </a:extLst>
+          </a:blip>
+          <a:stretch>
+            <a:fillRect/>
+          </a:stretch>
+        </p:blipFill>
+        <p:spPr>
+          <a:xfrm>
+            <a:off x="902278" y="1311910"/>
+            <a:ext cx="1869498" cy="2347810"/>
+          </a:xfrm>
+          <a:prstGeom prst="rect">
+            <a:avLst/>
+          </a:prstGeom>
+        </p:spPr>
+      </p:pic>
+      <p:pic>
+        <p:nvPicPr>
+          <p:cNvPr id="10" name="Picture 9" descr="A blue and white tiled floor&#10;&#10;Description automatically generated">
+            <a:extLst>
+              <a:ext uri="{FF2B5EF4-FFF2-40B4-BE49-F238E27FC236}">
+                <a16:creationId xmlns:a16="http://schemas.microsoft.com/office/drawing/2014/main" id="{B69627A6-7D2F-47EB-B5DB-7E017C2F58D7}"/>
+              </a:ext>
+            </a:extLst>
+          </p:cNvPr>
+          <p:cNvPicPr>
+            <a:picLocks noChangeAspect="1"/>
+          </p:cNvPicPr>
+          <p:nvPr/>
+        </p:nvPicPr>
+        <p:blipFill>
+          <a:blip r:embed="rId3">
+            <a:extLst>
+              <a:ext uri="{28A0092B-C50C-407E-A947-70E740481C1C}">
+                <a14:useLocalDpi xmlns:a14="http://schemas.microsoft.com/office/drawing/2010/main" val="0"/>
+              </a:ext>
+            </a:extLst>
+          </a:blip>
+          <a:stretch>
+            <a:fillRect/>
+          </a:stretch>
+        </p:blipFill>
+        <p:spPr>
+          <a:xfrm>
+            <a:off x="662360" y="3659720"/>
+            <a:ext cx="2469973" cy="3089378"/>
+          </a:xfrm>
+          <a:prstGeom prst="rect">
+            <a:avLst/>
+          </a:prstGeom>
+        </p:spPr>
+      </p:pic>
+      <p:pic>
+        <p:nvPicPr>
+          <p:cNvPr id="12" name="Picture 11" descr="A picture containing transport, balloon&#10;&#10;Description automatically generated">
+            <a:extLst>
+              <a:ext uri="{FF2B5EF4-FFF2-40B4-BE49-F238E27FC236}">
+                <a16:creationId xmlns:a16="http://schemas.microsoft.com/office/drawing/2014/main" id="{9624B837-65AC-4F0D-8CEA-BDEC6261803B}"/>
+              </a:ext>
+            </a:extLst>
+          </p:cNvPr>
+          <p:cNvPicPr>
+            <a:picLocks noChangeAspect="1"/>
+          </p:cNvPicPr>
+          <p:nvPr/>
+        </p:nvPicPr>
+        <p:blipFill>
+          <a:blip r:embed="rId4">
+            <a:extLst>
+              <a:ext uri="{28A0092B-C50C-407E-A947-70E740481C1C}">
+                <a14:useLocalDpi xmlns:a14="http://schemas.microsoft.com/office/drawing/2010/main" val="0"/>
+              </a:ext>
+            </a:extLst>
+          </a:blip>
+          <a:stretch>
+            <a:fillRect/>
+          </a:stretch>
+        </p:blipFill>
+        <p:spPr>
+          <a:xfrm>
+            <a:off x="3706429" y="1311910"/>
+            <a:ext cx="1852454" cy="2347810"/>
+          </a:xfrm>
+          <a:prstGeom prst="rect">
+            <a:avLst/>
+          </a:prstGeom>
+        </p:spPr>
+      </p:pic>
+      <p:pic>
+        <p:nvPicPr>
+          <p:cNvPr id="15" name="Picture 14" descr="A close up of a logo&#10;&#10;Description automatically generated">
+            <a:extLst>
+              <a:ext uri="{FF2B5EF4-FFF2-40B4-BE49-F238E27FC236}">
+                <a16:creationId xmlns:a16="http://schemas.microsoft.com/office/drawing/2014/main" id="{651B727C-ECB6-4503-88CA-59D1170AD9E4}"/>
+              </a:ext>
+            </a:extLst>
+          </p:cNvPr>
+          <p:cNvPicPr>
+            <a:picLocks noChangeAspect="1"/>
+          </p:cNvPicPr>
+          <p:nvPr/>
+        </p:nvPicPr>
+        <p:blipFill>
+          <a:blip r:embed="rId5">
+            <a:extLst>
+              <a:ext uri="{28A0092B-C50C-407E-A947-70E740481C1C}">
+                <a14:useLocalDpi xmlns:a14="http://schemas.microsoft.com/office/drawing/2010/main" val="0"/>
+              </a:ext>
+            </a:extLst>
+          </a:blip>
+          <a:stretch>
+            <a:fillRect/>
+          </a:stretch>
+        </p:blipFill>
+        <p:spPr>
+          <a:xfrm>
+            <a:off x="3341751" y="3696005"/>
+            <a:ext cx="2469972" cy="3049348"/>
+          </a:xfrm>
+          <a:prstGeom prst="rect">
+            <a:avLst/>
+          </a:prstGeom>
+        </p:spPr>
+      </p:pic>
+      <p:pic>
+        <p:nvPicPr>
+          <p:cNvPr id="17" name="Picture 16" descr="A picture containing transport, balloon&#10;&#10;Description automatically generated">
+            <a:extLst>
+              <a:ext uri="{FF2B5EF4-FFF2-40B4-BE49-F238E27FC236}">
+                <a16:creationId xmlns:a16="http://schemas.microsoft.com/office/drawing/2014/main" id="{89167462-3F56-4B40-9655-628A6900139E}"/>
+              </a:ext>
+            </a:extLst>
+          </p:cNvPr>
+          <p:cNvPicPr>
+            <a:picLocks noChangeAspect="1"/>
+          </p:cNvPicPr>
+          <p:nvPr/>
+        </p:nvPicPr>
+        <p:blipFill>
+          <a:blip r:embed="rId6">
+            <a:extLst>
+              <a:ext uri="{28A0092B-C50C-407E-A947-70E740481C1C}">
+                <a14:useLocalDpi xmlns:a14="http://schemas.microsoft.com/office/drawing/2010/main" val="0"/>
+              </a:ext>
+            </a:extLst>
+          </a:blip>
+          <a:stretch>
+            <a:fillRect/>
+          </a:stretch>
+        </p:blipFill>
+        <p:spPr>
+          <a:xfrm>
+            <a:off x="6650965" y="1302012"/>
+            <a:ext cx="1935046" cy="2394770"/>
+          </a:xfrm>
+          <a:prstGeom prst="rect">
+            <a:avLst/>
+          </a:prstGeom>
+        </p:spPr>
+      </p:pic>
+      <p:pic>
+        <p:nvPicPr>
+          <p:cNvPr id="23" name="Picture 22" descr="A close up of a logo&#10;&#10;Description automatically generated">
+            <a:extLst>
+              <a:ext uri="{FF2B5EF4-FFF2-40B4-BE49-F238E27FC236}">
+                <a16:creationId xmlns:a16="http://schemas.microsoft.com/office/drawing/2014/main" id="{72D4BE83-74AF-4F70-8F83-B0962D7EE2D6}"/>
+              </a:ext>
+            </a:extLst>
+          </p:cNvPr>
+          <p:cNvPicPr>
+            <a:picLocks noChangeAspect="1"/>
+          </p:cNvPicPr>
+          <p:nvPr/>
+        </p:nvPicPr>
+        <p:blipFill>
+          <a:blip r:embed="rId7">
+            <a:extLst>
+              <a:ext uri="{28A0092B-C50C-407E-A947-70E740481C1C}">
+                <a14:useLocalDpi xmlns:a14="http://schemas.microsoft.com/office/drawing/2010/main" val="0"/>
+              </a:ext>
+            </a:extLst>
+          </a:blip>
+          <a:stretch>
+            <a:fillRect/>
+          </a:stretch>
+        </p:blipFill>
+        <p:spPr>
+          <a:xfrm>
+            <a:off x="6399096" y="3659721"/>
+            <a:ext cx="2469972" cy="3084584"/>
+          </a:xfrm>
+          <a:prstGeom prst="rect">
+            <a:avLst/>
+          </a:prstGeom>
+        </p:spPr>
+      </p:pic>
+      <p:pic>
+        <p:nvPicPr>
+          <p:cNvPr id="25" name="Picture 24" descr="A picture containing transport, balloon&#10;&#10;Description automatically generated">
+            <a:extLst>
+              <a:ext uri="{FF2B5EF4-FFF2-40B4-BE49-F238E27FC236}">
+                <a16:creationId xmlns:a16="http://schemas.microsoft.com/office/drawing/2014/main" id="{091D497C-C8B0-4337-B19A-A40C72121A57}"/>
+              </a:ext>
+            </a:extLst>
+          </p:cNvPr>
+          <p:cNvPicPr>
+            <a:picLocks noChangeAspect="1"/>
+          </p:cNvPicPr>
+          <p:nvPr/>
+        </p:nvPicPr>
+        <p:blipFill>
+          <a:blip r:embed="rId8">
+            <a:extLst>
+              <a:ext uri="{28A0092B-C50C-407E-A947-70E740481C1C}">
+                <a14:useLocalDpi xmlns:a14="http://schemas.microsoft.com/office/drawing/2010/main" val="0"/>
+              </a:ext>
+            </a:extLst>
+          </a:blip>
+          <a:stretch>
+            <a:fillRect/>
+          </a:stretch>
+        </p:blipFill>
+        <p:spPr>
+          <a:xfrm>
+            <a:off x="9330644" y="1332896"/>
+            <a:ext cx="1856194" cy="2326820"/>
+          </a:xfrm>
+          <a:prstGeom prst="rect">
+            <a:avLst/>
+          </a:prstGeom>
+        </p:spPr>
+      </p:pic>
+      <p:pic>
+        <p:nvPicPr>
+          <p:cNvPr id="27" name="Picture 26" descr="A close up of a logo&#10;&#10;Description automatically generated">
+            <a:extLst>
+              <a:ext uri="{FF2B5EF4-FFF2-40B4-BE49-F238E27FC236}">
+                <a16:creationId xmlns:a16="http://schemas.microsoft.com/office/drawing/2014/main" id="{CAF1540D-9FB0-4029-8895-BD2927300179}"/>
+              </a:ext>
+            </a:extLst>
+          </p:cNvPr>
+          <p:cNvPicPr>
+            <a:picLocks noChangeAspect="1"/>
+          </p:cNvPicPr>
+          <p:nvPr/>
+        </p:nvPicPr>
+        <p:blipFill>
+          <a:blip r:embed="rId9">
+            <a:extLst>
+              <a:ext uri="{28A0092B-C50C-407E-A947-70E740481C1C}">
+                <a14:useLocalDpi xmlns:a14="http://schemas.microsoft.com/office/drawing/2010/main" val="0"/>
+              </a:ext>
+            </a:extLst>
+          </a:blip>
+          <a:stretch>
+            <a:fillRect/>
+          </a:stretch>
+        </p:blipFill>
+        <p:spPr>
+          <a:xfrm>
+            <a:off x="9170872" y="3659716"/>
+            <a:ext cx="2519359" cy="3085637"/>
+          </a:xfrm>
+          <a:prstGeom prst="rect">
+            <a:avLst/>
+          </a:prstGeom>
+        </p:spPr>
+      </p:pic>
+      <p:sp>
+        <p:nvSpPr>
+          <p:cNvPr id="28" name="Slide Number Placeholder 27">
+            <a:extLst>
+              <a:ext uri="{FF2B5EF4-FFF2-40B4-BE49-F238E27FC236}">
+                <a16:creationId xmlns:a16="http://schemas.microsoft.com/office/drawing/2014/main" id="{DAA26956-F83B-4ED4-AF63-C0F8299DB543}"/>
+              </a:ext>
+            </a:extLst>
+          </p:cNvPr>
+          <p:cNvSpPr>
+            <a:spLocks noGrp="1"/>
+          </p:cNvSpPr>
+          <p:nvPr>
+            <p:ph type="sldNum" sz="quarter" idx="12"/>
+          </p:nvPr>
+        </p:nvSpPr>
+        <p:spPr/>
+        <p:txBody>
+          <a:bodyPr/>
+          <a:lstStyle/>
+          <a:p>
+            <a:fld id="{01DD9B2E-0F68-4E36-8E5A-BCFDBE11C298}" type="slidenum">
+              <a:rPr lang="en-US" smtClean="0"/>
+              <a:t>6</a:t>
+            </a:fld>
+            <a:endParaRPr lang="en-US"/>
+          </a:p>
+        </p:txBody>
+      </p:sp>
+    </p:spTree>
+    <p:extLst>
+      <p:ext uri="{BB962C8B-B14F-4D97-AF65-F5344CB8AC3E}">
+        <p14:creationId xmlns:p14="http://schemas.microsoft.com/office/powerpoint/2010/main" val="183518406"/>
+      </p:ext>
+    </p:extLst>
+  </p:cSld>
+  <p:clrMapOvr>
+    <a:masterClrMapping/>
+  </p:clrMapOvr>
+</p:sld>
+</file>
+
+<file path=ppt/slides/slide7.xml><?xml version="1.0" encoding="utf-8"?>
+<p:sld xmlns:a="http://schemas.openxmlformats.org/drawingml/2006/main" xmlns:r="http://schemas.openxmlformats.org/officeDocument/2006/relationships" xmlns:p="http://schemas.openxmlformats.org/presentationml/2006/main">
+  <p:cSld>
+    <p:spTree>
+      <p:nvGrpSpPr>
+        <p:cNvPr id="1" name=""/>
+        <p:cNvGrpSpPr/>
+        <p:nvPr/>
+      </p:nvGrpSpPr>
+      <p:grpSpPr>
+        <a:xfrm>
+          <a:off x="0" y="0"/>
+          <a:ext cx="0" cy="0"/>
+          <a:chOff x="0" y="0"/>
+          <a:chExt cx="0" cy="0"/>
+        </a:xfrm>
+      </p:grpSpPr>
+      <p:cxnSp>
+        <p:nvCxnSpPr>
+          <p:cNvPr id="5" name="Straight Connector 4">
+            <a:extLst>
+              <a:ext uri="{FF2B5EF4-FFF2-40B4-BE49-F238E27FC236}">
+                <a16:creationId xmlns:a16="http://schemas.microsoft.com/office/drawing/2014/main" id="{DD3444E0-C95B-418B-9590-457C7FF29DF0}"/>
+              </a:ext>
+            </a:extLst>
+          </p:cNvPr>
+          <p:cNvCxnSpPr/>
+          <p:nvPr/>
+        </p:nvCxnSpPr>
+        <p:spPr>
+          <a:xfrm>
+            <a:off x="0" y="6775858"/>
+            <a:ext cx="12192000" cy="0"/>
+          </a:xfrm>
+          <a:prstGeom prst="line">
+            <a:avLst/>
+          </a:prstGeom>
+          <a:ln w="25400">
+            <a:solidFill>
+              <a:srgbClr val="0021A5"/>
+            </a:solidFill>
+          </a:ln>
+        </p:spPr>
+        <p:style>
+          <a:lnRef idx="1">
+            <a:schemeClr val="accent1"/>
+          </a:lnRef>
+          <a:fillRef idx="0">
+            <a:schemeClr val="accent1"/>
+          </a:fillRef>
+          <a:effectRef idx="0">
+            <a:schemeClr val="accent1"/>
+          </a:effectRef>
+          <a:fontRef idx="minor">
+            <a:schemeClr val="tx1"/>
+          </a:fontRef>
+        </p:style>
+      </p:cxnSp>
+      <p:sp>
+        <p:nvSpPr>
+          <p:cNvPr id="4" name="Rectangle 3">
+            <a:extLst>
+              <a:ext uri="{FF2B5EF4-FFF2-40B4-BE49-F238E27FC236}">
+                <a16:creationId xmlns:a16="http://schemas.microsoft.com/office/drawing/2014/main" id="{D3BD5F43-F7B8-4217-9611-5D1952165A72}"/>
+              </a:ext>
+            </a:extLst>
+          </p:cNvPr>
+          <p:cNvSpPr/>
+          <p:nvPr/>
+        </p:nvSpPr>
+        <p:spPr>
+          <a:xfrm>
+            <a:off x="0" y="0"/>
+            <a:ext cx="12192000" cy="438148"/>
+          </a:xfrm>
+          <a:prstGeom prst="rect">
+            <a:avLst/>
+          </a:prstGeom>
+          <a:solidFill>
+            <a:srgbClr val="0021A5"/>
+          </a:solidFill>
+          <a:ln>
+            <a:solidFill>
+              <a:srgbClr val="0021A5"/>
+            </a:solidFill>
+          </a:ln>
+        </p:spPr>
+        <p:style>
+          <a:lnRef idx="2">
+            <a:schemeClr val="accent1">
+              <a:shade val="50000"/>
+            </a:schemeClr>
+          </a:lnRef>
+          <a:fillRef idx="1">
+            <a:schemeClr val="accent1"/>
+          </a:fillRef>
+          <a:effectRef idx="0">
+            <a:schemeClr val="accent1"/>
+          </a:effectRef>
+          <a:fontRef idx="minor">
+            <a:schemeClr val="lt1"/>
+          </a:fontRef>
+        </p:style>
+        <p:txBody>
+          <a:bodyPr rtlCol="0" anchor="ctr"/>
+          <a:lstStyle/>
+          <a:p>
+            <a:pPr algn="ctr"/>
+            <a:endParaRPr lang="en-US"/>
+          </a:p>
+        </p:txBody>
+      </p:sp>
+      <p:cxnSp>
+        <p:nvCxnSpPr>
+          <p:cNvPr id="6" name="Straight Connector 5">
+            <a:extLst>
+              <a:ext uri="{FF2B5EF4-FFF2-40B4-BE49-F238E27FC236}">
+                <a16:creationId xmlns:a16="http://schemas.microsoft.com/office/drawing/2014/main" id="{D062F9CE-7B12-467C-AF7C-E3BAAF5FE8F8}"/>
+              </a:ext>
+            </a:extLst>
+          </p:cNvPr>
+          <p:cNvCxnSpPr>
+            <a:cxnSpLocks/>
+          </p:cNvCxnSpPr>
+          <p:nvPr/>
+        </p:nvCxnSpPr>
+        <p:spPr>
+          <a:xfrm>
+            <a:off x="244598" y="1010019"/>
+            <a:ext cx="11306175" cy="0"/>
+          </a:xfrm>
+          <a:prstGeom prst="line">
+            <a:avLst/>
+          </a:prstGeom>
+          <a:ln w="19050">
+            <a:solidFill>
+              <a:srgbClr val="FA4616"/>
+            </a:solidFill>
+          </a:ln>
+        </p:spPr>
+        <p:style>
+          <a:lnRef idx="1">
+            <a:schemeClr val="accent1"/>
+          </a:lnRef>
+          <a:fillRef idx="0">
+            <a:schemeClr val="accent1"/>
+          </a:fillRef>
+          <a:effectRef idx="0">
+            <a:schemeClr val="accent1"/>
+          </a:effectRef>
+          <a:fontRef idx="minor">
+            <a:schemeClr val="tx1"/>
+          </a:fontRef>
+        </p:style>
+      </p:cxnSp>
+      <p:cxnSp>
+        <p:nvCxnSpPr>
+          <p:cNvPr id="8" name="Straight Connector 7">
+            <a:extLst>
+              <a:ext uri="{FF2B5EF4-FFF2-40B4-BE49-F238E27FC236}">
+                <a16:creationId xmlns:a16="http://schemas.microsoft.com/office/drawing/2014/main" id="{DC5128E8-2BCE-4DD8-A8F6-550403E78BAF}"/>
+              </a:ext>
+            </a:extLst>
+          </p:cNvPr>
+          <p:cNvCxnSpPr/>
+          <p:nvPr/>
+        </p:nvCxnSpPr>
+        <p:spPr>
+          <a:xfrm>
+            <a:off x="0" y="494779"/>
+            <a:ext cx="12192000" cy="0"/>
+          </a:xfrm>
+          <a:prstGeom prst="line">
+            <a:avLst/>
+          </a:prstGeom>
+          <a:ln w="25400">
+            <a:solidFill>
+              <a:srgbClr val="0021A5"/>
+            </a:solidFill>
+          </a:ln>
+        </p:spPr>
+        <p:style>
+          <a:lnRef idx="1">
+            <a:schemeClr val="accent1"/>
+          </a:lnRef>
+          <a:fillRef idx="0">
+            <a:schemeClr val="accent1"/>
+          </a:fillRef>
+          <a:effectRef idx="0">
+            <a:schemeClr val="accent1"/>
+          </a:effectRef>
+          <a:fontRef idx="minor">
+            <a:schemeClr val="tx1"/>
+          </a:fontRef>
+        </p:style>
+      </p:cxnSp>
+      <p:sp>
+        <p:nvSpPr>
+          <p:cNvPr id="13" name="Footer Placeholder 12">
+            <a:extLst>
+              <a:ext uri="{FF2B5EF4-FFF2-40B4-BE49-F238E27FC236}">
+                <a16:creationId xmlns:a16="http://schemas.microsoft.com/office/drawing/2014/main" id="{E9C4CD01-2D2E-4956-88FB-5E609DBB2AFB}"/>
+              </a:ext>
+            </a:extLst>
+          </p:cNvPr>
+          <p:cNvSpPr>
+            <a:spLocks noGrp="1"/>
+          </p:cNvSpPr>
+          <p:nvPr>
+            <p:ph type="ftr" sz="quarter" idx="11"/>
+          </p:nvPr>
+        </p:nvSpPr>
+        <p:spPr>
+          <a:xfrm>
+            <a:off x="76200" y="44448"/>
+            <a:ext cx="4114800" cy="365125"/>
+          </a:xfrm>
+        </p:spPr>
+        <p:txBody>
+          <a:bodyPr/>
+          <a:lstStyle/>
+          <a:p>
+            <a:pPr algn="l"/>
+            <a:r>
+              <a:rPr lang="en-US" sz="1600" b="1" cap="small" dirty="0">
+                <a:solidFill>
+                  <a:schemeClr val="bg1"/>
+                </a:solidFill>
+              </a:rPr>
+              <a:t>LISA Simulations</a:t>
+            </a:r>
+          </a:p>
+        </p:txBody>
+      </p:sp>
+      <p:sp>
+        <p:nvSpPr>
+          <p:cNvPr id="9" name="TextBox 8">
+            <a:extLst>
+              <a:ext uri="{FF2B5EF4-FFF2-40B4-BE49-F238E27FC236}">
+                <a16:creationId xmlns:a16="http://schemas.microsoft.com/office/drawing/2014/main" id="{8D3DB233-B171-414E-ADFC-8C7A4A5E8C13}"/>
+              </a:ext>
+            </a:extLst>
+          </p:cNvPr>
+          <p:cNvSpPr txBox="1"/>
+          <p:nvPr/>
+        </p:nvSpPr>
+        <p:spPr>
+          <a:xfrm>
+            <a:off x="4258934" y="425978"/>
+            <a:ext cx="5599441" cy="646331"/>
+          </a:xfrm>
+          <a:prstGeom prst="rect">
+            <a:avLst/>
+          </a:prstGeom>
+          <a:noFill/>
+        </p:spPr>
+        <p:txBody>
+          <a:bodyPr wrap="square" rtlCol="0">
+            <a:spAutoFit/>
+          </a:bodyPr>
+          <a:lstStyle/>
+          <a:p>
+            <a:r>
+              <a:rPr lang="en-US" sz="3600" dirty="0"/>
+              <a:t>100 micron</a:t>
+            </a:r>
+            <a:endParaRPr lang="en-US" sz="2400" dirty="0"/>
+          </a:p>
+        </p:txBody>
+      </p:sp>
+      <p:sp>
+        <p:nvSpPr>
+          <p:cNvPr id="19" name="TextBox 18">
+            <a:extLst>
+              <a:ext uri="{FF2B5EF4-FFF2-40B4-BE49-F238E27FC236}">
+                <a16:creationId xmlns:a16="http://schemas.microsoft.com/office/drawing/2014/main" id="{F68109A4-0F15-42B9-A721-873CA127C3E2}"/>
+              </a:ext>
+            </a:extLst>
+          </p:cNvPr>
+          <p:cNvSpPr txBox="1"/>
+          <p:nvPr/>
+        </p:nvSpPr>
+        <p:spPr>
+          <a:xfrm>
+            <a:off x="1476374" y="1010019"/>
+            <a:ext cx="809625" cy="369332"/>
+          </a:xfrm>
+          <a:prstGeom prst="rect">
+            <a:avLst/>
+          </a:prstGeom>
+          <a:noFill/>
+        </p:spPr>
+        <p:txBody>
+          <a:bodyPr wrap="square" rtlCol="0">
+            <a:spAutoFit/>
+          </a:bodyPr>
+          <a:lstStyle/>
+          <a:p>
+            <a:r>
+              <a:rPr lang="en-US" dirty="0"/>
+              <a:t>K=2</a:t>
+            </a:r>
+          </a:p>
+        </p:txBody>
+      </p:sp>
+      <p:sp>
+        <p:nvSpPr>
+          <p:cNvPr id="20" name="TextBox 19">
+            <a:extLst>
+              <a:ext uri="{FF2B5EF4-FFF2-40B4-BE49-F238E27FC236}">
+                <a16:creationId xmlns:a16="http://schemas.microsoft.com/office/drawing/2014/main" id="{CDAE91A2-7738-48DA-8D2D-E7A43C75AFF4}"/>
+              </a:ext>
+            </a:extLst>
+          </p:cNvPr>
+          <p:cNvSpPr txBox="1"/>
+          <p:nvPr/>
+        </p:nvSpPr>
+        <p:spPr>
+          <a:xfrm>
+            <a:off x="4306558" y="1010019"/>
+            <a:ext cx="809625" cy="369332"/>
+          </a:xfrm>
+          <a:prstGeom prst="rect">
+            <a:avLst/>
+          </a:prstGeom>
+          <a:noFill/>
+        </p:spPr>
+        <p:txBody>
+          <a:bodyPr wrap="square" rtlCol="0">
+            <a:spAutoFit/>
+          </a:bodyPr>
+          <a:lstStyle/>
+          <a:p>
+            <a:r>
+              <a:rPr lang="en-US" dirty="0"/>
+              <a:t>K=4</a:t>
+            </a:r>
+          </a:p>
+        </p:txBody>
+      </p:sp>
+      <p:sp>
+        <p:nvSpPr>
+          <p:cNvPr id="21" name="TextBox 20">
+            <a:extLst>
+              <a:ext uri="{FF2B5EF4-FFF2-40B4-BE49-F238E27FC236}">
+                <a16:creationId xmlns:a16="http://schemas.microsoft.com/office/drawing/2014/main" id="{4E1FEBA1-8EFB-4E3F-9335-CE5C410DF67F}"/>
+              </a:ext>
+            </a:extLst>
+          </p:cNvPr>
+          <p:cNvSpPr txBox="1"/>
+          <p:nvPr/>
+        </p:nvSpPr>
+        <p:spPr>
+          <a:xfrm>
+            <a:off x="6935458" y="1015899"/>
+            <a:ext cx="809625" cy="369332"/>
+          </a:xfrm>
+          <a:prstGeom prst="rect">
+            <a:avLst/>
+          </a:prstGeom>
+          <a:noFill/>
+        </p:spPr>
+        <p:txBody>
+          <a:bodyPr wrap="square" rtlCol="0">
+            <a:spAutoFit/>
+          </a:bodyPr>
+          <a:lstStyle/>
+          <a:p>
+            <a:r>
+              <a:rPr lang="en-US" dirty="0"/>
+              <a:t>K=6</a:t>
+            </a:r>
+          </a:p>
+        </p:txBody>
+      </p:sp>
+      <p:sp>
+        <p:nvSpPr>
+          <p:cNvPr id="22" name="TextBox 21">
+            <a:extLst>
+              <a:ext uri="{FF2B5EF4-FFF2-40B4-BE49-F238E27FC236}">
+                <a16:creationId xmlns:a16="http://schemas.microsoft.com/office/drawing/2014/main" id="{B62E3CFA-B0DC-432B-9238-883FABD4FE20}"/>
+              </a:ext>
+            </a:extLst>
+          </p:cNvPr>
+          <p:cNvSpPr txBox="1"/>
+          <p:nvPr/>
+        </p:nvSpPr>
+        <p:spPr>
+          <a:xfrm>
+            <a:off x="9879941" y="1038315"/>
+            <a:ext cx="809625" cy="369332"/>
+          </a:xfrm>
+          <a:prstGeom prst="rect">
+            <a:avLst/>
+          </a:prstGeom>
+          <a:noFill/>
+        </p:spPr>
+        <p:txBody>
+          <a:bodyPr wrap="square" rtlCol="0">
+            <a:spAutoFit/>
+          </a:bodyPr>
+          <a:lstStyle/>
+          <a:p>
+            <a:r>
+              <a:rPr lang="en-US" dirty="0"/>
+              <a:t>K=8</a:t>
+            </a:r>
+          </a:p>
+        </p:txBody>
+      </p:sp>
+      <p:pic>
+        <p:nvPicPr>
+          <p:cNvPr id="12" name="Picture 11" descr="A close up of a logo&#10;&#10;Description automatically generated">
+            <a:extLst>
+              <a:ext uri="{FF2B5EF4-FFF2-40B4-BE49-F238E27FC236}">
+                <a16:creationId xmlns:a16="http://schemas.microsoft.com/office/drawing/2014/main" id="{84ED7C2B-A7CC-4153-9F09-AD1E43261213}"/>
+              </a:ext>
+            </a:extLst>
+          </p:cNvPr>
+          <p:cNvPicPr>
+            <a:picLocks noChangeAspect="1"/>
+          </p:cNvPicPr>
+          <p:nvPr/>
+        </p:nvPicPr>
+        <p:blipFill>
+          <a:blip r:embed="rId2">
+            <a:extLst>
+              <a:ext uri="{28A0092B-C50C-407E-A947-70E740481C1C}">
+                <a14:useLocalDpi xmlns:a14="http://schemas.microsoft.com/office/drawing/2010/main" val="0"/>
+              </a:ext>
+            </a:extLst>
+          </a:blip>
+          <a:stretch>
+            <a:fillRect/>
+          </a:stretch>
+        </p:blipFill>
+        <p:spPr>
+          <a:xfrm>
+            <a:off x="873022" y="1290403"/>
+            <a:ext cx="1804034" cy="2287765"/>
+          </a:xfrm>
+          <a:prstGeom prst="rect">
+            <a:avLst/>
+          </a:prstGeom>
+        </p:spPr>
+      </p:pic>
+      <p:pic>
+        <p:nvPicPr>
+          <p:cNvPr id="3" name="Picture 2" descr="A close up of a logo&#10;&#10;Description automatically generated">
+            <a:extLst>
+              <a:ext uri="{FF2B5EF4-FFF2-40B4-BE49-F238E27FC236}">
+                <a16:creationId xmlns:a16="http://schemas.microsoft.com/office/drawing/2014/main" id="{CE0BE957-4BFD-4D52-9F2C-E2D926A69653}"/>
+              </a:ext>
+            </a:extLst>
+          </p:cNvPr>
+          <p:cNvPicPr>
+            <a:picLocks noChangeAspect="1"/>
+          </p:cNvPicPr>
+          <p:nvPr/>
+        </p:nvPicPr>
+        <p:blipFill>
+          <a:blip r:embed="rId3">
+            <a:extLst>
+              <a:ext uri="{28A0092B-C50C-407E-A947-70E740481C1C}">
+                <a14:useLocalDpi xmlns:a14="http://schemas.microsoft.com/office/drawing/2010/main" val="0"/>
+              </a:ext>
+            </a:extLst>
+          </a:blip>
+          <a:stretch>
+            <a:fillRect/>
+          </a:stretch>
+        </p:blipFill>
+        <p:spPr>
+          <a:xfrm>
+            <a:off x="509917" y="3554333"/>
+            <a:ext cx="2557133" cy="3160680"/>
+          </a:xfrm>
+          <a:prstGeom prst="rect">
+            <a:avLst/>
+          </a:prstGeom>
+        </p:spPr>
+      </p:pic>
+      <p:pic>
+        <p:nvPicPr>
+          <p:cNvPr id="10" name="Picture 9">
+            <a:extLst>
+              <a:ext uri="{FF2B5EF4-FFF2-40B4-BE49-F238E27FC236}">
+                <a16:creationId xmlns:a16="http://schemas.microsoft.com/office/drawing/2014/main" id="{83CF6421-B57F-4683-B043-41EC181EB147}"/>
+              </a:ext>
+            </a:extLst>
+          </p:cNvPr>
+          <p:cNvPicPr>
+            <a:picLocks noChangeAspect="1"/>
+          </p:cNvPicPr>
+          <p:nvPr/>
+        </p:nvPicPr>
+        <p:blipFill>
+          <a:blip r:embed="rId4">
+            <a:extLst>
+              <a:ext uri="{28A0092B-C50C-407E-A947-70E740481C1C}">
+                <a14:useLocalDpi xmlns:a14="http://schemas.microsoft.com/office/drawing/2010/main" val="0"/>
+              </a:ext>
+            </a:extLst>
+          </a:blip>
+          <a:stretch>
+            <a:fillRect/>
+          </a:stretch>
+        </p:blipFill>
+        <p:spPr>
+          <a:xfrm>
+            <a:off x="3613869" y="1290404"/>
+            <a:ext cx="1805484" cy="2263930"/>
+          </a:xfrm>
+          <a:prstGeom prst="rect">
+            <a:avLst/>
+          </a:prstGeom>
+        </p:spPr>
+      </p:pic>
+      <p:pic>
+        <p:nvPicPr>
+          <p:cNvPr id="14" name="Picture 13" descr="A close up of a logo&#10;&#10;Description automatically generated">
+            <a:extLst>
+              <a:ext uri="{FF2B5EF4-FFF2-40B4-BE49-F238E27FC236}">
+                <a16:creationId xmlns:a16="http://schemas.microsoft.com/office/drawing/2014/main" id="{01D5D1E3-0990-4E47-8B80-136CE3D13ED9}"/>
+              </a:ext>
+            </a:extLst>
+          </p:cNvPr>
+          <p:cNvPicPr>
+            <a:picLocks noChangeAspect="1"/>
+          </p:cNvPicPr>
+          <p:nvPr/>
+        </p:nvPicPr>
+        <p:blipFill>
+          <a:blip r:embed="rId5">
+            <a:extLst>
+              <a:ext uri="{28A0092B-C50C-407E-A947-70E740481C1C}">
+                <a14:useLocalDpi xmlns:a14="http://schemas.microsoft.com/office/drawing/2010/main" val="0"/>
+              </a:ext>
+            </a:extLst>
+          </a:blip>
+          <a:stretch>
+            <a:fillRect/>
+          </a:stretch>
+        </p:blipFill>
+        <p:spPr>
+          <a:xfrm>
+            <a:off x="3283402" y="3581815"/>
+            <a:ext cx="2557133" cy="3146936"/>
+          </a:xfrm>
+          <a:prstGeom prst="rect">
+            <a:avLst/>
+          </a:prstGeom>
+        </p:spPr>
+      </p:pic>
+      <p:pic>
+        <p:nvPicPr>
+          <p:cNvPr id="16" name="Picture 15">
+            <a:extLst>
+              <a:ext uri="{FF2B5EF4-FFF2-40B4-BE49-F238E27FC236}">
+                <a16:creationId xmlns:a16="http://schemas.microsoft.com/office/drawing/2014/main" id="{69DFD42E-46CB-4C78-B6ED-F8575DB7A1BC}"/>
+              </a:ext>
+            </a:extLst>
+          </p:cNvPr>
+          <p:cNvPicPr>
+            <a:picLocks noChangeAspect="1"/>
+          </p:cNvPicPr>
+          <p:nvPr/>
+        </p:nvPicPr>
+        <p:blipFill>
+          <a:blip r:embed="rId6">
+            <a:extLst>
+              <a:ext uri="{28A0092B-C50C-407E-A947-70E740481C1C}">
+                <a14:useLocalDpi xmlns:a14="http://schemas.microsoft.com/office/drawing/2010/main" val="0"/>
+              </a:ext>
+            </a:extLst>
+          </a:blip>
+          <a:stretch>
+            <a:fillRect/>
+          </a:stretch>
+        </p:blipFill>
+        <p:spPr>
+          <a:xfrm>
+            <a:off x="6367721" y="1292175"/>
+            <a:ext cx="1805484" cy="2260387"/>
+          </a:xfrm>
+          <a:prstGeom prst="rect">
+            <a:avLst/>
+          </a:prstGeom>
+        </p:spPr>
+      </p:pic>
+      <p:pic>
+        <p:nvPicPr>
+          <p:cNvPr id="18" name="Picture 17" descr="A picture containing green, blue, food, white&#10;&#10;Description automatically generated">
+            <a:extLst>
+              <a:ext uri="{FF2B5EF4-FFF2-40B4-BE49-F238E27FC236}">
+                <a16:creationId xmlns:a16="http://schemas.microsoft.com/office/drawing/2014/main" id="{AA7E2378-79C5-4C9C-8250-98B0B17C1E1F}"/>
+              </a:ext>
+            </a:extLst>
+          </p:cNvPr>
+          <p:cNvPicPr>
+            <a:picLocks noChangeAspect="1"/>
+          </p:cNvPicPr>
+          <p:nvPr/>
+        </p:nvPicPr>
+        <p:blipFill>
+          <a:blip r:embed="rId7">
+            <a:extLst>
+              <a:ext uri="{28A0092B-C50C-407E-A947-70E740481C1C}">
+                <a14:useLocalDpi xmlns:a14="http://schemas.microsoft.com/office/drawing/2010/main" val="0"/>
+              </a:ext>
+            </a:extLst>
+          </a:blip>
+          <a:stretch>
+            <a:fillRect/>
+          </a:stretch>
+        </p:blipFill>
+        <p:spPr>
+          <a:xfrm>
+            <a:off x="6105075" y="3543528"/>
+            <a:ext cx="2557133" cy="3220389"/>
+          </a:xfrm>
+          <a:prstGeom prst="rect">
+            <a:avLst/>
+          </a:prstGeom>
+        </p:spPr>
+      </p:pic>
+      <p:pic>
+        <p:nvPicPr>
+          <p:cNvPr id="24" name="Picture 23" descr="A picture containing transport, balloon, aircraft&#10;&#10;Description automatically generated">
+            <a:extLst>
+              <a:ext uri="{FF2B5EF4-FFF2-40B4-BE49-F238E27FC236}">
+                <a16:creationId xmlns:a16="http://schemas.microsoft.com/office/drawing/2014/main" id="{77BE76C2-5FD0-4020-9DC8-33860ED39023}"/>
+              </a:ext>
+            </a:extLst>
+          </p:cNvPr>
+          <p:cNvPicPr>
+            <a:picLocks noChangeAspect="1"/>
+          </p:cNvPicPr>
+          <p:nvPr/>
+        </p:nvPicPr>
+        <p:blipFill>
+          <a:blip r:embed="rId8">
+            <a:extLst>
+              <a:ext uri="{28A0092B-C50C-407E-A947-70E740481C1C}">
+                <a14:useLocalDpi xmlns:a14="http://schemas.microsoft.com/office/drawing/2010/main" val="0"/>
+              </a:ext>
+            </a:extLst>
+          </a:blip>
+          <a:stretch>
+            <a:fillRect/>
+          </a:stretch>
+        </p:blipFill>
+        <p:spPr>
+          <a:xfrm>
+            <a:off x="9347930" y="1314956"/>
+            <a:ext cx="1805484" cy="2263212"/>
+          </a:xfrm>
+          <a:prstGeom prst="rect">
+            <a:avLst/>
+          </a:prstGeom>
+        </p:spPr>
+      </p:pic>
+      <p:pic>
+        <p:nvPicPr>
+          <p:cNvPr id="26" name="Picture 25" descr="A close up of a logo&#10;&#10;Description automatically generated">
+            <a:extLst>
+              <a:ext uri="{FF2B5EF4-FFF2-40B4-BE49-F238E27FC236}">
+                <a16:creationId xmlns:a16="http://schemas.microsoft.com/office/drawing/2014/main" id="{9B5A322C-CB27-467A-8446-4756A1E1A269}"/>
+              </a:ext>
+            </a:extLst>
+          </p:cNvPr>
+          <p:cNvPicPr>
+            <a:picLocks noChangeAspect="1"/>
+          </p:cNvPicPr>
+          <p:nvPr/>
+        </p:nvPicPr>
+        <p:blipFill>
+          <a:blip r:embed="rId9">
+            <a:extLst>
+              <a:ext uri="{28A0092B-C50C-407E-A947-70E740481C1C}">
+                <a14:useLocalDpi xmlns:a14="http://schemas.microsoft.com/office/drawing/2010/main" val="0"/>
+              </a:ext>
+            </a:extLst>
+          </a:blip>
+          <a:stretch>
+            <a:fillRect/>
+          </a:stretch>
+        </p:blipFill>
+        <p:spPr>
+          <a:xfrm>
+            <a:off x="8949873" y="3524505"/>
+            <a:ext cx="2612609" cy="3223296"/>
+          </a:xfrm>
+          <a:prstGeom prst="rect">
+            <a:avLst/>
+          </a:prstGeom>
+        </p:spPr>
+      </p:pic>
+      <p:sp>
+        <p:nvSpPr>
+          <p:cNvPr id="27" name="Slide Number Placeholder 26">
+            <a:extLst>
+              <a:ext uri="{FF2B5EF4-FFF2-40B4-BE49-F238E27FC236}">
+                <a16:creationId xmlns:a16="http://schemas.microsoft.com/office/drawing/2014/main" id="{F62F656F-3723-4787-A81A-44439D7A74D8}"/>
+              </a:ext>
+            </a:extLst>
+          </p:cNvPr>
+          <p:cNvSpPr>
+            <a:spLocks noGrp="1"/>
+          </p:cNvSpPr>
+          <p:nvPr>
+            <p:ph type="sldNum" sz="quarter" idx="12"/>
+          </p:nvPr>
+        </p:nvSpPr>
+        <p:spPr/>
+        <p:txBody>
+          <a:bodyPr/>
+          <a:lstStyle/>
+          <a:p>
+            <a:fld id="{01DD9B2E-0F68-4E36-8E5A-BCFDBE11C298}" type="slidenum">
+              <a:rPr lang="en-US" smtClean="0"/>
+              <a:t>7</a:t>
+            </a:fld>
+            <a:endParaRPr lang="en-US"/>
+          </a:p>
+        </p:txBody>
+      </p:sp>
+    </p:spTree>
+    <p:extLst>
+      <p:ext uri="{BB962C8B-B14F-4D97-AF65-F5344CB8AC3E}">
+        <p14:creationId xmlns:p14="http://schemas.microsoft.com/office/powerpoint/2010/main" val="1606928939"/>
+      </p:ext>
+    </p:extLst>
+  </p:cSld>
+  <p:clrMapOvr>
+    <a:masterClrMapping/>
+  </p:clrMapOvr>
+</p:sld>
+</file>
+
+<file path=ppt/slides/slide8.xml><?xml version="1.0" encoding="utf-8"?>
+<p:sld xmlns:a="http://schemas.openxmlformats.org/drawingml/2006/main" xmlns:r="http://schemas.openxmlformats.org/officeDocument/2006/relationships" xmlns:p="http://schemas.openxmlformats.org/presentationml/2006/main">
+  <p:cSld>
+    <p:spTree>
+      <p:nvGrpSpPr>
+        <p:cNvPr id="1" name=""/>
+        <p:cNvGrpSpPr/>
+        <p:nvPr/>
+      </p:nvGrpSpPr>
+      <p:grpSpPr>
+        <a:xfrm>
+          <a:off x="0" y="0"/>
+          <a:ext cx="0" cy="0"/>
+          <a:chOff x="0" y="0"/>
+          <a:chExt cx="0" cy="0"/>
+        </a:xfrm>
+      </p:grpSpPr>
+      <p:cxnSp>
+        <p:nvCxnSpPr>
+          <p:cNvPr id="5" name="Straight Connector 4">
+            <a:extLst>
+              <a:ext uri="{FF2B5EF4-FFF2-40B4-BE49-F238E27FC236}">
+                <a16:creationId xmlns:a16="http://schemas.microsoft.com/office/drawing/2014/main" id="{DD3444E0-C95B-418B-9590-457C7FF29DF0}"/>
+              </a:ext>
+            </a:extLst>
+          </p:cNvPr>
+          <p:cNvCxnSpPr/>
+          <p:nvPr/>
+        </p:nvCxnSpPr>
+        <p:spPr>
+          <a:xfrm>
+            <a:off x="0" y="6785383"/>
+            <a:ext cx="12192000" cy="0"/>
+          </a:xfrm>
+          <a:prstGeom prst="line">
+            <a:avLst/>
+          </a:prstGeom>
+          <a:ln w="25400">
+            <a:solidFill>
+              <a:srgbClr val="0021A5"/>
+            </a:solidFill>
+          </a:ln>
+        </p:spPr>
+        <p:style>
+          <a:lnRef idx="1">
+            <a:schemeClr val="accent1"/>
+          </a:lnRef>
+          <a:fillRef idx="0">
+            <a:schemeClr val="accent1"/>
+          </a:fillRef>
+          <a:effectRef idx="0">
+            <a:schemeClr val="accent1"/>
+          </a:effectRef>
+          <a:fontRef idx="minor">
+            <a:schemeClr val="tx1"/>
+          </a:fontRef>
+        </p:style>
+      </p:cxnSp>
+      <p:sp>
+        <p:nvSpPr>
+          <p:cNvPr id="4" name="Rectangle 3">
+            <a:extLst>
+              <a:ext uri="{FF2B5EF4-FFF2-40B4-BE49-F238E27FC236}">
+                <a16:creationId xmlns:a16="http://schemas.microsoft.com/office/drawing/2014/main" id="{D3BD5F43-F7B8-4217-9611-5D1952165A72}"/>
+              </a:ext>
+            </a:extLst>
+          </p:cNvPr>
+          <p:cNvSpPr/>
+          <p:nvPr/>
+        </p:nvSpPr>
+        <p:spPr>
+          <a:xfrm>
+            <a:off x="0" y="0"/>
+            <a:ext cx="12192000" cy="438148"/>
+          </a:xfrm>
+          <a:prstGeom prst="rect">
+            <a:avLst/>
+          </a:prstGeom>
+          <a:solidFill>
+            <a:srgbClr val="0021A5"/>
+          </a:solidFill>
+          <a:ln>
+            <a:solidFill>
+              <a:srgbClr val="0021A5"/>
+            </a:solidFill>
+          </a:ln>
+        </p:spPr>
+        <p:style>
+          <a:lnRef idx="2">
+            <a:schemeClr val="accent1">
+              <a:shade val="50000"/>
+            </a:schemeClr>
+          </a:lnRef>
+          <a:fillRef idx="1">
+            <a:schemeClr val="accent1"/>
+          </a:fillRef>
+          <a:effectRef idx="0">
+            <a:schemeClr val="accent1"/>
+          </a:effectRef>
+          <a:fontRef idx="minor">
+            <a:schemeClr val="lt1"/>
+          </a:fontRef>
+        </p:style>
+        <p:txBody>
+          <a:bodyPr rtlCol="0" anchor="ctr"/>
+          <a:lstStyle/>
+          <a:p>
+            <a:pPr algn="ctr"/>
+            <a:endParaRPr lang="en-US"/>
+          </a:p>
+        </p:txBody>
+      </p:sp>
+      <p:cxnSp>
+        <p:nvCxnSpPr>
+          <p:cNvPr id="6" name="Straight Connector 5">
+            <a:extLst>
+              <a:ext uri="{FF2B5EF4-FFF2-40B4-BE49-F238E27FC236}">
+                <a16:creationId xmlns:a16="http://schemas.microsoft.com/office/drawing/2014/main" id="{D062F9CE-7B12-467C-AF7C-E3BAAF5FE8F8}"/>
+              </a:ext>
+            </a:extLst>
+          </p:cNvPr>
+          <p:cNvCxnSpPr>
+            <a:cxnSpLocks/>
+          </p:cNvCxnSpPr>
+          <p:nvPr/>
+        </p:nvCxnSpPr>
+        <p:spPr>
+          <a:xfrm>
+            <a:off x="244598" y="1010019"/>
+            <a:ext cx="11306175" cy="0"/>
+          </a:xfrm>
+          <a:prstGeom prst="line">
+            <a:avLst/>
+          </a:prstGeom>
+          <a:ln w="19050">
+            <a:solidFill>
+              <a:srgbClr val="FA4616"/>
+            </a:solidFill>
+          </a:ln>
+        </p:spPr>
+        <p:style>
+          <a:lnRef idx="1">
+            <a:schemeClr val="accent1"/>
+          </a:lnRef>
+          <a:fillRef idx="0">
+            <a:schemeClr val="accent1"/>
+          </a:fillRef>
+          <a:effectRef idx="0">
+            <a:schemeClr val="accent1"/>
+          </a:effectRef>
+          <a:fontRef idx="minor">
+            <a:schemeClr val="tx1"/>
+          </a:fontRef>
+        </p:style>
+      </p:cxnSp>
+      <p:cxnSp>
+        <p:nvCxnSpPr>
+          <p:cNvPr id="8" name="Straight Connector 7">
+            <a:extLst>
+              <a:ext uri="{FF2B5EF4-FFF2-40B4-BE49-F238E27FC236}">
+                <a16:creationId xmlns:a16="http://schemas.microsoft.com/office/drawing/2014/main" id="{DC5128E8-2BCE-4DD8-A8F6-550403E78BAF}"/>
+              </a:ext>
+            </a:extLst>
+          </p:cNvPr>
+          <p:cNvCxnSpPr/>
+          <p:nvPr/>
+        </p:nvCxnSpPr>
+        <p:spPr>
+          <a:xfrm>
+            <a:off x="0" y="494779"/>
+            <a:ext cx="12192000" cy="0"/>
+          </a:xfrm>
+          <a:prstGeom prst="line">
+            <a:avLst/>
+          </a:prstGeom>
+          <a:ln w="25400">
+            <a:solidFill>
+              <a:srgbClr val="0021A5"/>
+            </a:solidFill>
+          </a:ln>
+        </p:spPr>
+        <p:style>
+          <a:lnRef idx="1">
+            <a:schemeClr val="accent1"/>
+          </a:lnRef>
+          <a:fillRef idx="0">
+            <a:schemeClr val="accent1"/>
+          </a:fillRef>
+          <a:effectRef idx="0">
+            <a:schemeClr val="accent1"/>
+          </a:effectRef>
+          <a:fontRef idx="minor">
+            <a:schemeClr val="tx1"/>
+          </a:fontRef>
+        </p:style>
+      </p:cxnSp>
+      <p:sp>
+        <p:nvSpPr>
+          <p:cNvPr id="13" name="Footer Placeholder 12">
+            <a:extLst>
+              <a:ext uri="{FF2B5EF4-FFF2-40B4-BE49-F238E27FC236}">
+                <a16:creationId xmlns:a16="http://schemas.microsoft.com/office/drawing/2014/main" id="{E9C4CD01-2D2E-4956-88FB-5E609DBB2AFB}"/>
+              </a:ext>
+            </a:extLst>
+          </p:cNvPr>
+          <p:cNvSpPr>
+            <a:spLocks noGrp="1"/>
+          </p:cNvSpPr>
+          <p:nvPr>
+            <p:ph type="ftr" sz="quarter" idx="11"/>
+          </p:nvPr>
+        </p:nvSpPr>
+        <p:spPr>
+          <a:xfrm>
+            <a:off x="76200" y="44448"/>
+            <a:ext cx="4114800" cy="365125"/>
+          </a:xfrm>
+        </p:spPr>
+        <p:txBody>
+          <a:bodyPr/>
+          <a:lstStyle/>
+          <a:p>
+            <a:pPr algn="l"/>
+            <a:r>
+              <a:rPr lang="en-US" sz="1600" b="1" cap="small" dirty="0">
+                <a:solidFill>
+                  <a:schemeClr val="bg1"/>
+                </a:solidFill>
+              </a:rPr>
+              <a:t>LISA Simulations</a:t>
+            </a:r>
+          </a:p>
+        </p:txBody>
+      </p:sp>
+      <p:sp>
+        <p:nvSpPr>
+          <p:cNvPr id="9" name="TextBox 8">
+            <a:extLst>
+              <a:ext uri="{FF2B5EF4-FFF2-40B4-BE49-F238E27FC236}">
+                <a16:creationId xmlns:a16="http://schemas.microsoft.com/office/drawing/2014/main" id="{8D3DB233-B171-414E-ADFC-8C7A4A5E8C13}"/>
+              </a:ext>
+            </a:extLst>
+          </p:cNvPr>
+          <p:cNvSpPr txBox="1"/>
+          <p:nvPr/>
+        </p:nvSpPr>
+        <p:spPr>
+          <a:xfrm>
+            <a:off x="2839709" y="364106"/>
+            <a:ext cx="6713866" cy="646331"/>
+          </a:xfrm>
+          <a:prstGeom prst="rect">
+            <a:avLst/>
+          </a:prstGeom>
+          <a:noFill/>
+        </p:spPr>
+        <p:txBody>
+          <a:bodyPr wrap="square" rtlCol="0">
+            <a:spAutoFit/>
+          </a:bodyPr>
+          <a:lstStyle/>
+          <a:p>
+            <a:pPr algn="ctr"/>
+            <a:r>
+              <a:rPr lang="en-US" sz="3600" dirty="0"/>
+              <a:t>75 micron (</a:t>
+            </a:r>
+            <a:r>
+              <a:rPr lang="en-US" sz="3600" i="1" dirty="0"/>
+              <a:t>revisited</a:t>
+            </a:r>
+            <a:r>
+              <a:rPr lang="en-US" sz="3600" dirty="0"/>
+              <a:t>)</a:t>
+            </a:r>
+            <a:endParaRPr lang="en-US" sz="2400" dirty="0"/>
+          </a:p>
+        </p:txBody>
+      </p:sp>
+      <p:sp>
+        <p:nvSpPr>
+          <p:cNvPr id="22" name="TextBox 21">
+            <a:extLst>
+              <a:ext uri="{FF2B5EF4-FFF2-40B4-BE49-F238E27FC236}">
+                <a16:creationId xmlns:a16="http://schemas.microsoft.com/office/drawing/2014/main" id="{B62E3CFA-B0DC-432B-9238-883FABD4FE20}"/>
+              </a:ext>
+            </a:extLst>
+          </p:cNvPr>
+          <p:cNvSpPr txBox="1"/>
+          <p:nvPr/>
+        </p:nvSpPr>
+        <p:spPr>
+          <a:xfrm>
+            <a:off x="1381125" y="964204"/>
+            <a:ext cx="809625" cy="369332"/>
+          </a:xfrm>
+          <a:prstGeom prst="rect">
+            <a:avLst/>
+          </a:prstGeom>
+          <a:noFill/>
+        </p:spPr>
+        <p:txBody>
+          <a:bodyPr wrap="square" rtlCol="0">
+            <a:spAutoFit/>
+          </a:bodyPr>
+          <a:lstStyle/>
+          <a:p>
+            <a:r>
+              <a:rPr lang="en-US" dirty="0"/>
+              <a:t>K=8</a:t>
+            </a:r>
+          </a:p>
+        </p:txBody>
+      </p:sp>
+      <p:pic>
+        <p:nvPicPr>
+          <p:cNvPr id="25" name="Picture 24" descr="A picture containing transport, balloon&#10;&#10;Description automatically generated">
+            <a:extLst>
+              <a:ext uri="{FF2B5EF4-FFF2-40B4-BE49-F238E27FC236}">
+                <a16:creationId xmlns:a16="http://schemas.microsoft.com/office/drawing/2014/main" id="{091D497C-C8B0-4337-B19A-A40C72121A57}"/>
+              </a:ext>
+            </a:extLst>
+          </p:cNvPr>
+          <p:cNvPicPr>
+            <a:picLocks noChangeAspect="1"/>
+          </p:cNvPicPr>
+          <p:nvPr/>
+        </p:nvPicPr>
+        <p:blipFill>
+          <a:blip r:embed="rId2">
+            <a:extLst>
+              <a:ext uri="{28A0092B-C50C-407E-A947-70E740481C1C}">
+                <a14:useLocalDpi xmlns:a14="http://schemas.microsoft.com/office/drawing/2010/main" val="0"/>
+              </a:ext>
+            </a:extLst>
+          </a:blip>
+          <a:stretch>
+            <a:fillRect/>
+          </a:stretch>
+        </p:blipFill>
+        <p:spPr>
+          <a:xfrm>
+            <a:off x="881969" y="1287719"/>
+            <a:ext cx="1856194" cy="2326820"/>
+          </a:xfrm>
+          <a:prstGeom prst="rect">
+            <a:avLst/>
+          </a:prstGeom>
+        </p:spPr>
+      </p:pic>
+      <p:pic>
+        <p:nvPicPr>
+          <p:cNvPr id="27" name="Picture 26" descr="A close up of a logo&#10;&#10;Description automatically generated">
+            <a:extLst>
+              <a:ext uri="{FF2B5EF4-FFF2-40B4-BE49-F238E27FC236}">
+                <a16:creationId xmlns:a16="http://schemas.microsoft.com/office/drawing/2014/main" id="{CAF1540D-9FB0-4029-8895-BD2927300179}"/>
+              </a:ext>
+            </a:extLst>
+          </p:cNvPr>
+          <p:cNvPicPr>
+            <a:picLocks noChangeAspect="1"/>
+          </p:cNvPicPr>
+          <p:nvPr/>
+        </p:nvPicPr>
+        <p:blipFill>
+          <a:blip r:embed="rId3">
+            <a:extLst>
+              <a:ext uri="{28A0092B-C50C-407E-A947-70E740481C1C}">
+                <a14:useLocalDpi xmlns:a14="http://schemas.microsoft.com/office/drawing/2010/main" val="0"/>
+              </a:ext>
+            </a:extLst>
+          </a:blip>
+          <a:stretch>
+            <a:fillRect/>
+          </a:stretch>
+        </p:blipFill>
+        <p:spPr>
+          <a:xfrm>
+            <a:off x="607897" y="3614539"/>
+            <a:ext cx="2519359" cy="3085637"/>
+          </a:xfrm>
+          <a:prstGeom prst="rect">
+            <a:avLst/>
+          </a:prstGeom>
+        </p:spPr>
+      </p:pic>
+      <p:pic>
+        <p:nvPicPr>
+          <p:cNvPr id="7" name="Picture 6" descr="A picture containing transport, balloon&#10;&#10;Description automatically generated">
+            <a:extLst>
+              <a:ext uri="{FF2B5EF4-FFF2-40B4-BE49-F238E27FC236}">
+                <a16:creationId xmlns:a16="http://schemas.microsoft.com/office/drawing/2014/main" id="{58F39E7F-FDAB-4385-A6CD-47F14EA75A5B}"/>
+              </a:ext>
+            </a:extLst>
+          </p:cNvPr>
+          <p:cNvPicPr>
+            <a:picLocks noChangeAspect="1"/>
+          </p:cNvPicPr>
+          <p:nvPr/>
+        </p:nvPicPr>
+        <p:blipFill>
+          <a:blip r:embed="rId4">
+            <a:extLst>
+              <a:ext uri="{28A0092B-C50C-407E-A947-70E740481C1C}">
+                <a14:useLocalDpi xmlns:a14="http://schemas.microsoft.com/office/drawing/2010/main" val="0"/>
+              </a:ext>
+            </a:extLst>
+          </a:blip>
+          <a:stretch>
+            <a:fillRect/>
+          </a:stretch>
+        </p:blipFill>
+        <p:spPr>
+          <a:xfrm>
+            <a:off x="4292495" y="1287719"/>
+            <a:ext cx="1877212" cy="2326809"/>
+          </a:xfrm>
+          <a:prstGeom prst="rect">
+            <a:avLst/>
+          </a:prstGeom>
+        </p:spPr>
+      </p:pic>
+      <p:pic>
+        <p:nvPicPr>
+          <p:cNvPr id="14" name="Picture 13" descr="A close up of a logo&#10;&#10;Description automatically generated">
+            <a:extLst>
+              <a:ext uri="{FF2B5EF4-FFF2-40B4-BE49-F238E27FC236}">
+                <a16:creationId xmlns:a16="http://schemas.microsoft.com/office/drawing/2014/main" id="{B6174329-4CBF-4274-8181-2917E785F82E}"/>
+              </a:ext>
+            </a:extLst>
+          </p:cNvPr>
+          <p:cNvPicPr>
+            <a:picLocks noChangeAspect="1"/>
+          </p:cNvPicPr>
+          <p:nvPr/>
+        </p:nvPicPr>
+        <p:blipFill>
+          <a:blip r:embed="rId5">
+            <a:extLst>
+              <a:ext uri="{28A0092B-C50C-407E-A947-70E740481C1C}">
+                <a14:useLocalDpi xmlns:a14="http://schemas.microsoft.com/office/drawing/2010/main" val="0"/>
+              </a:ext>
+            </a:extLst>
+          </a:blip>
+          <a:stretch>
+            <a:fillRect/>
+          </a:stretch>
+        </p:blipFill>
+        <p:spPr>
+          <a:xfrm>
+            <a:off x="4049632" y="3564562"/>
+            <a:ext cx="2591538" cy="3199430"/>
+          </a:xfrm>
+          <a:prstGeom prst="rect">
+            <a:avLst/>
+          </a:prstGeom>
+        </p:spPr>
+      </p:pic>
+      <p:sp>
+        <p:nvSpPr>
+          <p:cNvPr id="24" name="TextBox 23">
+            <a:extLst>
+              <a:ext uri="{FF2B5EF4-FFF2-40B4-BE49-F238E27FC236}">
+                <a16:creationId xmlns:a16="http://schemas.microsoft.com/office/drawing/2014/main" id="{4D7E32D4-62D6-477C-88D8-64B9C0D5E1D4}"/>
+              </a:ext>
+            </a:extLst>
+          </p:cNvPr>
+          <p:cNvSpPr txBox="1"/>
+          <p:nvPr/>
+        </p:nvSpPr>
+        <p:spPr>
+          <a:xfrm>
+            <a:off x="4848225" y="980676"/>
+            <a:ext cx="809625" cy="369332"/>
+          </a:xfrm>
+          <a:prstGeom prst="rect">
+            <a:avLst/>
+          </a:prstGeom>
+          <a:noFill/>
+        </p:spPr>
+        <p:txBody>
+          <a:bodyPr wrap="square" rtlCol="0">
+            <a:spAutoFit/>
+          </a:bodyPr>
+          <a:lstStyle/>
+          <a:p>
+            <a:r>
+              <a:rPr lang="en-US" dirty="0"/>
+              <a:t>K=10</a:t>
+            </a:r>
+          </a:p>
+        </p:txBody>
+      </p:sp>
+      <p:pic>
+        <p:nvPicPr>
+          <p:cNvPr id="18" name="Picture 17" descr="A picture containing transport, balloon&#10;&#10;Description automatically generated">
+            <a:extLst>
+              <a:ext uri="{FF2B5EF4-FFF2-40B4-BE49-F238E27FC236}">
+                <a16:creationId xmlns:a16="http://schemas.microsoft.com/office/drawing/2014/main" id="{5B8EB3E3-7C76-498C-8914-8C5120510CA8}"/>
+              </a:ext>
+            </a:extLst>
+          </p:cNvPr>
+          <p:cNvPicPr>
+            <a:picLocks noChangeAspect="1"/>
+          </p:cNvPicPr>
+          <p:nvPr/>
+        </p:nvPicPr>
+        <p:blipFill>
+          <a:blip r:embed="rId6">
+            <a:extLst>
+              <a:ext uri="{28A0092B-C50C-407E-A947-70E740481C1C}">
+                <a14:useLocalDpi xmlns:a14="http://schemas.microsoft.com/office/drawing/2010/main" val="0"/>
+              </a:ext>
+            </a:extLst>
+          </a:blip>
+          <a:stretch>
+            <a:fillRect/>
+          </a:stretch>
+        </p:blipFill>
+        <p:spPr>
+          <a:xfrm>
+            <a:off x="8076165" y="1320340"/>
+            <a:ext cx="1877212" cy="2345062"/>
+          </a:xfrm>
+          <a:prstGeom prst="rect">
+            <a:avLst/>
+          </a:prstGeom>
+        </p:spPr>
+      </p:pic>
+      <p:pic>
+        <p:nvPicPr>
+          <p:cNvPr id="28" name="Picture 27" descr="A close up of a logo&#10;&#10;Description automatically generated">
+            <a:extLst>
+              <a:ext uri="{FF2B5EF4-FFF2-40B4-BE49-F238E27FC236}">
+                <a16:creationId xmlns:a16="http://schemas.microsoft.com/office/drawing/2014/main" id="{4EFD6FDA-5BFA-45B9-8C38-C75EEA6AE823}"/>
+              </a:ext>
+            </a:extLst>
+          </p:cNvPr>
+          <p:cNvPicPr>
+            <a:picLocks noChangeAspect="1"/>
+          </p:cNvPicPr>
+          <p:nvPr/>
+        </p:nvPicPr>
+        <p:blipFill>
+          <a:blip r:embed="rId7">
+            <a:extLst>
+              <a:ext uri="{28A0092B-C50C-407E-A947-70E740481C1C}">
+                <a14:useLocalDpi xmlns:a14="http://schemas.microsoft.com/office/drawing/2010/main" val="0"/>
+              </a:ext>
+            </a:extLst>
+          </a:blip>
+          <a:stretch>
+            <a:fillRect/>
+          </a:stretch>
+        </p:blipFill>
+        <p:spPr>
+          <a:xfrm>
+            <a:off x="7724039" y="3614527"/>
+            <a:ext cx="2591538" cy="3151659"/>
+          </a:xfrm>
+          <a:prstGeom prst="rect">
+            <a:avLst/>
+          </a:prstGeom>
+        </p:spPr>
+      </p:pic>
+      <p:sp>
+        <p:nvSpPr>
+          <p:cNvPr id="29" name="TextBox 28">
+            <a:extLst>
+              <a:ext uri="{FF2B5EF4-FFF2-40B4-BE49-F238E27FC236}">
+                <a16:creationId xmlns:a16="http://schemas.microsoft.com/office/drawing/2014/main" id="{B1561DA1-089A-4BD2-BFFF-07E88B71734C}"/>
+              </a:ext>
+            </a:extLst>
+          </p:cNvPr>
+          <p:cNvSpPr txBox="1"/>
+          <p:nvPr/>
+        </p:nvSpPr>
+        <p:spPr>
+          <a:xfrm>
+            <a:off x="8609958" y="1048778"/>
+            <a:ext cx="809625" cy="369332"/>
+          </a:xfrm>
+          <a:prstGeom prst="rect">
+            <a:avLst/>
+          </a:prstGeom>
+          <a:noFill/>
+        </p:spPr>
+        <p:txBody>
+          <a:bodyPr wrap="square" rtlCol="0">
+            <a:spAutoFit/>
+          </a:bodyPr>
+          <a:lstStyle/>
+          <a:p>
+            <a:r>
+              <a:rPr lang="en-US" dirty="0"/>
+              <a:t>K=12</a:t>
+            </a:r>
+          </a:p>
+        </p:txBody>
+      </p:sp>
+      <p:sp>
+        <p:nvSpPr>
+          <p:cNvPr id="30" name="Slide Number Placeholder 29">
+            <a:extLst>
+              <a:ext uri="{FF2B5EF4-FFF2-40B4-BE49-F238E27FC236}">
+                <a16:creationId xmlns:a16="http://schemas.microsoft.com/office/drawing/2014/main" id="{D9AD3732-BCBC-4A33-A5B9-F4EC7ADF806B}"/>
+              </a:ext>
+            </a:extLst>
+          </p:cNvPr>
+          <p:cNvSpPr>
+            <a:spLocks noGrp="1"/>
+          </p:cNvSpPr>
+          <p:nvPr>
+            <p:ph type="sldNum" sz="quarter" idx="12"/>
+          </p:nvPr>
+        </p:nvSpPr>
+        <p:spPr/>
+        <p:txBody>
+          <a:bodyPr/>
+          <a:lstStyle/>
+          <a:p>
+            <a:fld id="{01DD9B2E-0F68-4E36-8E5A-BCFDBE11C298}" type="slidenum">
+              <a:rPr lang="en-US" smtClean="0"/>
+              <a:t>8</a:t>
+            </a:fld>
+            <a:endParaRPr lang="en-US"/>
+          </a:p>
+        </p:txBody>
+      </p:sp>
+    </p:spTree>
+    <p:extLst>
+      <p:ext uri="{BB962C8B-B14F-4D97-AF65-F5344CB8AC3E}">
+        <p14:creationId xmlns:p14="http://schemas.microsoft.com/office/powerpoint/2010/main" val="245829590"/>
+      </p:ext>
+    </p:extLst>
+  </p:cSld>
+  <p:clrMapOvr>
+    <a:masterClrMapping/>
+  </p:clrMapOvr>
+</p:sld>
+</file>
+
+<file path=ppt/slides/slide9.xml><?xml version="1.0" encoding="utf-8"?>
+<p:sld xmlns:a="http://schemas.openxmlformats.org/drawingml/2006/main" xmlns:r="http://schemas.openxmlformats.org/officeDocument/2006/relationships" xmlns:p="http://schemas.openxmlformats.org/presentationml/2006/main">
+  <p:cSld>
+    <p:spTree>
+      <p:nvGrpSpPr>
+        <p:cNvPr id="1" name=""/>
+        <p:cNvGrpSpPr/>
+        <p:nvPr/>
+      </p:nvGrpSpPr>
+      <p:grpSpPr>
+        <a:xfrm>
+          <a:off x="0" y="0"/>
+          <a:ext cx="0" cy="0"/>
+          <a:chOff x="0" y="0"/>
+          <a:chExt cx="0" cy="0"/>
+        </a:xfrm>
+      </p:grpSpPr>
+      <p:cxnSp>
+        <p:nvCxnSpPr>
+          <p:cNvPr id="5" name="Straight Connector 4">
+            <a:extLst>
+              <a:ext uri="{FF2B5EF4-FFF2-40B4-BE49-F238E27FC236}">
+                <a16:creationId xmlns:a16="http://schemas.microsoft.com/office/drawing/2014/main" id="{DD3444E0-C95B-418B-9590-457C7FF29DF0}"/>
+              </a:ext>
+            </a:extLst>
+          </p:cNvPr>
+          <p:cNvCxnSpPr/>
+          <p:nvPr/>
+        </p:nvCxnSpPr>
+        <p:spPr>
+          <a:xfrm>
+            <a:off x="0" y="6737758"/>
+            <a:ext cx="12192000" cy="0"/>
+          </a:xfrm>
+          <a:prstGeom prst="line">
+            <a:avLst/>
+          </a:prstGeom>
+          <a:ln w="25400">
+            <a:solidFill>
+              <a:srgbClr val="0021A5"/>
+            </a:solidFill>
+          </a:ln>
+        </p:spPr>
+        <p:style>
+          <a:lnRef idx="1">
+            <a:schemeClr val="accent1"/>
+          </a:lnRef>
+          <a:fillRef idx="0">
+            <a:schemeClr val="accent1"/>
+          </a:fillRef>
+          <a:effectRef idx="0">
+            <a:schemeClr val="accent1"/>
+          </a:effectRef>
+          <a:fontRef idx="minor">
+            <a:schemeClr val="tx1"/>
+          </a:fontRef>
+        </p:style>
+      </p:cxnSp>
+      <p:sp>
+        <p:nvSpPr>
+          <p:cNvPr id="4" name="Rectangle 3">
+            <a:extLst>
+              <a:ext uri="{FF2B5EF4-FFF2-40B4-BE49-F238E27FC236}">
+                <a16:creationId xmlns:a16="http://schemas.microsoft.com/office/drawing/2014/main" id="{D3BD5F43-F7B8-4217-9611-5D1952165A72}"/>
+              </a:ext>
+            </a:extLst>
+          </p:cNvPr>
+          <p:cNvSpPr/>
+          <p:nvPr/>
+        </p:nvSpPr>
+        <p:spPr>
+          <a:xfrm>
+            <a:off x="0" y="0"/>
+            <a:ext cx="12192000" cy="438148"/>
+          </a:xfrm>
+          <a:prstGeom prst="rect">
+            <a:avLst/>
+          </a:prstGeom>
+          <a:solidFill>
+            <a:srgbClr val="0021A5"/>
+          </a:solidFill>
+          <a:ln>
+            <a:solidFill>
+              <a:srgbClr val="0021A5"/>
+            </a:solidFill>
+          </a:ln>
+        </p:spPr>
+        <p:style>
+          <a:lnRef idx="2">
+            <a:schemeClr val="accent1">
+              <a:shade val="50000"/>
+            </a:schemeClr>
+          </a:lnRef>
+          <a:fillRef idx="1">
+            <a:schemeClr val="accent1"/>
+          </a:fillRef>
+          <a:effectRef idx="0">
+            <a:schemeClr val="accent1"/>
+          </a:effectRef>
+          <a:fontRef idx="minor">
+            <a:schemeClr val="lt1"/>
+          </a:fontRef>
+        </p:style>
+        <p:txBody>
+          <a:bodyPr rtlCol="0" anchor="ctr"/>
+          <a:lstStyle/>
+          <a:p>
+            <a:pPr algn="ctr"/>
+            <a:endParaRPr lang="en-US"/>
+          </a:p>
+        </p:txBody>
+      </p:sp>
+      <p:cxnSp>
+        <p:nvCxnSpPr>
+          <p:cNvPr id="6" name="Straight Connector 5">
+            <a:extLst>
+              <a:ext uri="{FF2B5EF4-FFF2-40B4-BE49-F238E27FC236}">
+                <a16:creationId xmlns:a16="http://schemas.microsoft.com/office/drawing/2014/main" id="{D062F9CE-7B12-467C-AF7C-E3BAAF5FE8F8}"/>
+              </a:ext>
+            </a:extLst>
+          </p:cNvPr>
+          <p:cNvCxnSpPr>
+            <a:cxnSpLocks/>
+          </p:cNvCxnSpPr>
+          <p:nvPr/>
+        </p:nvCxnSpPr>
+        <p:spPr>
+          <a:xfrm>
+            <a:off x="442912" y="1559695"/>
+            <a:ext cx="4564094" cy="0"/>
+          </a:xfrm>
+          <a:prstGeom prst="line">
+            <a:avLst/>
+          </a:prstGeom>
+          <a:ln w="19050">
+            <a:solidFill>
+              <a:srgbClr val="FA4616"/>
+            </a:solidFill>
+          </a:ln>
+        </p:spPr>
+        <p:style>
+          <a:lnRef idx="1">
+            <a:schemeClr val="accent1"/>
+          </a:lnRef>
+          <a:fillRef idx="0">
+            <a:schemeClr val="accent1"/>
+          </a:fillRef>
+          <a:effectRef idx="0">
+            <a:schemeClr val="accent1"/>
+          </a:effectRef>
+          <a:fontRef idx="minor">
+            <a:schemeClr val="tx1"/>
+          </a:fontRef>
+        </p:style>
+      </p:cxnSp>
+      <p:cxnSp>
+        <p:nvCxnSpPr>
+          <p:cNvPr id="8" name="Straight Connector 7">
+            <a:extLst>
+              <a:ext uri="{FF2B5EF4-FFF2-40B4-BE49-F238E27FC236}">
+                <a16:creationId xmlns:a16="http://schemas.microsoft.com/office/drawing/2014/main" id="{DC5128E8-2BCE-4DD8-A8F6-550403E78BAF}"/>
+              </a:ext>
+            </a:extLst>
+          </p:cNvPr>
+          <p:cNvCxnSpPr/>
+          <p:nvPr/>
+        </p:nvCxnSpPr>
+        <p:spPr>
+          <a:xfrm>
+            <a:off x="0" y="494779"/>
+            <a:ext cx="12192000" cy="0"/>
+          </a:xfrm>
+          <a:prstGeom prst="line">
+            <a:avLst/>
+          </a:prstGeom>
+          <a:ln w="25400">
+            <a:solidFill>
+              <a:srgbClr val="0021A5"/>
+            </a:solidFill>
+          </a:ln>
+        </p:spPr>
+        <p:style>
+          <a:lnRef idx="1">
+            <a:schemeClr val="accent1"/>
+          </a:lnRef>
+          <a:fillRef idx="0">
+            <a:schemeClr val="accent1"/>
+          </a:fillRef>
+          <a:effectRef idx="0">
+            <a:schemeClr val="accent1"/>
+          </a:effectRef>
+          <a:fontRef idx="minor">
+            <a:schemeClr val="tx1"/>
+          </a:fontRef>
+        </p:style>
+      </p:cxnSp>
+      <p:sp>
+        <p:nvSpPr>
+          <p:cNvPr id="13" name="Footer Placeholder 12">
+            <a:extLst>
+              <a:ext uri="{FF2B5EF4-FFF2-40B4-BE49-F238E27FC236}">
+                <a16:creationId xmlns:a16="http://schemas.microsoft.com/office/drawing/2014/main" id="{E9C4CD01-2D2E-4956-88FB-5E609DBB2AFB}"/>
+              </a:ext>
+            </a:extLst>
+          </p:cNvPr>
+          <p:cNvSpPr>
+            <a:spLocks noGrp="1"/>
+          </p:cNvSpPr>
+          <p:nvPr>
+            <p:ph type="ftr" sz="quarter" idx="11"/>
+          </p:nvPr>
+        </p:nvSpPr>
+        <p:spPr>
+          <a:xfrm>
+            <a:off x="76200" y="44448"/>
+            <a:ext cx="4114800" cy="365125"/>
+          </a:xfrm>
+        </p:spPr>
+        <p:txBody>
+          <a:bodyPr/>
+          <a:lstStyle/>
+          <a:p>
+            <a:pPr algn="l"/>
+            <a:r>
+              <a:rPr lang="en-US" sz="1600" b="1" cap="small" dirty="0">
+                <a:solidFill>
+                  <a:schemeClr val="bg1"/>
+                </a:solidFill>
+              </a:rPr>
+              <a:t>LISA Simulations</a:t>
+            </a:r>
+          </a:p>
+        </p:txBody>
+      </p:sp>
+      <p:pic>
+        <p:nvPicPr>
+          <p:cNvPr id="9" name="Picture 8" descr="A screenshot of a cell phone&#10;&#10;Description automatically generated">
+            <a:extLst>
+              <a:ext uri="{FF2B5EF4-FFF2-40B4-BE49-F238E27FC236}">
+                <a16:creationId xmlns:a16="http://schemas.microsoft.com/office/drawing/2014/main" id="{BF843532-E1E0-45C0-916A-4289264E8A67}"/>
+              </a:ext>
+            </a:extLst>
+          </p:cNvPr>
+          <p:cNvPicPr>
+            <a:picLocks noChangeAspect="1"/>
+          </p:cNvPicPr>
+          <p:nvPr/>
+        </p:nvPicPr>
+        <p:blipFill>
+          <a:blip r:embed="rId2">
+            <a:extLst>
+              <a:ext uri="{28A0092B-C50C-407E-A947-70E740481C1C}">
+                <a14:useLocalDpi xmlns:a14="http://schemas.microsoft.com/office/drawing/2010/main" val="0"/>
+              </a:ext>
+            </a:extLst>
+          </a:blip>
+          <a:stretch>
+            <a:fillRect/>
+          </a:stretch>
+        </p:blipFill>
+        <p:spPr>
+          <a:xfrm>
+            <a:off x="6010148" y="2148892"/>
+            <a:ext cx="5777163" cy="4068532"/>
+          </a:xfrm>
+          <a:prstGeom prst="rect">
+            <a:avLst/>
+          </a:prstGeom>
+        </p:spPr>
+      </p:pic>
+      <p:pic>
+        <p:nvPicPr>
+          <p:cNvPr id="10" name="Picture 9" descr="A close up of a piece of paper&#10;&#10;Description automatically generated">
+            <a:extLst>
+              <a:ext uri="{FF2B5EF4-FFF2-40B4-BE49-F238E27FC236}">
+                <a16:creationId xmlns:a16="http://schemas.microsoft.com/office/drawing/2014/main" id="{74CAF3B1-0640-4115-8B4E-E857ABE183A1}"/>
+              </a:ext>
+            </a:extLst>
+          </p:cNvPr>
+          <p:cNvPicPr>
+            <a:picLocks noChangeAspect="1"/>
+          </p:cNvPicPr>
+          <p:nvPr/>
+        </p:nvPicPr>
+        <p:blipFill>
+          <a:blip r:embed="rId3">
+            <a:extLst>
+              <a:ext uri="{28A0092B-C50C-407E-A947-70E740481C1C}">
+                <a14:useLocalDpi xmlns:a14="http://schemas.microsoft.com/office/drawing/2010/main" val="0"/>
+              </a:ext>
+            </a:extLst>
+          </a:blip>
+          <a:stretch>
+            <a:fillRect/>
+          </a:stretch>
+        </p:blipFill>
+        <p:spPr>
+          <a:xfrm>
+            <a:off x="62407" y="2120533"/>
+            <a:ext cx="5882672" cy="4068532"/>
+          </a:xfrm>
+          <a:prstGeom prst="rect">
+            <a:avLst/>
+          </a:prstGeom>
+        </p:spPr>
+      </p:pic>
+      <p:sp>
+        <p:nvSpPr>
+          <p:cNvPr id="11" name="TextBox 10">
+            <a:extLst>
+              <a:ext uri="{FF2B5EF4-FFF2-40B4-BE49-F238E27FC236}">
+                <a16:creationId xmlns:a16="http://schemas.microsoft.com/office/drawing/2014/main" id="{4FACA0B9-3678-4428-8779-53FF184C5E50}"/>
+              </a:ext>
+            </a:extLst>
+          </p:cNvPr>
+          <p:cNvSpPr txBox="1"/>
+          <p:nvPr/>
+        </p:nvSpPr>
+        <p:spPr>
+          <a:xfrm>
+            <a:off x="5091643" y="558472"/>
+            <a:ext cx="7266074" cy="1631216"/>
+          </a:xfrm>
+          <a:prstGeom prst="rect">
+            <a:avLst/>
+          </a:prstGeom>
+          <a:noFill/>
+        </p:spPr>
+        <p:txBody>
+          <a:bodyPr wrap="square" rtlCol="0">
+            <a:spAutoFit/>
+          </a:bodyPr>
+          <a:lstStyle/>
+          <a:p>
+            <a:pPr marL="285750" indent="-285750">
+              <a:buFont typeface="Arial" panose="020B0604020202020204" pitchFamily="34" charset="0"/>
+              <a:buChar char="•"/>
+            </a:pPr>
+            <a:r>
+              <a:rPr lang="en-US" sz="2000" dirty="0"/>
+              <a:t>Performing the expansion for updated </a:t>
+            </a:r>
+            <a:r>
+              <a:rPr lang="en-US" sz="2000" dirty="0" err="1"/>
+              <a:t>C</a:t>
+            </a:r>
+            <a:r>
+              <a:rPr lang="en-US" sz="2000" baseline="-25000" dirty="0" err="1"/>
+              <a:t>nm</a:t>
+            </a:r>
+            <a:r>
+              <a:rPr lang="en-US" sz="2000" dirty="0"/>
+              <a:t> ( no signal calc. or tilt)</a:t>
+            </a:r>
+          </a:p>
+          <a:p>
+            <a:pPr marL="285750" indent="-285750">
+              <a:buFont typeface="Arial" panose="020B0604020202020204" pitchFamily="34" charset="0"/>
+              <a:buChar char="•"/>
+            </a:pPr>
+            <a:r>
+              <a:rPr lang="en-US" sz="2000" dirty="0"/>
+              <a:t>Up to 10</a:t>
+            </a:r>
+            <a:r>
+              <a:rPr lang="en-US" sz="2000" baseline="30000" dirty="0"/>
+              <a:t>th</a:t>
+            </a:r>
+            <a:r>
+              <a:rPr lang="en-US" sz="2000" dirty="0"/>
+              <a:t> order: </a:t>
+            </a:r>
+          </a:p>
+          <a:p>
+            <a:pPr marL="742950" lvl="1" indent="-285750">
+              <a:buFont typeface="Arial" panose="020B0604020202020204" pitchFamily="34" charset="0"/>
+              <a:buChar char="•"/>
+            </a:pPr>
+            <a:r>
+              <a:rPr lang="en-US" sz="2000" dirty="0"/>
+              <a:t>a</a:t>
+            </a:r>
+            <a:r>
+              <a:rPr lang="en-US" sz="2000" baseline="30000" dirty="0"/>
+              <a:t>10 </a:t>
+            </a:r>
+            <a:r>
+              <a:rPr lang="en-US" sz="2000" dirty="0"/>
+              <a:t>terms </a:t>
+            </a:r>
+          </a:p>
+          <a:p>
+            <a:pPr marL="742950" lvl="1" indent="-285750">
+              <a:buFont typeface="Arial" panose="020B0604020202020204" pitchFamily="34" charset="0"/>
+              <a:buChar char="•"/>
+            </a:pPr>
+            <a:r>
+              <a:rPr lang="en-US" sz="2000" dirty="0"/>
+              <a:t>x</a:t>
+            </a:r>
+            <a:r>
+              <a:rPr lang="en-US" sz="2000" baseline="30000" dirty="0"/>
+              <a:t>10 </a:t>
+            </a:r>
+            <a:r>
+              <a:rPr lang="en-US" sz="2000" dirty="0"/>
+              <a:t>terms </a:t>
+            </a:r>
+          </a:p>
+          <a:p>
+            <a:pPr marL="285750" indent="-285750">
+              <a:buFont typeface="Arial" panose="020B0604020202020204" pitchFamily="34" charset="0"/>
+              <a:buChar char="•"/>
+            </a:pPr>
+            <a:r>
+              <a:rPr lang="en-US" sz="2000" dirty="0"/>
+              <a:t>Mode order 34 </a:t>
+            </a:r>
+            <a:r>
+              <a:rPr lang="en-US" sz="2000" dirty="0" err="1"/>
+              <a:t>tophat</a:t>
+            </a:r>
+            <a:r>
+              <a:rPr lang="en-US" sz="2000" dirty="0"/>
+              <a:t> -&gt; order 44 after x transformations</a:t>
+            </a:r>
+          </a:p>
+        </p:txBody>
+      </p:sp>
+      <p:sp>
+        <p:nvSpPr>
+          <p:cNvPr id="12" name="Rectangle 11">
+            <a:extLst>
+              <a:ext uri="{FF2B5EF4-FFF2-40B4-BE49-F238E27FC236}">
+                <a16:creationId xmlns:a16="http://schemas.microsoft.com/office/drawing/2014/main" id="{C4C7C4E9-937D-4AF6-A4FF-63E40978D06C}"/>
+              </a:ext>
+            </a:extLst>
+          </p:cNvPr>
+          <p:cNvSpPr>
+            <a:spLocks noChangeArrowheads="1"/>
+          </p:cNvSpPr>
+          <p:nvPr/>
+        </p:nvSpPr>
+        <p:spPr bwMode="auto">
+          <a:xfrm>
+            <a:off x="988346" y="6201988"/>
+            <a:ext cx="12192000" cy="457200"/>
+          </a:xfrm>
+          <a:prstGeom prst="rect">
+            <a:avLst/>
+          </a:prstGeom>
+          <a:solidFill>
+            <a:srgbClr val="FFFFFF"/>
+          </a:solidFill>
+          <a:ln>
+            <a:noFill/>
+          </a:ln>
+          <a:effectLst/>
+          <a:extLst>
+            <a:ext uri="{91240B29-F687-4F45-9708-019B960494DF}">
+              <a14:hiddenLine xmlns:a14="http://schemas.microsoft.com/office/drawing/2010/main" w="9525">
+                <a:solidFill>
+                  <a:schemeClr val="tx1"/>
+                </a:solidFill>
+                <a:miter lim="800000"/>
+                <a:headEnd/>
+                <a:tailEnd/>
+              </a14:hiddenLine>
+            </a:ext>
+            <a:ext uri="{AF507438-7753-43E0-B8FC-AC1667EBCBE1}">
+              <a14:hiddenEffects xmlns:a14="http://schemas.microsoft.com/office/drawing/2010/main">
+                <a:effectLst>
+                  <a:outerShdw dist="35921" dir="2700000" algn="ctr" rotWithShape="0">
+                    <a:schemeClr val="bg2"/>
+                  </a:outerShdw>
+                </a:effectLst>
+              </a14:hiddenEffects>
+            </a:ext>
+          </a:extLst>
+        </p:spPr>
+        <p:txBody>
+          <a:bodyPr vert="horz" wrap="none" lIns="0" tIns="0" rIns="0" bIns="0" numCol="1" anchor="ctr" anchorCtr="0" compatLnSpc="1">
+            <a:prstTxWarp prst="textNoShape">
+              <a:avLst/>
+            </a:prstTxWarp>
+            <a:spAutoFit/>
+          </a:bodyPr>
+          <a:lstStyle/>
+          <a:p>
+            <a:pPr marL="0" marR="0" lvl="0" indent="0" algn="l" defTabSz="914400" rtl="0" eaLnBrk="0" fontAlgn="base" latinLnBrk="0" hangingPunct="0">
+              <a:lnSpc>
+                <a:spcPct val="100000"/>
+              </a:lnSpc>
+              <a:spcBef>
+                <a:spcPct val="0"/>
+              </a:spcBef>
+              <a:spcAft>
+                <a:spcPct val="0"/>
+              </a:spcAft>
+              <a:buClrTx/>
+              <a:buSzTx/>
+              <a:buFontTx/>
+              <a:buNone/>
+              <a:tabLst/>
+            </a:pPr>
+            <a:r>
+              <a:rPr kumimoji="0" lang="en-US" altLang="en-US" sz="1000" b="0" i="0" u="none" strike="noStrike" cap="none" normalizeH="0" baseline="0" dirty="0">
+                <a:ln>
+                  <a:noFill/>
+                </a:ln>
+                <a:solidFill>
+                  <a:srgbClr val="000000"/>
+                </a:solidFill>
+                <a:effectLst/>
+                <a:latin typeface="Courier New" panose="02070309020205020404" pitchFamily="49" charset="0"/>
+              </a:rPr>
+              <a:t>[0.015625, 0.015625, 0.15625, 0.59375, 1.359375, 2.921875, 7.609375, 18.953125, 44.234375, 104.390625, 240.046875]</a:t>
+            </a:r>
+            <a:r>
+              <a:rPr kumimoji="0" lang="en-US" altLang="en-US" sz="800" b="0" i="0" u="none" strike="noStrike" cap="none" normalizeH="0" baseline="0" dirty="0">
+                <a:ln>
+                  <a:noFill/>
+                </a:ln>
+                <a:solidFill>
+                  <a:schemeClr val="tx1"/>
+                </a:solidFill>
+                <a:effectLst/>
+              </a:rPr>
+              <a:t> </a:t>
+            </a:r>
+            <a:endParaRPr kumimoji="0" lang="en-US" altLang="en-US" sz="1800" b="0" i="0" u="none" strike="noStrike" cap="none" normalizeH="0" baseline="0" dirty="0">
+              <a:ln>
+                <a:noFill/>
+              </a:ln>
+              <a:solidFill>
+                <a:schemeClr val="tx1"/>
+              </a:solidFill>
+              <a:effectLst/>
+              <a:latin typeface="Arial" panose="020B0604020202020204" pitchFamily="34" charset="0"/>
+            </a:endParaRPr>
+          </a:p>
+        </p:txBody>
+      </p:sp>
+      <p:sp>
+        <p:nvSpPr>
+          <p:cNvPr id="3" name="TextBox 2">
+            <a:extLst>
+              <a:ext uri="{FF2B5EF4-FFF2-40B4-BE49-F238E27FC236}">
+                <a16:creationId xmlns:a16="http://schemas.microsoft.com/office/drawing/2014/main" id="{F5E88D52-5FEE-4155-BCBB-2F428BDBE329}"/>
+              </a:ext>
+            </a:extLst>
+          </p:cNvPr>
+          <p:cNvSpPr txBox="1"/>
+          <p:nvPr/>
+        </p:nvSpPr>
+        <p:spPr>
+          <a:xfrm>
+            <a:off x="532660" y="878889"/>
+            <a:ext cx="3959441" cy="646331"/>
+          </a:xfrm>
+          <a:prstGeom prst="rect">
+            <a:avLst/>
+          </a:prstGeom>
+          <a:noFill/>
+        </p:spPr>
+        <p:txBody>
+          <a:bodyPr wrap="square" rtlCol="0">
+            <a:spAutoFit/>
+          </a:bodyPr>
+          <a:lstStyle/>
+          <a:p>
+            <a:r>
+              <a:rPr lang="en-US" sz="3600" dirty="0"/>
+              <a:t>Computation Times</a:t>
+            </a:r>
+            <a:endParaRPr lang="en-US" sz="2400" dirty="0"/>
+          </a:p>
+        </p:txBody>
+      </p:sp>
+      <p:sp>
+        <p:nvSpPr>
+          <p:cNvPr id="7" name="Freeform: Shape 6">
+            <a:extLst>
+              <a:ext uri="{FF2B5EF4-FFF2-40B4-BE49-F238E27FC236}">
+                <a16:creationId xmlns:a16="http://schemas.microsoft.com/office/drawing/2014/main" id="{53CF8D0B-9BB2-4C7A-B419-3A819C606BE0}"/>
+              </a:ext>
+            </a:extLst>
+          </p:cNvPr>
+          <p:cNvSpPr/>
+          <p:nvPr/>
+        </p:nvSpPr>
+        <p:spPr>
+          <a:xfrm>
+            <a:off x="885825" y="2505075"/>
+            <a:ext cx="4781550" cy="3095625"/>
+          </a:xfrm>
+          <a:custGeom>
+            <a:avLst/>
+            <a:gdLst>
+              <a:gd name="connsiteX0" fmla="*/ 0 w 4781550"/>
+              <a:gd name="connsiteY0" fmla="*/ 3095625 h 3095625"/>
+              <a:gd name="connsiteX1" fmla="*/ 1914525 w 4781550"/>
+              <a:gd name="connsiteY1" fmla="*/ 3076575 h 3095625"/>
+              <a:gd name="connsiteX2" fmla="*/ 2867025 w 4781550"/>
+              <a:gd name="connsiteY2" fmla="*/ 3000375 h 3095625"/>
+              <a:gd name="connsiteX3" fmla="*/ 3343275 w 4781550"/>
+              <a:gd name="connsiteY3" fmla="*/ 2838450 h 3095625"/>
+              <a:gd name="connsiteX4" fmla="*/ 3800475 w 4781550"/>
+              <a:gd name="connsiteY4" fmla="*/ 2533650 h 3095625"/>
+              <a:gd name="connsiteX5" fmla="*/ 4276725 w 4781550"/>
+              <a:gd name="connsiteY5" fmla="*/ 1733550 h 3095625"/>
+              <a:gd name="connsiteX6" fmla="*/ 4781550 w 4781550"/>
+              <a:gd name="connsiteY6" fmla="*/ 0 h 3095625"/>
+            </a:gdLst>
+            <a:ahLst/>
+            <a:cxnLst>
+              <a:cxn ang="0">
+                <a:pos x="connsiteX0" y="connsiteY0"/>
+              </a:cxn>
+              <a:cxn ang="0">
+                <a:pos x="connsiteX1" y="connsiteY1"/>
+              </a:cxn>
+              <a:cxn ang="0">
+                <a:pos x="connsiteX2" y="connsiteY2"/>
+              </a:cxn>
+              <a:cxn ang="0">
+                <a:pos x="connsiteX3" y="connsiteY3"/>
+              </a:cxn>
+              <a:cxn ang="0">
+                <a:pos x="connsiteX4" y="connsiteY4"/>
+              </a:cxn>
+              <a:cxn ang="0">
+                <a:pos x="connsiteX5" y="connsiteY5"/>
+              </a:cxn>
+              <a:cxn ang="0">
+                <a:pos x="connsiteX6" y="connsiteY6"/>
+              </a:cxn>
+            </a:cxnLst>
+            <a:rect l="l" t="t" r="r" b="b"/>
+            <a:pathLst>
+              <a:path w="4781550" h="3095625">
+                <a:moveTo>
+                  <a:pt x="0" y="3095625"/>
+                </a:moveTo>
+                <a:lnTo>
+                  <a:pt x="1914525" y="3076575"/>
+                </a:lnTo>
+                <a:cubicBezTo>
+                  <a:pt x="2392362" y="3060700"/>
+                  <a:pt x="2628900" y="3040063"/>
+                  <a:pt x="2867025" y="3000375"/>
+                </a:cubicBezTo>
+                <a:cubicBezTo>
+                  <a:pt x="3105150" y="2960687"/>
+                  <a:pt x="3187700" y="2916237"/>
+                  <a:pt x="3343275" y="2838450"/>
+                </a:cubicBezTo>
+                <a:cubicBezTo>
+                  <a:pt x="3498850" y="2760663"/>
+                  <a:pt x="3644900" y="2717800"/>
+                  <a:pt x="3800475" y="2533650"/>
+                </a:cubicBezTo>
+                <a:cubicBezTo>
+                  <a:pt x="3956050" y="2349500"/>
+                  <a:pt x="4113213" y="2155825"/>
+                  <a:pt x="4276725" y="1733550"/>
+                </a:cubicBezTo>
+                <a:cubicBezTo>
+                  <a:pt x="4440237" y="1311275"/>
+                  <a:pt x="4610893" y="655637"/>
+                  <a:pt x="4781550" y="0"/>
+                </a:cubicBezTo>
+              </a:path>
+            </a:pathLst>
+          </a:custGeom>
+          <a:noFill/>
+        </p:spPr>
+        <p:style>
+          <a:lnRef idx="2">
+            <a:schemeClr val="accent1">
+              <a:shade val="50000"/>
+            </a:schemeClr>
+          </a:lnRef>
+          <a:fillRef idx="1">
+            <a:schemeClr val="accent1"/>
+          </a:fillRef>
+          <a:effectRef idx="0">
+            <a:schemeClr val="accent1"/>
+          </a:effectRef>
+          <a:fontRef idx="minor">
+            <a:schemeClr val="lt1"/>
+          </a:fontRef>
+        </p:style>
+        <p:txBody>
+          <a:bodyPr rtlCol="0" anchor="ctr"/>
+          <a:lstStyle/>
+          <a:p>
+            <a:pPr algn="ctr"/>
+            <a:endParaRPr lang="en-US"/>
+          </a:p>
+        </p:txBody>
+      </p:sp>
+      <p:sp>
+        <p:nvSpPr>
+          <p:cNvPr id="14" name="Freeform: Shape 13">
+            <a:extLst>
+              <a:ext uri="{FF2B5EF4-FFF2-40B4-BE49-F238E27FC236}">
+                <a16:creationId xmlns:a16="http://schemas.microsoft.com/office/drawing/2014/main" id="{449C4E4F-C9D1-4556-B2D1-24F6F769AB2B}"/>
+              </a:ext>
+            </a:extLst>
+          </p:cNvPr>
+          <p:cNvSpPr/>
+          <p:nvPr/>
+        </p:nvSpPr>
+        <p:spPr>
+          <a:xfrm>
+            <a:off x="6591300" y="2552700"/>
+            <a:ext cx="2914650" cy="3224032"/>
+          </a:xfrm>
+          <a:custGeom>
+            <a:avLst/>
+            <a:gdLst>
+              <a:gd name="connsiteX0" fmla="*/ 0 w 2914650"/>
+              <a:gd name="connsiteY0" fmla="*/ 3219450 h 3224032"/>
+              <a:gd name="connsiteX1" fmla="*/ 495300 w 2914650"/>
+              <a:gd name="connsiteY1" fmla="*/ 3219450 h 3224032"/>
+              <a:gd name="connsiteX2" fmla="*/ 971550 w 2914650"/>
+              <a:gd name="connsiteY2" fmla="*/ 3171825 h 3224032"/>
+              <a:gd name="connsiteX3" fmla="*/ 1485900 w 2914650"/>
+              <a:gd name="connsiteY3" fmla="*/ 3000375 h 3224032"/>
+              <a:gd name="connsiteX4" fmla="*/ 1933575 w 2914650"/>
+              <a:gd name="connsiteY4" fmla="*/ 2657475 h 3224032"/>
+              <a:gd name="connsiteX5" fmla="*/ 2438400 w 2914650"/>
+              <a:gd name="connsiteY5" fmla="*/ 1981200 h 3224032"/>
+              <a:gd name="connsiteX6" fmla="*/ 2914650 w 2914650"/>
+              <a:gd name="connsiteY6" fmla="*/ 0 h 3224032"/>
+            </a:gdLst>
+            <a:ahLst/>
+            <a:cxnLst>
+              <a:cxn ang="0">
+                <a:pos x="connsiteX0" y="connsiteY0"/>
+              </a:cxn>
+              <a:cxn ang="0">
+                <a:pos x="connsiteX1" y="connsiteY1"/>
+              </a:cxn>
+              <a:cxn ang="0">
+                <a:pos x="connsiteX2" y="connsiteY2"/>
+              </a:cxn>
+              <a:cxn ang="0">
+                <a:pos x="connsiteX3" y="connsiteY3"/>
+              </a:cxn>
+              <a:cxn ang="0">
+                <a:pos x="connsiteX4" y="connsiteY4"/>
+              </a:cxn>
+              <a:cxn ang="0">
+                <a:pos x="connsiteX5" y="connsiteY5"/>
+              </a:cxn>
+              <a:cxn ang="0">
+                <a:pos x="connsiteX6" y="connsiteY6"/>
+              </a:cxn>
+            </a:cxnLst>
+            <a:rect l="l" t="t" r="r" b="b"/>
+            <a:pathLst>
+              <a:path w="2914650" h="3224032">
+                <a:moveTo>
+                  <a:pt x="0" y="3219450"/>
+                </a:moveTo>
+                <a:cubicBezTo>
+                  <a:pt x="166687" y="3223418"/>
+                  <a:pt x="333375" y="3227387"/>
+                  <a:pt x="495300" y="3219450"/>
+                </a:cubicBezTo>
+                <a:cubicBezTo>
+                  <a:pt x="657225" y="3211513"/>
+                  <a:pt x="806450" y="3208337"/>
+                  <a:pt x="971550" y="3171825"/>
+                </a:cubicBezTo>
+                <a:cubicBezTo>
+                  <a:pt x="1136650" y="3135313"/>
+                  <a:pt x="1325563" y="3086100"/>
+                  <a:pt x="1485900" y="3000375"/>
+                </a:cubicBezTo>
+                <a:cubicBezTo>
+                  <a:pt x="1646237" y="2914650"/>
+                  <a:pt x="1774825" y="2827337"/>
+                  <a:pt x="1933575" y="2657475"/>
+                </a:cubicBezTo>
+                <a:cubicBezTo>
+                  <a:pt x="2092325" y="2487613"/>
+                  <a:pt x="2274888" y="2424112"/>
+                  <a:pt x="2438400" y="1981200"/>
+                </a:cubicBezTo>
+                <a:cubicBezTo>
+                  <a:pt x="2601912" y="1538288"/>
+                  <a:pt x="2795588" y="398462"/>
+                  <a:pt x="2914650" y="0"/>
+                </a:cubicBezTo>
+              </a:path>
+            </a:pathLst>
+          </a:custGeom>
+          <a:noFill/>
+        </p:spPr>
+        <p:style>
+          <a:lnRef idx="2">
+            <a:schemeClr val="accent1">
+              <a:shade val="50000"/>
+            </a:schemeClr>
+          </a:lnRef>
+          <a:fillRef idx="1">
+            <a:schemeClr val="accent1"/>
+          </a:fillRef>
+          <a:effectRef idx="0">
+            <a:schemeClr val="accent1"/>
+          </a:effectRef>
+          <a:fontRef idx="minor">
+            <a:schemeClr val="lt1"/>
+          </a:fontRef>
+        </p:style>
+        <p:txBody>
+          <a:bodyPr rtlCol="0" anchor="ctr"/>
+          <a:lstStyle/>
+          <a:p>
+            <a:pPr algn="ctr"/>
+            <a:endParaRPr lang="en-US"/>
+          </a:p>
+        </p:txBody>
+      </p:sp>
+      <p:sp>
+        <p:nvSpPr>
+          <p:cNvPr id="15" name="Slide Number Placeholder 14">
+            <a:extLst>
+              <a:ext uri="{FF2B5EF4-FFF2-40B4-BE49-F238E27FC236}">
+                <a16:creationId xmlns:a16="http://schemas.microsoft.com/office/drawing/2014/main" id="{8A979BFE-DF4E-4034-83E1-97C4D42C9FEC}"/>
+              </a:ext>
+            </a:extLst>
+          </p:cNvPr>
+          <p:cNvSpPr>
+            <a:spLocks noGrp="1"/>
+          </p:cNvSpPr>
+          <p:nvPr>
+            <p:ph type="sldNum" sz="quarter" idx="12"/>
+          </p:nvPr>
+        </p:nvSpPr>
+        <p:spPr/>
+        <p:txBody>
+          <a:bodyPr/>
+          <a:lstStyle/>
+          <a:p>
+            <a:fld id="{01DD9B2E-0F68-4E36-8E5A-BCFDBE11C298}" type="slidenum">
+              <a:rPr lang="en-US" smtClean="0"/>
+              <a:t>9</a:t>
+            </a:fld>
+            <a:endParaRPr lang="en-US"/>
+          </a:p>
+        </p:txBody>
+      </p:sp>
+    </p:spTree>
+    <p:extLst>
+      <p:ext uri="{BB962C8B-B14F-4D97-AF65-F5344CB8AC3E}">
+        <p14:creationId xmlns:p14="http://schemas.microsoft.com/office/powerpoint/2010/main" val="1957052090"/>
       </p:ext>
     </p:extLst>
   </p:cSld>
@@ -6166,4 +12447,299 @@
     </a:ext>
   </a:extLst>
 </a:theme>
+</file>
+
+<file path=ppt/theme/theme2.xml><?xml version="1.0" encoding="utf-8"?>
+<a:theme xmlns:a="http://schemas.openxmlformats.org/drawingml/2006/main" name="Office Theme">
+  <a:themeElements>
+    <a:clrScheme name="Office">
+      <a:dk1>
+        <a:sysClr val="windowText" lastClr="000000"/>
+      </a:dk1>
+      <a:lt1>
+        <a:sysClr val="window" lastClr="FFFFFF"/>
+      </a:lt1>
+      <a:dk2>
+        <a:srgbClr val="44546A"/>
+      </a:dk2>
+      <a:lt2>
+        <a:srgbClr val="E7E6E6"/>
+      </a:lt2>
+      <a:accent1>
+        <a:srgbClr val="4472C4"/>
+      </a:accent1>
+      <a:accent2>
+        <a:srgbClr val="ED7D31"/>
+      </a:accent2>
+      <a:accent3>
+        <a:srgbClr val="A5A5A5"/>
+      </a:accent3>
+      <a:accent4>
+        <a:srgbClr val="FFC000"/>
+      </a:accent4>
+      <a:accent5>
+        <a:srgbClr val="5B9BD5"/>
+      </a:accent5>
+      <a:accent6>
+        <a:srgbClr val="70AD47"/>
+      </a:accent6>
+      <a:hlink>
+        <a:srgbClr val="0563C1"/>
+      </a:hlink>
+      <a:folHlink>
+        <a:srgbClr val="954F72"/>
+      </a:folHlink>
+    </a:clrScheme>
+    <a:fontScheme name="Office">
+      <a:majorFont>
+        <a:latin typeface="Calibri Light" panose="020F0302020204030204"/>
+        <a:ea typeface=""/>
+        <a:cs typeface=""/>
+        <a:font script="Jpan" typeface="游ゴシック Light"/>
+        <a:font script="Hang" typeface="맑은 고딕"/>
+        <a:font script="Hans" typeface="等线 Light"/>
+        <a:font script="Hant" typeface="新細明體"/>
+        <a:font script="Arab" typeface="Times New Roman"/>
+        <a:font script="Hebr" typeface="Times New Roman"/>
+        <a:font script="Thai" typeface="Angsana New"/>
+        <a:font script="Ethi" typeface="Nyala"/>
+        <a:font script="Beng" typeface="Vrinda"/>
+        <a:font script="Gujr" typeface="Shruti"/>
+        <a:font script="Khmr" typeface="MoolBoran"/>
+        <a:font script="Knda" typeface="Tunga"/>
+        <a:font script="Guru" typeface="Raavi"/>
+        <a:font script="Cans" typeface="Euphemia"/>
+        <a:font script="Cher" typeface="Plantagenet Cherokee"/>
+        <a:font script="Yiii" typeface="Microsoft Yi Baiti"/>
+        <a:font script="Tibt" typeface="Microsoft Himalaya"/>
+        <a:font script="Thaa" typeface="MV Boli"/>
+        <a:font script="Deva" typeface="Mangal"/>
+        <a:font script="Telu" typeface="Gautami"/>
+        <a:font script="Taml" typeface="Latha"/>
+        <a:font script="Syrc" typeface="Estrangelo Edessa"/>
+        <a:font script="Orya" typeface="Kalinga"/>
+        <a:font script="Mlym" typeface="Kartika"/>
+        <a:font script="Laoo" typeface="DokChampa"/>
+        <a:font script="Sinh" typeface="Iskoola Pota"/>
+        <a:font script="Mong" typeface="Mongolian Baiti"/>
+        <a:font script="Viet" typeface="Times New Roman"/>
+        <a:font script="Uigh" typeface="Microsoft Uighur"/>
+        <a:font script="Geor" typeface="Sylfaen"/>
+        <a:font script="Armn" typeface="Arial"/>
+        <a:font script="Bugi" typeface="Leelawadee UI"/>
+        <a:font script="Bopo" typeface="Microsoft JhengHei"/>
+        <a:font script="Java" typeface="Javanese Text"/>
+        <a:font script="Lisu" typeface="Segoe UI"/>
+        <a:font script="Mymr" typeface="Myanmar Text"/>
+        <a:font script="Nkoo" typeface="Ebrima"/>
+        <a:font script="Olck" typeface="Nirmala UI"/>
+        <a:font script="Osma" typeface="Ebrima"/>
+        <a:font script="Phag" typeface="Phagspa"/>
+        <a:font script="Syrn" typeface="Estrangelo Edessa"/>
+        <a:font script="Syrj" typeface="Estrangelo Edessa"/>
+        <a:font script="Syre" typeface="Estrangelo Edessa"/>
+        <a:font script="Sora" typeface="Nirmala UI"/>
+        <a:font script="Tale" typeface="Microsoft Tai Le"/>
+        <a:font script="Talu" typeface="Microsoft New Tai Lue"/>
+        <a:font script="Tfng" typeface="Ebrima"/>
+      </a:majorFont>
+      <a:minorFont>
+        <a:latin typeface="Calibri" panose="020F0502020204030204"/>
+        <a:ea typeface=""/>
+        <a:cs typeface=""/>
+        <a:font script="Jpan" typeface="游ゴシック"/>
+        <a:font script="Hang" typeface="맑은 고딕"/>
+        <a:font script="Hans" typeface="等线"/>
+        <a:font script="Hant" typeface="新細明體"/>
+        <a:font script="Arab" typeface="Arial"/>
+        <a:font script="Hebr" typeface="Arial"/>
+        <a:font script="Thai" typeface="Cordia New"/>
+        <a:font script="Ethi" typeface="Nyala"/>
+        <a:font script="Beng" typeface="Vrinda"/>
+        <a:font script="Gujr" typeface="Shruti"/>
+        <a:font script="Khmr" typeface="DaunPenh"/>
+        <a:font script="Knda" typeface="Tunga"/>
+        <a:font script="Guru" typeface="Raavi"/>
+        <a:font script="Cans" typeface="Euphemia"/>
+        <a:font script="Cher" typeface="Plantagenet Cherokee"/>
+        <a:font script="Yiii" typeface="Microsoft Yi Baiti"/>
+        <a:font script="Tibt" typeface="Microsoft Himalaya"/>
+        <a:font script="Thaa" typeface="MV Boli"/>
+        <a:font script="Deva" typeface="Mangal"/>
+        <a:font script="Telu" typeface="Gautami"/>
+        <a:font script="Taml" typeface="Latha"/>
+        <a:font script="Syrc" typeface="Estrangelo Edessa"/>
+        <a:font script="Orya" typeface="Kalinga"/>
+        <a:font script="Mlym" typeface="Kartika"/>
+        <a:font script="Laoo" typeface="DokChampa"/>
+        <a:font script="Sinh" typeface="Iskoola Pota"/>
+        <a:font script="Mong" typeface="Mongolian Baiti"/>
+        <a:font script="Viet" typeface="Arial"/>
+        <a:font script="Uigh" typeface="Microsoft Uighur"/>
+        <a:font script="Geor" typeface="Sylfaen"/>
+        <a:font script="Armn" typeface="Arial"/>
+        <a:font script="Bugi" typeface="Leelawadee UI"/>
+        <a:font script="Bopo" typeface="Microsoft JhengHei"/>
+        <a:font script="Java" typeface="Javanese Text"/>
+        <a:font script="Lisu" typeface="Segoe UI"/>
+        <a:font script="Mymr" typeface="Myanmar Text"/>
+        <a:font script="Nkoo" typeface="Ebrima"/>
+        <a:font script="Olck" typeface="Nirmala UI"/>
+        <a:font script="Osma" typeface="Ebrima"/>
+        <a:font script="Phag" typeface="Phagspa"/>
+        <a:font script="Syrn" typeface="Estrangelo Edessa"/>
+        <a:font script="Syrj" typeface="Estrangelo Edessa"/>
+        <a:font script="Syre" typeface="Estrangelo Edessa"/>
+        <a:font script="Sora" typeface="Nirmala UI"/>
+        <a:font script="Tale" typeface="Microsoft Tai Le"/>
+        <a:font script="Talu" typeface="Microsoft New Tai Lue"/>
+        <a:font script="Tfng" typeface="Ebrima"/>
+      </a:minorFont>
+    </a:fontScheme>
+    <a:fmtScheme name="Office">
+      <a:fillStyleLst>
+        <a:solidFill>
+          <a:schemeClr val="phClr"/>
+        </a:solidFill>
+        <a:gradFill rotWithShape="1">
+          <a:gsLst>
+            <a:gs pos="0">
+              <a:schemeClr val="phClr">
+                <a:lumMod val="110000"/>
+                <a:satMod val="105000"/>
+                <a:tint val="67000"/>
+              </a:schemeClr>
+            </a:gs>
+            <a:gs pos="50000">
+              <a:schemeClr val="phClr">
+                <a:lumMod val="105000"/>
+                <a:satMod val="103000"/>
+                <a:tint val="73000"/>
+              </a:schemeClr>
+            </a:gs>
+            <a:gs pos="100000">
+              <a:schemeClr val="phClr">
+                <a:lumMod val="105000"/>
+                <a:satMod val="109000"/>
+                <a:tint val="81000"/>
+              </a:schemeClr>
+            </a:gs>
+          </a:gsLst>
+          <a:lin ang="5400000" scaled="0"/>
+        </a:gradFill>
+        <a:gradFill rotWithShape="1">
+          <a:gsLst>
+            <a:gs pos="0">
+              <a:schemeClr val="phClr">
+                <a:satMod val="103000"/>
+                <a:lumMod val="102000"/>
+                <a:tint val="94000"/>
+              </a:schemeClr>
+            </a:gs>
+            <a:gs pos="50000">
+              <a:schemeClr val="phClr">
+                <a:satMod val="110000"/>
+                <a:lumMod val="100000"/>
+                <a:shade val="100000"/>
+              </a:schemeClr>
+            </a:gs>
+            <a:gs pos="100000">
+              <a:schemeClr val="phClr">
+                <a:lumMod val="99000"/>
+                <a:satMod val="120000"/>
+                <a:shade val="78000"/>
+              </a:schemeClr>
+            </a:gs>
+          </a:gsLst>
+          <a:lin ang="5400000" scaled="0"/>
+        </a:gradFill>
+      </a:fillStyleLst>
+      <a:lnStyleLst>
+        <a:ln w="6350" cap="flat" cmpd="sng" algn="ctr">
+          <a:solidFill>
+            <a:schemeClr val="phClr"/>
+          </a:solidFill>
+          <a:prstDash val="solid"/>
+          <a:miter lim="800000"/>
+        </a:ln>
+        <a:ln w="12700" cap="flat" cmpd="sng" algn="ctr">
+          <a:solidFill>
+            <a:schemeClr val="phClr"/>
+          </a:solidFill>
+          <a:prstDash val="solid"/>
+          <a:miter lim="800000"/>
+        </a:ln>
+        <a:ln w="19050" cap="flat" cmpd="sng" algn="ctr">
+          <a:solidFill>
+            <a:schemeClr val="phClr"/>
+          </a:solidFill>
+          <a:prstDash val="solid"/>
+          <a:miter lim="800000"/>
+        </a:ln>
+      </a:lnStyleLst>
+      <a:effectStyleLst>
+        <a:effectStyle>
+          <a:effectLst/>
+        </a:effectStyle>
+        <a:effectStyle>
+          <a:effectLst/>
+        </a:effectStyle>
+        <a:effectStyle>
+          <a:effectLst>
+            <a:outerShdw blurRad="57150" dist="19050" dir="5400000" algn="ctr" rotWithShape="0">
+              <a:srgbClr val="000000">
+                <a:alpha val="63000"/>
+              </a:srgbClr>
+            </a:outerShdw>
+          </a:effectLst>
+        </a:effectStyle>
+      </a:effectStyleLst>
+      <a:bgFillStyleLst>
+        <a:solidFill>
+          <a:schemeClr val="phClr"/>
+        </a:solidFill>
+        <a:solidFill>
+          <a:schemeClr val="phClr">
+            <a:tint val="95000"/>
+            <a:satMod val="170000"/>
+          </a:schemeClr>
+        </a:solidFill>
+        <a:gradFill rotWithShape="1">
+          <a:gsLst>
+            <a:gs pos="0">
+              <a:schemeClr val="phClr">
+                <a:tint val="93000"/>
+                <a:satMod val="150000"/>
+                <a:shade val="98000"/>
+                <a:lumMod val="102000"/>
+              </a:schemeClr>
+            </a:gs>
+            <a:gs pos="50000">
+              <a:schemeClr val="phClr">
+                <a:tint val="98000"/>
+                <a:satMod val="130000"/>
+                <a:shade val="90000"/>
+                <a:lumMod val="103000"/>
+              </a:schemeClr>
+            </a:gs>
+            <a:gs pos="100000">
+              <a:schemeClr val="phClr">
+                <a:shade val="63000"/>
+                <a:satMod val="120000"/>
+              </a:schemeClr>
+            </a:gs>
+          </a:gsLst>
+          <a:lin ang="5400000" scaled="0"/>
+        </a:gradFill>
+      </a:bgFillStyleLst>
+    </a:fmtScheme>
+  </a:themeElements>
+  <a:objectDefaults/>
+  <a:extraClrSchemeLst/>
+  <a:extLst>
+    <a:ext uri="{05A4C25C-085E-4340-85A3-A5531E510DB2}">
+      <thm15:themeFamily xmlns:thm15="http://schemas.microsoft.com/office/thememl/2012/main" name="Office Theme" id="{62F939B6-93AF-4DB8-9C6B-D6C7DFDC589F}" vid="{4A3C46E8-61CC-4603-A589-7422A47A8E4A}"/>
+    </a:ext>
+  </a:extLst>
+</a:theme>
 </file>